--- a/Lecture-GithubReview.pptx
+++ b/Lecture-GithubReview.pptx
@@ -5,22 +5,21 @@
     <p:sldMasterId id="2147483700" r:id="rId4"/>
   </p:sldMasterIdLst>
   <p:notesMasterIdLst>
-    <p:notesMasterId r:id="rId18"/>
+    <p:notesMasterId r:id="rId17"/>
   </p:notesMasterIdLst>
   <p:sldIdLst>
-    <p:sldId id="278" r:id="rId5"/>
-    <p:sldId id="297" r:id="rId6"/>
-    <p:sldId id="291" r:id="rId7"/>
-    <p:sldId id="292" r:id="rId8"/>
-    <p:sldId id="294" r:id="rId9"/>
-    <p:sldId id="281" r:id="rId10"/>
-    <p:sldId id="283" r:id="rId11"/>
-    <p:sldId id="284" r:id="rId12"/>
-    <p:sldId id="296" r:id="rId13"/>
-    <p:sldId id="285" r:id="rId14"/>
-    <p:sldId id="288" r:id="rId15"/>
-    <p:sldId id="290" r:id="rId16"/>
-    <p:sldId id="298" r:id="rId17"/>
+    <p:sldId id="297" r:id="rId5"/>
+    <p:sldId id="291" r:id="rId6"/>
+    <p:sldId id="292" r:id="rId7"/>
+    <p:sldId id="294" r:id="rId8"/>
+    <p:sldId id="281" r:id="rId9"/>
+    <p:sldId id="283" r:id="rId10"/>
+    <p:sldId id="284" r:id="rId11"/>
+    <p:sldId id="296" r:id="rId12"/>
+    <p:sldId id="285" r:id="rId13"/>
+    <p:sldId id="288" r:id="rId14"/>
+    <p:sldId id="290" r:id="rId15"/>
+    <p:sldId id="298" r:id="rId16"/>
   </p:sldIdLst>
   <p:sldSz cx="12192000" cy="6858000"/>
   <p:notesSz cx="6858000" cy="9144000"/>
@@ -217,7 +216,7 @@
           <a:p>
             <a:fld id="{AFD01546-198A-4195-BCF8-F0FF54C90E5E}" type="datetimeFigureOut">
               <a:rPr lang="en-US" smtClean="0"/>
-              <a:t>9/2/25</a:t>
+              <a:t>9/3/25</a:t>
             </a:fld>
             <a:endParaRPr lang="en-US" dirty="0"/>
           </a:p>
@@ -549,7 +548,7 @@
           <a:p>
             <a:fld id="{2E6DE88F-1F85-4A27-9D34-D74A50E7B0DA}" type="slidenum">
               <a:rPr lang="en-US" smtClean="0"/>
-              <a:t>6</a:t>
+              <a:t>5</a:t>
             </a:fld>
             <a:endParaRPr lang="en-US" dirty="0"/>
           </a:p>
@@ -633,7 +632,7 @@
           <a:p>
             <a:fld id="{2E6DE88F-1F85-4A27-9D34-D74A50E7B0DA}" type="slidenum">
               <a:rPr lang="en-US" smtClean="0"/>
-              <a:t>10</a:t>
+              <a:t>9</a:t>
             </a:fld>
             <a:endParaRPr lang="en-US" dirty="0"/>
           </a:p>
@@ -799,7 +798,7 @@
           <a:p>
             <a:fld id="{88D38747-4367-4BD2-8D51-C97E202738E2}" type="datetime1">
               <a:rPr lang="en-US" smtClean="0"/>
-              <a:t>9/2/25</a:t>
+              <a:t>9/3/25</a:t>
             </a:fld>
             <a:endParaRPr lang="en-US" dirty="0"/>
           </a:p>
@@ -998,7 +997,7 @@
           <a:p>
             <a:fld id="{073ED0CC-082F-4160-86E5-0D6041F12778}" type="datetime1">
               <a:rPr lang="en-US" smtClean="0"/>
-              <a:t>9/2/25</a:t>
+              <a:t>9/3/25</a:t>
             </a:fld>
             <a:endParaRPr lang="en-US" dirty="0"/>
           </a:p>
@@ -1207,7 +1206,7 @@
           <a:p>
             <a:fld id="{073ED0CC-082F-4160-86E5-0D6041F12778}" type="datetime1">
               <a:rPr lang="en-US" smtClean="0"/>
-              <a:t>9/2/25</a:t>
+              <a:t>9/3/25</a:t>
             </a:fld>
             <a:endParaRPr lang="en-US" dirty="0"/>
           </a:p>
@@ -1406,7 +1405,7 @@
           <a:p>
             <a:fld id="{73C55A3C-5767-4844-A0A3-83778C2E5409}" type="datetime1">
               <a:rPr lang="en-US" smtClean="0"/>
-              <a:t>9/2/25</a:t>
+              <a:t>9/3/25</a:t>
             </a:fld>
             <a:endParaRPr lang="en-US" dirty="0"/>
           </a:p>
@@ -1681,7 +1680,7 @@
           <a:p>
             <a:fld id="{CAE507A8-A5CF-4D38-AB86-7EDDA87A85D4}" type="datetime1">
               <a:rPr lang="en-US" smtClean="0"/>
-              <a:t>9/2/25</a:t>
+              <a:t>9/3/25</a:t>
             </a:fld>
             <a:endParaRPr lang="en-US" dirty="0"/>
           </a:p>
@@ -1947,7 +1946,7 @@
           <a:p>
             <a:fld id="{BDFCD27C-8599-43EF-BA1D-14DDC1946E06}" type="datetime1">
               <a:rPr lang="en-US" smtClean="0"/>
-              <a:t>9/2/25</a:t>
+              <a:t>9/3/25</a:t>
             </a:fld>
             <a:endParaRPr lang="en-US" dirty="0"/>
           </a:p>
@@ -2359,7 +2358,7 @@
           <a:p>
             <a:fld id="{49343D99-809A-49C0-96E5-4250D0B498EE}" type="datetime1">
               <a:rPr lang="en-US" smtClean="0"/>
-              <a:t>9/2/25</a:t>
+              <a:t>9/3/25</a:t>
             </a:fld>
             <a:endParaRPr lang="en-US" dirty="0"/>
           </a:p>
@@ -2500,7 +2499,7 @@
           <a:p>
             <a:fld id="{A143DE9B-B678-4EFB-BB7D-A4370204A0B0}" type="datetime1">
               <a:rPr lang="en-US" smtClean="0"/>
-              <a:t>9/2/25</a:t>
+              <a:t>9/3/25</a:t>
             </a:fld>
             <a:endParaRPr lang="en-US" dirty="0"/>
           </a:p>
@@ -2613,7 +2612,7 @@
           <a:p>
             <a:fld id="{E68812DA-F765-4142-A6A3-A8ED7235E082}" type="datetime1">
               <a:rPr lang="en-US" smtClean="0"/>
-              <a:t>9/2/25</a:t>
+              <a:t>9/3/25</a:t>
             </a:fld>
             <a:endParaRPr lang="en-US" dirty="0"/>
           </a:p>
@@ -2924,7 +2923,7 @@
           <a:p>
             <a:fld id="{3E0277FD-7DE6-41D4-930D-AC99F5AFE54E}" type="datetime1">
               <a:rPr lang="en-US" smtClean="0"/>
-              <a:t>9/2/25</a:t>
+              <a:t>9/3/25</a:t>
             </a:fld>
             <a:endParaRPr lang="en-US" dirty="0"/>
           </a:p>
@@ -3213,7 +3212,7 @@
           <a:p>
             <a:fld id="{9EA15526-7079-4B7B-987C-1B5FAE11A0FF}" type="datetime1">
               <a:rPr lang="en-US" smtClean="0"/>
-              <a:t>9/2/25</a:t>
+              <a:t>9/3/25</a:t>
             </a:fld>
             <a:endParaRPr lang="en-US" dirty="0"/>
           </a:p>
@@ -3455,7 +3454,7 @@
           <a:p>
             <a:fld id="{073ED0CC-082F-4160-86E5-0D6041F12778}" type="datetime1">
               <a:rPr lang="en-US" smtClean="0"/>
-              <a:t>9/2/25</a:t>
+              <a:t>9/3/25</a:t>
             </a:fld>
             <a:endParaRPr lang="en-US" dirty="0"/>
           </a:p>
@@ -3859,14 +3858,6 @@
 <file path=ppt/slides/slide1.xml><?xml version="1.0" encoding="utf-8"?>
 <p:sld xmlns:a="http://schemas.openxmlformats.org/drawingml/2006/main" xmlns:r="http://schemas.openxmlformats.org/officeDocument/2006/relationships" xmlns:p="http://schemas.openxmlformats.org/presentationml/2006/main">
   <p:cSld>
-    <p:bg>
-      <p:bgPr>
-        <a:solidFill>
-          <a:schemeClr val="bg1"/>
-        </a:solidFill>
-        <a:effectLst/>
-      </p:bgPr>
-    </p:bg>
     <p:spTree>
       <p:nvGrpSpPr>
         <p:cNvPr id="1" name=""/>
@@ -3881,58 +3872,12 @@
           <a:chExt cx="0" cy="0"/>
         </a:xfrm>
       </p:grpSpPr>
-      <p:pic>
-        <p:nvPicPr>
-          <p:cNvPr id="5" name="Picture 4">
-            <a:extLst>
-              <a:ext uri="{FF2B5EF4-FFF2-40B4-BE49-F238E27FC236}">
-                <a16:creationId xmlns:a16="http://schemas.microsoft.com/office/drawing/2014/main" id="{F8A1C807-B9AD-4C9B-BF9F-60F03428998E}"/>
-              </a:ext>
-              <a:ext uri="{C183D7F6-B498-43B3-948B-1728B52AA6E4}">
-                <adec:decorative xmlns:adec="http://schemas.microsoft.com/office/drawing/2017/decorative" val="1"/>
-              </a:ext>
-            </a:extLst>
-          </p:cNvPr>
-          <p:cNvPicPr>
-            <a:picLocks noChangeAspect="1"/>
-          </p:cNvPicPr>
-          <p:nvPr/>
-        </p:nvPicPr>
-        <p:blipFill rotWithShape="1">
-          <a:blip r:embed="rId2">
-            <a:duotone>
-              <a:schemeClr val="bg2">
-                <a:shade val="45000"/>
-                <a:satMod val="135000"/>
-              </a:schemeClr>
-              <a:prstClr val="white"/>
-            </a:duotone>
-            <a:alphaModFix amt="35000"/>
-            <a:extLst>
-              <a:ext uri="{28A0092B-C50C-407E-A947-70E740481C1C}">
-                <a14:useLocalDpi xmlns:a14="http://schemas.microsoft.com/office/drawing/2010/main" val="0"/>
-              </a:ext>
-            </a:extLst>
-          </a:blip>
-          <a:srcRect/>
-          <a:stretch/>
-        </p:blipFill>
-        <p:spPr>
-          <a:xfrm>
-            <a:off x="305" y="9842"/>
-            <a:ext cx="12191695" cy="6857990"/>
-          </a:xfrm>
-          <a:prstGeom prst="rect">
-            <a:avLst/>
-          </a:prstGeom>
-        </p:spPr>
-      </p:pic>
       <p:sp>
         <p:nvSpPr>
           <p:cNvPr id="2" name="Title 1">
             <a:extLst>
               <a:ext uri="{FF2B5EF4-FFF2-40B4-BE49-F238E27FC236}">
-                <a16:creationId xmlns:a16="http://schemas.microsoft.com/office/drawing/2014/main" id="{0D1F047C-C727-42A7-85C5-68C5AA1B1A93}"/>
+                <a16:creationId xmlns:a16="http://schemas.microsoft.com/office/drawing/2014/main" id="{7DD3C385-BAFC-E656-0184-4A3784977C70}"/>
               </a:ext>
             </a:extLst>
           </p:cNvPr>
@@ -3940,41 +3885,27 @@
             <a:spLocks noGrp="1"/>
           </p:cNvSpPr>
           <p:nvPr>
-            <p:ph type="ctrTitle"/>
+            <p:ph type="title"/>
           </p:nvPr>
         </p:nvSpPr>
-        <p:spPr>
-          <a:xfrm>
-            <a:off x="1524000" y="2036763"/>
-            <a:ext cx="9144000" cy="2387600"/>
-          </a:xfrm>
-        </p:spPr>
-        <p:txBody>
-          <a:bodyPr>
-            <a:normAutofit/>
-          </a:bodyPr>
+        <p:spPr/>
+        <p:txBody>
+          <a:bodyPr/>
           <a:lstStyle/>
           <a:p>
             <a:r>
               <a:rPr lang="en-US" dirty="0"/>
-              <a:t>QTM 151:</a:t>
-            </a:r>
-            <a:br>
-              <a:rPr lang="en-US" dirty="0"/>
-            </a:br>
-            <a:r>
-              <a:rPr lang="en-US" dirty="0"/>
-              <a:t>Lecture 1 - Reviewing GitHub</a:t>
-            </a:r>
-          </a:p>
-        </p:txBody>
-      </p:sp>
-      <p:sp>
-        <p:nvSpPr>
-          <p:cNvPr id="3" name="Subtitle 2">
-            <a:extLst>
-              <a:ext uri="{FF2B5EF4-FFF2-40B4-BE49-F238E27FC236}">
-                <a16:creationId xmlns:a16="http://schemas.microsoft.com/office/drawing/2014/main" id="{DB93FB3F-A8D4-46D3-A1C6-C79C64563729}"/>
+              <a:t>Learning Objectives</a:t>
+            </a:r>
+          </a:p>
+        </p:txBody>
+      </p:sp>
+      <p:sp>
+        <p:nvSpPr>
+          <p:cNvPr id="3" name="Content Placeholder 2">
+            <a:extLst>
+              <a:ext uri="{FF2B5EF4-FFF2-40B4-BE49-F238E27FC236}">
+                <a16:creationId xmlns:a16="http://schemas.microsoft.com/office/drawing/2014/main" id="{81991EA7-1D99-1B2D-E9F1-42108A9EE330}"/>
               </a:ext>
             </a:extLst>
           </p:cNvPr>
@@ -3982,61 +3913,127 @@
             <a:spLocks noGrp="1"/>
           </p:cNvSpPr>
           <p:nvPr>
-            <p:ph type="subTitle" idx="1"/>
+            <p:ph idx="1"/>
           </p:nvPr>
         </p:nvSpPr>
         <p:spPr>
           <a:xfrm>
-            <a:off x="1524000" y="4989967"/>
-            <a:ext cx="9144000" cy="1655762"/>
+            <a:off x="616227" y="1825625"/>
+            <a:ext cx="10913164" cy="4351338"/>
           </a:xfrm>
         </p:spPr>
         <p:txBody>
           <a:bodyPr>
-            <a:normAutofit/>
+            <a:normAutofit fontScale="92500"/>
           </a:bodyPr>
           <a:lstStyle/>
           <a:p>
-            <a:r>
-              <a:rPr lang="en-US" dirty="0">
-                <a:solidFill>
-                  <a:schemeClr val="tx1">
-                    <a:lumMod val="85000"/>
-                    <a:lumOff val="15000"/>
-                  </a:schemeClr>
-                </a:solidFill>
-              </a:rPr>
-              <a:t>September 3</a:t>
-            </a:r>
-            <a:r>
-              <a:rPr lang="en-US" baseline="30000" dirty="0">
-                <a:solidFill>
-                  <a:schemeClr val="tx1">
-                    <a:lumMod val="85000"/>
-                    <a:lumOff val="15000"/>
-                  </a:schemeClr>
-                </a:solidFill>
-              </a:rPr>
-              <a:t>rd</a:t>
-            </a:r>
-            <a:r>
-              <a:rPr lang="en-US" dirty="0">
-                <a:solidFill>
-                  <a:schemeClr val="tx1">
-                    <a:lumMod val="85000"/>
-                    <a:lumOff val="15000"/>
-                  </a:schemeClr>
-                </a:solidFill>
-              </a:rPr>
-              <a:t>, 2025</a:t>
-            </a:r>
+            <a:pPr marL="514350" indent="-514350">
+              <a:buFont typeface="+mj-lt"/>
+              <a:buAutoNum type="arabicPeriod"/>
+            </a:pPr>
+            <a:r>
+              <a:rPr lang="en-US" dirty="0"/>
+              <a:t>Understand the difference between cloning and forking a repository</a:t>
+            </a:r>
+          </a:p>
+          <a:p>
+            <a:pPr marL="514350" indent="-514350">
+              <a:buFont typeface="+mj-lt"/>
+              <a:buAutoNum type="arabicPeriod"/>
+            </a:pPr>
+            <a:endParaRPr lang="en-US" dirty="0"/>
+          </a:p>
+          <a:p>
+            <a:pPr marL="514350" indent="-514350">
+              <a:buFont typeface="+mj-lt"/>
+              <a:buAutoNum type="arabicPeriod"/>
+            </a:pPr>
+            <a:r>
+              <a:rPr lang="en-US" dirty="0"/>
+              <a:t>Learn how to removed cloned repos</a:t>
+            </a:r>
+          </a:p>
+          <a:p>
+            <a:pPr marL="514350" indent="-514350">
+              <a:buFont typeface="+mj-lt"/>
+              <a:buAutoNum type="arabicPeriod"/>
+            </a:pPr>
+            <a:endParaRPr lang="en-US" dirty="0"/>
+          </a:p>
+          <a:p>
+            <a:pPr marL="514350" indent="-514350">
+              <a:buFont typeface="+mj-lt"/>
+              <a:buAutoNum type="arabicPeriod"/>
+            </a:pPr>
+            <a:r>
+              <a:rPr lang="en-US" dirty="0"/>
+              <a:t>Understand the </a:t>
+            </a:r>
+            <a:r>
+              <a:rPr lang="en-US" b="1" dirty="0"/>
+              <a:t>GitHub workflow</a:t>
+            </a:r>
+            <a:r>
+              <a:rPr lang="en-US" dirty="0"/>
+              <a:t>: change, commit, push, fetch, pull</a:t>
+            </a:r>
+          </a:p>
+          <a:p>
+            <a:pPr marL="514350" indent="-514350">
+              <a:buFont typeface="+mj-lt"/>
+              <a:buAutoNum type="arabicPeriod"/>
+            </a:pPr>
+            <a:endParaRPr lang="en-US" dirty="0"/>
+          </a:p>
+          <a:p>
+            <a:pPr marL="514350" indent="-514350">
+              <a:buFont typeface="+mj-lt"/>
+              <a:buAutoNum type="arabicPeriod"/>
+            </a:pPr>
+            <a:r>
+              <a:rPr lang="en-US" dirty="0"/>
+              <a:t>Learn how to keep a forked repository updated</a:t>
+            </a:r>
+          </a:p>
+          <a:p>
+            <a:pPr marL="514350" indent="-514350">
+              <a:buFont typeface="+mj-lt"/>
+              <a:buAutoNum type="arabicPeriod"/>
+            </a:pPr>
+            <a:endParaRPr lang="en-US" dirty="0"/>
+          </a:p>
+          <a:p>
+            <a:pPr marL="514350" indent="-514350">
+              <a:buFont typeface="+mj-lt"/>
+              <a:buAutoNum type="arabicPeriod"/>
+            </a:pPr>
+            <a:r>
+              <a:rPr lang="en-US" dirty="0"/>
+              <a:t>Understand what a </a:t>
+            </a:r>
+            <a:r>
+              <a:rPr lang="en-US" b="1" dirty="0"/>
+              <a:t>virtual environment </a:t>
+            </a:r>
+            <a:r>
+              <a:rPr lang="en-US" dirty="0"/>
+              <a:t>is and how to create one (maybe)</a:t>
+            </a:r>
+          </a:p>
+          <a:p>
+            <a:pPr marL="514350" indent="-514350">
+              <a:buFont typeface="+mj-lt"/>
+              <a:buAutoNum type="arabicPeriod"/>
+            </a:pPr>
+            <a:endParaRPr lang="en-US" dirty="0"/>
           </a:p>
         </p:txBody>
       </p:sp>
     </p:spTree>
     <p:extLst>
       <p:ext uri="{BB962C8B-B14F-4D97-AF65-F5344CB8AC3E}">
-        <p14:creationId xmlns:p14="http://schemas.microsoft.com/office/powerpoint/2010/main" val="4167884232"/>
+        <p14:creationId xmlns:p14="http://schemas.microsoft.com/office/powerpoint/2010/main" val="915265621"/>
       </p:ext>
     </p:extLst>
   </p:cSld>
@@ -4065,10 +4062,10 @@
       </p:grpSpPr>
       <p:sp>
         <p:nvSpPr>
-          <p:cNvPr id="6" name="Cloud 5">
-            <a:extLst>
-              <a:ext uri="{FF2B5EF4-FFF2-40B4-BE49-F238E27FC236}">
-                <a16:creationId xmlns:a16="http://schemas.microsoft.com/office/drawing/2014/main" id="{91A0ADAF-3DFA-B90D-2096-F2659513E704}"/>
+          <p:cNvPr id="4" name="Cloud 3">
+            <a:extLst>
+              <a:ext uri="{FF2B5EF4-FFF2-40B4-BE49-F238E27FC236}">
+                <a16:creationId xmlns:a16="http://schemas.microsoft.com/office/drawing/2014/main" id="{FA0C9B4C-E172-B8B1-22D2-30A3870C4443}"/>
               </a:ext>
             </a:extLst>
           </p:cNvPr>
@@ -4077,8 +4074,8 @@
         </p:nvSpPr>
         <p:spPr>
           <a:xfrm>
-            <a:off x="1624484" y="386299"/>
-            <a:ext cx="3099056" cy="2348564"/>
+            <a:off x="1354189" y="1079739"/>
+            <a:ext cx="3617663" cy="2741581"/>
           </a:xfrm>
           <a:prstGeom prst="cloud">
             <a:avLst/>
@@ -4119,10 +4116,10 @@
       </p:sp>
       <p:pic>
         <p:nvPicPr>
-          <p:cNvPr id="7" name="Picture 12" descr="Project Jupyter | Home">
-            <a:extLst>
-              <a:ext uri="{FF2B5EF4-FFF2-40B4-BE49-F238E27FC236}">
-                <a16:creationId xmlns:a16="http://schemas.microsoft.com/office/drawing/2014/main" id="{E97771E9-14EE-9208-3D23-44F3C8F67154}"/>
+          <p:cNvPr id="5" name="Picture 12" descr="Project Jupyter | Home">
+            <a:extLst>
+              <a:ext uri="{FF2B5EF4-FFF2-40B4-BE49-F238E27FC236}">
+                <a16:creationId xmlns:a16="http://schemas.microsoft.com/office/drawing/2014/main" id="{ECB25DB1-A764-960D-E735-2879BE0EEF39}"/>
               </a:ext>
             </a:extLst>
           </p:cNvPr>
@@ -4132,20 +4129,8 @@
           <p:nvPr/>
         </p:nvPicPr>
         <p:blipFill rotWithShape="1">
-          <a:blip r:embed="rId3">
-            <a:extLst>
-              <a:ext uri="{BEBA8EAE-BF5A-486C-A8C5-ECC9F3942E4B}">
-                <a14:imgProps xmlns:a14="http://schemas.microsoft.com/office/drawing/2010/main">
-                  <a14:imgLayer r:embed="rId4">
-                    <a14:imgEffect>
-                      <a14:saturation sat="0"/>
-                    </a14:imgEffect>
-                    <a14:imgEffect>
-                      <a14:brightnessContrast bright="-40000" contrast="40000"/>
-                    </a14:imgEffect>
-                  </a14:imgLayer>
-                </a14:imgProps>
-              </a:ext>
+          <a:blip r:embed="rId2">
+            <a:extLst>
               <a:ext uri="{28A0092B-C50C-407E-A947-70E740481C1C}">
                 <a14:useLocalDpi xmlns:a14="http://schemas.microsoft.com/office/drawing/2010/main" val="0"/>
               </a:ext>
@@ -4156,8 +4141,8 @@
         </p:blipFill>
         <p:spPr bwMode="auto">
           <a:xfrm>
-            <a:off x="1772935" y="1181839"/>
-            <a:ext cx="1088013" cy="707942"/>
+            <a:off x="1354189" y="1656609"/>
+            <a:ext cx="1270085" cy="826412"/>
           </a:xfrm>
           <a:prstGeom prst="rect">
             <a:avLst/>
@@ -4176,10 +4161,10 @@
       </p:pic>
       <p:pic>
         <p:nvPicPr>
-          <p:cNvPr id="9" name="Picture 12" descr="Project Jupyter | Home">
-            <a:extLst>
-              <a:ext uri="{FF2B5EF4-FFF2-40B4-BE49-F238E27FC236}">
-                <a16:creationId xmlns:a16="http://schemas.microsoft.com/office/drawing/2014/main" id="{EAC28D1E-DFB7-66CB-D9B9-CA75FC288DC2}"/>
+          <p:cNvPr id="6" name="Picture 12" descr="Project Jupyter | Home">
+            <a:extLst>
+              <a:ext uri="{FF2B5EF4-FFF2-40B4-BE49-F238E27FC236}">
+                <a16:creationId xmlns:a16="http://schemas.microsoft.com/office/drawing/2014/main" id="{9F3D9B56-1D76-B658-1982-D6648B4F9B4B}"/>
               </a:ext>
             </a:extLst>
           </p:cNvPr>
@@ -4189,27 +4174,8 @@
           <p:nvPr/>
         </p:nvPicPr>
         <p:blipFill rotWithShape="1">
-          <a:blip r:embed="rId5">
-            <a:duotone>
-              <a:prstClr val="black"/>
-              <a:schemeClr val="accent5">
-                <a:tint val="45000"/>
-                <a:satMod val="400000"/>
-              </a:schemeClr>
-            </a:duotone>
-            <a:extLst>
-              <a:ext uri="{BEBA8EAE-BF5A-486C-A8C5-ECC9F3942E4B}">
-                <a14:imgProps xmlns:a14="http://schemas.microsoft.com/office/drawing/2010/main">
-                  <a14:imgLayer r:embed="rId6">
-                    <a14:imgEffect>
-                      <a14:artisticPhotocopy/>
-                    </a14:imgEffect>
-                    <a14:imgEffect>
-                      <a14:saturation sat="0"/>
-                    </a14:imgEffect>
-                  </a14:imgLayer>
-                </a14:imgProps>
-              </a:ext>
+          <a:blip r:embed="rId2">
+            <a:extLst>
               <a:ext uri="{28A0092B-C50C-407E-A947-70E740481C1C}">
                 <a14:useLocalDpi xmlns:a14="http://schemas.microsoft.com/office/drawing/2010/main" val="0"/>
               </a:ext>
@@ -4220,8 +4186,8 @@
         </p:blipFill>
         <p:spPr bwMode="auto">
           <a:xfrm>
-            <a:off x="2383209" y="1684338"/>
-            <a:ext cx="1088013" cy="707942"/>
+            <a:off x="1486723" y="2419620"/>
+            <a:ext cx="1270085" cy="826412"/>
           </a:xfrm>
           <a:prstGeom prst="rect">
             <a:avLst/>
@@ -4240,10 +4206,10 @@
       </p:pic>
       <p:pic>
         <p:nvPicPr>
-          <p:cNvPr id="10" name="Picture 4" descr="Purple github 10 icon - Free purple site logo icons">
-            <a:extLst>
-              <a:ext uri="{FF2B5EF4-FFF2-40B4-BE49-F238E27FC236}">
-                <a16:creationId xmlns:a16="http://schemas.microsoft.com/office/drawing/2014/main" id="{A67824CE-F5DC-A33E-E4C1-2B731E9D259F}"/>
+          <p:cNvPr id="7" name="Picture 4" descr="Purple github 10 icon - Free purple site logo icons">
+            <a:extLst>
+              <a:ext uri="{FF2B5EF4-FFF2-40B4-BE49-F238E27FC236}">
+                <a16:creationId xmlns:a16="http://schemas.microsoft.com/office/drawing/2014/main" id="{688FB6EE-9081-21DD-60B7-5EBC5EA5A663}"/>
               </a:ext>
             </a:extLst>
           </p:cNvPr>
@@ -4253,7 +4219,7 @@
           <p:nvPr/>
         </p:nvPicPr>
         <p:blipFill>
-          <a:blip r:embed="rId7">
+          <a:blip r:embed="rId3">
             <a:extLst>
               <a:ext uri="{28A0092B-C50C-407E-A947-70E740481C1C}">
                 <a14:useLocalDpi xmlns:a14="http://schemas.microsoft.com/office/drawing/2010/main" val="0"/>
@@ -4267,8 +4233,8 @@
         </p:blipFill>
         <p:spPr bwMode="auto">
           <a:xfrm>
-            <a:off x="1624484" y="1929251"/>
-            <a:ext cx="640359" cy="640359"/>
+            <a:off x="1221655" y="3350708"/>
+            <a:ext cx="747519" cy="747519"/>
           </a:xfrm>
           <a:prstGeom prst="rect">
             <a:avLst/>
@@ -4287,10 +4253,10 @@
       </p:pic>
       <p:pic>
         <p:nvPicPr>
-          <p:cNvPr id="11" name="Picture 12" descr="Project Jupyter | Home">
-            <a:extLst>
-              <a:ext uri="{FF2B5EF4-FFF2-40B4-BE49-F238E27FC236}">
-                <a16:creationId xmlns:a16="http://schemas.microsoft.com/office/drawing/2014/main" id="{5CFE4F54-6E7E-1227-FA35-B284BE1BF77D}"/>
+          <p:cNvPr id="8" name="Picture 12" descr="Project Jupyter | Home">
+            <a:extLst>
+              <a:ext uri="{FF2B5EF4-FFF2-40B4-BE49-F238E27FC236}">
+                <a16:creationId xmlns:a16="http://schemas.microsoft.com/office/drawing/2014/main" id="{2B454A2E-1B88-00A9-0989-F29B3BCBCFE9}"/>
               </a:ext>
             </a:extLst>
           </p:cNvPr>
@@ -4300,7 +4266,7 @@
           <p:nvPr/>
         </p:nvPicPr>
         <p:blipFill rotWithShape="1">
-          <a:blip r:embed="rId8">
+          <a:blip r:embed="rId2">
             <a:extLst>
               <a:ext uri="{28A0092B-C50C-407E-A947-70E740481C1C}">
                 <a14:useLocalDpi xmlns:a14="http://schemas.microsoft.com/office/drawing/2010/main" val="0"/>
@@ -4312,8 +4278,8 @@
         </p:blipFill>
         <p:spPr bwMode="auto">
           <a:xfrm>
-            <a:off x="2630005" y="834380"/>
-            <a:ext cx="1088013" cy="707942"/>
+            <a:off x="2197847" y="1431126"/>
+            <a:ext cx="1270085" cy="826412"/>
           </a:xfrm>
           <a:prstGeom prst="rect">
             <a:avLst/>
@@ -4332,10 +4298,10 @@
       </p:pic>
       <p:sp>
         <p:nvSpPr>
-          <p:cNvPr id="12" name="TextBox 11">
-            <a:extLst>
-              <a:ext uri="{FF2B5EF4-FFF2-40B4-BE49-F238E27FC236}">
-                <a16:creationId xmlns:a16="http://schemas.microsoft.com/office/drawing/2014/main" id="{E23FEF68-8DD9-0FC8-2843-DD9BA0BAEA26}"/>
+          <p:cNvPr id="9" name="TextBox 8">
+            <a:extLst>
+              <a:ext uri="{FF2B5EF4-FFF2-40B4-BE49-F238E27FC236}">
+                <a16:creationId xmlns:a16="http://schemas.microsoft.com/office/drawing/2014/main" id="{CF6F4625-6140-D422-BBA8-3B47314FD6F9}"/>
               </a:ext>
             </a:extLst>
           </p:cNvPr>
@@ -4344,8 +4310,8 @@
         </p:nvSpPr>
         <p:spPr>
           <a:xfrm>
-            <a:off x="1333485" y="2919721"/>
-            <a:ext cx="3681051" cy="369332"/>
+            <a:off x="5389083" y="1431126"/>
+            <a:ext cx="5096057" cy="369332"/>
           </a:xfrm>
           <a:prstGeom prst="rect">
             <a:avLst/>
@@ -4359,76 +4325,21 @@
           <a:lstStyle/>
           <a:p>
             <a:r>
-              <a:rPr lang="en-US" dirty="0" err="1"/>
-              <a:t>github.com</a:t>
-            </a:r>
-            <a:r>
-              <a:rPr lang="en-US" dirty="0"/>
-              <a:t>/student1/emoryqtm151</a:t>
-            </a:r>
-          </a:p>
-        </p:txBody>
-      </p:sp>
-      <p:sp>
-        <p:nvSpPr>
-          <p:cNvPr id="15" name="Cloud 14">
-            <a:extLst>
-              <a:ext uri="{FF2B5EF4-FFF2-40B4-BE49-F238E27FC236}">
-                <a16:creationId xmlns:a16="http://schemas.microsoft.com/office/drawing/2014/main" id="{DB7FDA5C-5310-53DF-6345-1B4B145B1278}"/>
-              </a:ext>
-            </a:extLst>
-          </p:cNvPr>
-          <p:cNvSpPr/>
-          <p:nvPr/>
-        </p:nvSpPr>
-        <p:spPr>
-          <a:xfrm>
-            <a:off x="5466565" y="368040"/>
-            <a:ext cx="3099056" cy="2348564"/>
-          </a:xfrm>
-          <a:prstGeom prst="cloud">
-            <a:avLst/>
-          </a:prstGeom>
-          <a:solidFill>
-            <a:schemeClr val="bg1"/>
-          </a:solidFill>
-          <a:ln>
-            <a:solidFill>
-              <a:srgbClr val="7030A0"/>
-            </a:solidFill>
-          </a:ln>
-        </p:spPr>
-        <p:style>
-          <a:lnRef idx="2">
-            <a:schemeClr val="accent1">
-              <a:shade val="50000"/>
-            </a:schemeClr>
-          </a:lnRef>
-          <a:fillRef idx="1">
-            <a:schemeClr val="accent1"/>
-          </a:fillRef>
-          <a:effectRef idx="0">
-            <a:schemeClr val="accent1"/>
-          </a:effectRef>
-          <a:fontRef idx="minor">
-            <a:schemeClr val="lt1"/>
-          </a:fontRef>
-        </p:style>
-        <p:txBody>
-          <a:bodyPr rtlCol="0" anchor="ctr"/>
-          <a:lstStyle/>
-          <a:p>
-            <a:pPr algn="ctr"/>
+              <a:rPr lang="fr-FR" dirty="0">
+                <a:hlinkClick r:id="rId4"/>
+              </a:rPr>
+              <a:t>JE-lecture-notes/qtm151_fall_2023 (github.com)</a:t>
+            </a:r>
             <a:endParaRPr lang="en-US" dirty="0"/>
           </a:p>
         </p:txBody>
       </p:sp>
       <p:pic>
         <p:nvPicPr>
-          <p:cNvPr id="16" name="Picture 12" descr="Project Jupyter | Home">
-            <a:extLst>
-              <a:ext uri="{FF2B5EF4-FFF2-40B4-BE49-F238E27FC236}">
-                <a16:creationId xmlns:a16="http://schemas.microsoft.com/office/drawing/2014/main" id="{642BE289-871D-9FE0-5A03-EA0D110E1123}"/>
+          <p:cNvPr id="10" name="Picture 12" descr="Project Jupyter | Home">
+            <a:extLst>
+              <a:ext uri="{FF2B5EF4-FFF2-40B4-BE49-F238E27FC236}">
+                <a16:creationId xmlns:a16="http://schemas.microsoft.com/office/drawing/2014/main" id="{FEB02C8F-BE3F-F7FB-4B07-424B2677A166}"/>
               </a:ext>
             </a:extLst>
           </p:cNvPr>
@@ -4438,7 +4349,7 @@
           <p:nvPr/>
         </p:nvPicPr>
         <p:blipFill rotWithShape="1">
-          <a:blip r:embed="rId8">
+          <a:blip r:embed="rId2">
             <a:extLst>
               <a:ext uri="{28A0092B-C50C-407E-A947-70E740481C1C}">
                 <a14:useLocalDpi xmlns:a14="http://schemas.microsoft.com/office/drawing/2010/main" val="0"/>
@@ -4450,8 +4361,8 @@
         </p:blipFill>
         <p:spPr bwMode="auto">
           <a:xfrm>
-            <a:off x="5615016" y="1163580"/>
-            <a:ext cx="1088013" cy="707942"/>
+            <a:off x="2311585" y="2189442"/>
+            <a:ext cx="1270085" cy="826412"/>
           </a:xfrm>
           <a:prstGeom prst="rect">
             <a:avLst/>
@@ -4470,10 +4381,10 @@
       </p:pic>
       <p:pic>
         <p:nvPicPr>
-          <p:cNvPr id="18" name="Picture 12" descr="Project Jupyter | Home">
-            <a:extLst>
-              <a:ext uri="{FF2B5EF4-FFF2-40B4-BE49-F238E27FC236}">
-                <a16:creationId xmlns:a16="http://schemas.microsoft.com/office/drawing/2014/main" id="{A8BEC4E9-1E11-3F65-9202-61CFB700CABB}"/>
+          <p:cNvPr id="11" name="Picture 12" descr="Project Jupyter | Home">
+            <a:extLst>
+              <a:ext uri="{FF2B5EF4-FFF2-40B4-BE49-F238E27FC236}">
+                <a16:creationId xmlns:a16="http://schemas.microsoft.com/office/drawing/2014/main" id="{6DA43525-FBE2-97F0-13D3-09E6E78B95F7}"/>
               </a:ext>
             </a:extLst>
           </p:cNvPr>
@@ -4483,14 +4394,7 @@
           <p:nvPr/>
         </p:nvPicPr>
         <p:blipFill rotWithShape="1">
-          <a:blip r:embed="rId8">
-            <a:duotone>
-              <a:schemeClr val="accent4">
-                <a:shade val="45000"/>
-                <a:satMod val="135000"/>
-              </a:schemeClr>
-              <a:prstClr val="white"/>
-            </a:duotone>
+          <a:blip r:embed="rId2">
             <a:extLst>
               <a:ext uri="{28A0092B-C50C-407E-A947-70E740481C1C}">
                 <a14:useLocalDpi xmlns:a14="http://schemas.microsoft.com/office/drawing/2010/main" val="0"/>
@@ -4502,8 +4406,8 @@
         </p:blipFill>
         <p:spPr bwMode="auto">
           <a:xfrm>
-            <a:off x="6225290" y="1666079"/>
-            <a:ext cx="1088013" cy="707942"/>
+            <a:off x="3041505" y="1320246"/>
+            <a:ext cx="1270085" cy="826412"/>
           </a:xfrm>
           <a:prstGeom prst="rect">
             <a:avLst/>
@@ -4522,10 +4426,10 @@
       </p:pic>
       <p:pic>
         <p:nvPicPr>
-          <p:cNvPr id="19" name="Picture 4" descr="Purple github 10 icon - Free purple site logo icons">
-            <a:extLst>
-              <a:ext uri="{FF2B5EF4-FFF2-40B4-BE49-F238E27FC236}">
-                <a16:creationId xmlns:a16="http://schemas.microsoft.com/office/drawing/2014/main" id="{FBF25A19-2739-AD49-F1F2-697BBAD2CD20}"/>
+          <p:cNvPr id="12" name="Picture 12" descr="Project Jupyter | Home">
+            <a:extLst>
+              <a:ext uri="{FF2B5EF4-FFF2-40B4-BE49-F238E27FC236}">
+                <a16:creationId xmlns:a16="http://schemas.microsoft.com/office/drawing/2014/main" id="{19F182D9-ACC2-F301-6117-8446A25218BA}"/>
               </a:ext>
             </a:extLst>
           </p:cNvPr>
@@ -4534,23 +4438,21 @@
           </p:cNvPicPr>
           <p:nvPr/>
         </p:nvPicPr>
-        <p:blipFill>
-          <a:blip r:embed="rId7">
+        <p:blipFill rotWithShape="1">
+          <a:blip r:embed="rId2">
             <a:extLst>
               <a:ext uri="{28A0092B-C50C-407E-A947-70E740481C1C}">
                 <a14:useLocalDpi xmlns:a14="http://schemas.microsoft.com/office/drawing/2010/main" val="0"/>
               </a:ext>
             </a:extLst>
           </a:blip>
-          <a:srcRect/>
-          <a:stretch>
-            <a:fillRect/>
-          </a:stretch>
+          <a:srcRect r="19314"/>
+          <a:stretch/>
         </p:blipFill>
         <p:spPr bwMode="auto">
           <a:xfrm>
-            <a:off x="5466565" y="1910992"/>
-            <a:ext cx="640359" cy="640359"/>
+            <a:off x="3163020" y="2084839"/>
+            <a:ext cx="1270085" cy="826412"/>
           </a:xfrm>
           <a:prstGeom prst="rect">
             <a:avLst/>
@@ -4567,72 +4469,27 @@
           </a:extLst>
         </p:spPr>
       </p:pic>
-      <p:pic>
-        <p:nvPicPr>
-          <p:cNvPr id="20" name="Picture 12" descr="Project Jupyter | Home">
-            <a:extLst>
-              <a:ext uri="{FF2B5EF4-FFF2-40B4-BE49-F238E27FC236}">
-                <a16:creationId xmlns:a16="http://schemas.microsoft.com/office/drawing/2014/main" id="{7D88BB84-9A23-DE4F-4E17-2EBC218DBC6C}"/>
-              </a:ext>
-            </a:extLst>
-          </p:cNvPr>
-          <p:cNvPicPr>
-            <a:picLocks noChangeAspect="1" noChangeArrowheads="1"/>
-          </p:cNvPicPr>
+      <p:sp>
+        <p:nvSpPr>
+          <p:cNvPr id="13" name="TextBox 12">
+            <a:extLst>
+              <a:ext uri="{FF2B5EF4-FFF2-40B4-BE49-F238E27FC236}">
+                <a16:creationId xmlns:a16="http://schemas.microsoft.com/office/drawing/2014/main" id="{8A160EFE-59FF-AC4C-21B3-C5535ED2C83D}"/>
+              </a:ext>
+            </a:extLst>
+          </p:cNvPr>
+          <p:cNvSpPr txBox="1"/>
           <p:nvPr/>
-        </p:nvPicPr>
-        <p:blipFill rotWithShape="1">
-          <a:blip r:embed="rId8">
-            <a:extLst>
-              <a:ext uri="{28A0092B-C50C-407E-A947-70E740481C1C}">
-                <a14:useLocalDpi xmlns:a14="http://schemas.microsoft.com/office/drawing/2010/main" val="0"/>
-              </a:ext>
-            </a:extLst>
-          </a:blip>
-          <a:srcRect r="19314"/>
-          <a:stretch/>
-        </p:blipFill>
-        <p:spPr bwMode="auto">
-          <a:xfrm>
-            <a:off x="6472086" y="816121"/>
-            <a:ext cx="1088013" cy="707942"/>
+        </p:nvSpPr>
+        <p:spPr>
+          <a:xfrm>
+            <a:off x="5268985" y="2039973"/>
+            <a:ext cx="5436291" cy="954107"/>
           </a:xfrm>
           <a:prstGeom prst="rect">
             <a:avLst/>
           </a:prstGeom>
           <a:noFill/>
-          <a:extLst>
-            <a:ext uri="{909E8E84-426E-40DD-AFC4-6F175D3DCCD1}">
-              <a14:hiddenFill xmlns:a14="http://schemas.microsoft.com/office/drawing/2010/main">
-                <a:solidFill>
-                  <a:srgbClr val="FFFFFF"/>
-                </a:solidFill>
-              </a14:hiddenFill>
-            </a:ext>
-          </a:extLst>
-        </p:spPr>
-      </p:pic>
-      <p:sp>
-        <p:nvSpPr>
-          <p:cNvPr id="21" name="TextBox 20">
-            <a:extLst>
-              <a:ext uri="{FF2B5EF4-FFF2-40B4-BE49-F238E27FC236}">
-                <a16:creationId xmlns:a16="http://schemas.microsoft.com/office/drawing/2014/main" id="{D4645064-71DB-8D47-443E-DF5CDFFC0834}"/>
-              </a:ext>
-            </a:extLst>
-          </p:cNvPr>
-          <p:cNvSpPr txBox="1"/>
-          <p:nvPr/>
-        </p:nvSpPr>
-        <p:spPr>
-          <a:xfrm>
-            <a:off x="5466565" y="2895101"/>
-            <a:ext cx="3681051" cy="369332"/>
-          </a:xfrm>
-          <a:prstGeom prst="rect">
-            <a:avLst/>
-          </a:prstGeom>
-          <a:noFill/>
         </p:spPr>
         <p:txBody>
           <a:bodyPr wrap="square" rtlCol="0">
@@ -4641,186 +4498,16 @@
           <a:lstStyle/>
           <a:p>
             <a:r>
-              <a:rPr lang="en-US" dirty="0" err="1"/>
-              <a:t>github.com</a:t>
-            </a:r>
-            <a:r>
-              <a:rPr lang="en-US" dirty="0"/>
-              <a:t>/student2/emoryqtm151</a:t>
-            </a:r>
-          </a:p>
-        </p:txBody>
-      </p:sp>
-      <p:sp>
-        <p:nvSpPr>
-          <p:cNvPr id="30" name="TextBox 29">
-            <a:extLst>
-              <a:ext uri="{FF2B5EF4-FFF2-40B4-BE49-F238E27FC236}">
-                <a16:creationId xmlns:a16="http://schemas.microsoft.com/office/drawing/2014/main" id="{90F9179B-4961-B51A-8BBE-1C7EFAB84102}"/>
-              </a:ext>
-            </a:extLst>
-          </p:cNvPr>
-          <p:cNvSpPr txBox="1"/>
-          <p:nvPr/>
-        </p:nvSpPr>
-        <p:spPr>
-          <a:xfrm>
-            <a:off x="9561995" y="671193"/>
-            <a:ext cx="2458511" cy="1200329"/>
-          </a:xfrm>
-          <a:prstGeom prst="rect">
-            <a:avLst/>
-          </a:prstGeom>
-          <a:noFill/>
-        </p:spPr>
-        <p:txBody>
-          <a:bodyPr wrap="square">
-            <a:spAutoFit/>
-          </a:bodyPr>
-          <a:lstStyle/>
-          <a:p>
-            <a:r>
-              <a:rPr lang="en-US" sz="1800" dirty="0"/>
-              <a:t>The changes made by each student are not shared across different websites.</a:t>
-            </a:r>
-            <a:endParaRPr lang="en-US" dirty="0"/>
-          </a:p>
-        </p:txBody>
-      </p:sp>
-      <p:sp>
-        <p:nvSpPr>
-          <p:cNvPr id="31" name="TextBox 30">
-            <a:extLst>
-              <a:ext uri="{FF2B5EF4-FFF2-40B4-BE49-F238E27FC236}">
-                <a16:creationId xmlns:a16="http://schemas.microsoft.com/office/drawing/2014/main" id="{92588E6C-C133-FAA4-4545-F1D2EF7375B9}"/>
-              </a:ext>
-            </a:extLst>
-          </p:cNvPr>
-          <p:cNvSpPr txBox="1"/>
-          <p:nvPr/>
-        </p:nvSpPr>
-        <p:spPr>
-          <a:xfrm>
-            <a:off x="9561993" y="2034687"/>
-            <a:ext cx="2458511" cy="923330"/>
-          </a:xfrm>
-          <a:prstGeom prst="rect">
-            <a:avLst/>
-          </a:prstGeom>
-          <a:noFill/>
-        </p:spPr>
-        <p:txBody>
-          <a:bodyPr wrap="square">
-            <a:spAutoFit/>
-          </a:bodyPr>
-          <a:lstStyle/>
-          <a:p>
-            <a:r>
-              <a:rPr lang="en-US" sz="1800" dirty="0"/>
-              <a:t>Over time the repositories could look quite distinct</a:t>
-            </a:r>
-            <a:endParaRPr lang="en-US" dirty="0"/>
-          </a:p>
-        </p:txBody>
-      </p:sp>
-      <p:sp>
-        <p:nvSpPr>
-          <p:cNvPr id="32" name="TextBox 31">
-            <a:extLst>
-              <a:ext uri="{FF2B5EF4-FFF2-40B4-BE49-F238E27FC236}">
-                <a16:creationId xmlns:a16="http://schemas.microsoft.com/office/drawing/2014/main" id="{A8A62C84-EAB7-5C62-5262-5C3A26E14A72}"/>
-              </a:ext>
-            </a:extLst>
-          </p:cNvPr>
-          <p:cNvSpPr txBox="1"/>
-          <p:nvPr/>
-        </p:nvSpPr>
-        <p:spPr>
-          <a:xfrm>
-            <a:off x="9561993" y="3181614"/>
-            <a:ext cx="2458511" cy="923330"/>
-          </a:xfrm>
-          <a:prstGeom prst="rect">
-            <a:avLst/>
-          </a:prstGeom>
-          <a:noFill/>
-        </p:spPr>
-        <p:txBody>
-          <a:bodyPr wrap="square">
-            <a:spAutoFit/>
-          </a:bodyPr>
-          <a:lstStyle/>
-          <a:p>
-            <a:r>
-              <a:rPr lang="en-US" sz="1800" dirty="0"/>
-              <a:t>The bottom panel shows the commits made by each student</a:t>
-            </a:r>
-            <a:endParaRPr lang="en-US" dirty="0"/>
-          </a:p>
-        </p:txBody>
-      </p:sp>
-      <p:pic>
-        <p:nvPicPr>
-          <p:cNvPr id="51" name="Picture 50">
-            <a:extLst>
-              <a:ext uri="{FF2B5EF4-FFF2-40B4-BE49-F238E27FC236}">
-                <a16:creationId xmlns:a16="http://schemas.microsoft.com/office/drawing/2014/main" id="{C777915B-3B36-5FA2-077A-5870CE962B22}"/>
-              </a:ext>
-            </a:extLst>
-          </p:cNvPr>
-          <p:cNvPicPr>
-            <a:picLocks noChangeAspect="1"/>
-          </p:cNvPicPr>
-          <p:nvPr/>
-        </p:nvPicPr>
-        <p:blipFill rotWithShape="1">
-          <a:blip r:embed="rId9"/>
-          <a:srcRect b="80875"/>
-          <a:stretch/>
-        </p:blipFill>
-        <p:spPr>
-          <a:xfrm>
-            <a:off x="1301687" y="3568949"/>
-            <a:ext cx="3556000" cy="461514"/>
-          </a:xfrm>
-          <a:prstGeom prst="rect">
-            <a:avLst/>
-          </a:prstGeom>
-        </p:spPr>
-      </p:pic>
-      <p:pic>
-        <p:nvPicPr>
-          <p:cNvPr id="52" name="Picture 51">
-            <a:extLst>
-              <a:ext uri="{FF2B5EF4-FFF2-40B4-BE49-F238E27FC236}">
-                <a16:creationId xmlns:a16="http://schemas.microsoft.com/office/drawing/2014/main" id="{8FD743CD-0E93-58DB-D89C-70D469E6CB18}"/>
-              </a:ext>
-            </a:extLst>
-          </p:cNvPr>
-          <p:cNvPicPr>
-            <a:picLocks noChangeAspect="1"/>
-          </p:cNvPicPr>
-          <p:nvPr/>
-        </p:nvPicPr>
-        <p:blipFill rotWithShape="1">
-          <a:blip r:embed="rId10"/>
-          <a:srcRect b="22229"/>
-          <a:stretch/>
-        </p:blipFill>
-        <p:spPr>
-          <a:xfrm>
-            <a:off x="5431840" y="3414474"/>
-            <a:ext cx="3556000" cy="1876617"/>
-          </a:xfrm>
-          <a:prstGeom prst="rect">
-            <a:avLst/>
-          </a:prstGeom>
-        </p:spPr>
-      </p:pic>
+              <a:rPr lang="en-US" sz="2800" dirty="0"/>
+              <a:t>Over time, more lecture notes will get added to the main branch</a:t>
+            </a:r>
+          </a:p>
+        </p:txBody>
+      </p:sp>
     </p:spTree>
     <p:extLst>
       <p:ext uri="{BB962C8B-B14F-4D97-AF65-F5344CB8AC3E}">
-        <p14:creationId xmlns:p14="http://schemas.microsoft.com/office/powerpoint/2010/main" val="3023126900"/>
+        <p14:creationId xmlns:p14="http://schemas.microsoft.com/office/powerpoint/2010/main" val="693483923"/>
       </p:ext>
     </p:extLst>
   </p:cSld>
@@ -4861,7 +4548,7 @@
         </p:nvSpPr>
         <p:spPr>
           <a:xfrm>
-            <a:off x="1354189" y="1079739"/>
+            <a:off x="1354189" y="470142"/>
             <a:ext cx="3617663" cy="2741581"/>
           </a:xfrm>
           <a:prstGeom prst="cloud">
@@ -4918,6 +4605,15 @@
         <p:blipFill rotWithShape="1">
           <a:blip r:embed="rId2">
             <a:extLst>
+              <a:ext uri="{BEBA8EAE-BF5A-486C-A8C5-ECC9F3942E4B}">
+                <a14:imgProps xmlns:a14="http://schemas.microsoft.com/office/drawing/2010/main">
+                  <a14:imgLayer r:embed="rId3">
+                    <a14:imgEffect>
+                      <a14:saturation sat="0"/>
+                    </a14:imgEffect>
+                  </a14:imgLayer>
+                </a14:imgProps>
+              </a:ext>
               <a:ext uri="{28A0092B-C50C-407E-A947-70E740481C1C}">
                 <a14:useLocalDpi xmlns:a14="http://schemas.microsoft.com/office/drawing/2010/main" val="0"/>
               </a:ext>
@@ -4928,7 +4624,7 @@
         </p:blipFill>
         <p:spPr bwMode="auto">
           <a:xfrm>
-            <a:off x="1354189" y="1656609"/>
+            <a:off x="1354189" y="1047012"/>
             <a:ext cx="1270085" cy="826412"/>
           </a:xfrm>
           <a:prstGeom prst="rect">
@@ -4963,6 +4659,15 @@
         <p:blipFill rotWithShape="1">
           <a:blip r:embed="rId2">
             <a:extLst>
+              <a:ext uri="{BEBA8EAE-BF5A-486C-A8C5-ECC9F3942E4B}">
+                <a14:imgProps xmlns:a14="http://schemas.microsoft.com/office/drawing/2010/main">
+                  <a14:imgLayer r:embed="rId4">
+                    <a14:imgEffect>
+                      <a14:saturation sat="0"/>
+                    </a14:imgEffect>
+                  </a14:imgLayer>
+                </a14:imgProps>
+              </a:ext>
               <a:ext uri="{28A0092B-C50C-407E-A947-70E740481C1C}">
                 <a14:useLocalDpi xmlns:a14="http://schemas.microsoft.com/office/drawing/2010/main" val="0"/>
               </a:ext>
@@ -4973,7 +4678,7 @@
         </p:blipFill>
         <p:spPr bwMode="auto">
           <a:xfrm>
-            <a:off x="1486723" y="2419620"/>
+            <a:off x="1486723" y="1810023"/>
             <a:ext cx="1270085" cy="826412"/>
           </a:xfrm>
           <a:prstGeom prst="rect">
@@ -5006,8 +4711,17 @@
           <p:nvPr/>
         </p:nvPicPr>
         <p:blipFill>
-          <a:blip r:embed="rId3">
-            <a:extLst>
+          <a:blip r:embed="rId5">
+            <a:extLst>
+              <a:ext uri="{BEBA8EAE-BF5A-486C-A8C5-ECC9F3942E4B}">
+                <a14:imgProps xmlns:a14="http://schemas.microsoft.com/office/drawing/2010/main">
+                  <a14:imgLayer r:embed="rId6">
+                    <a14:imgEffect>
+                      <a14:saturation sat="0"/>
+                    </a14:imgEffect>
+                  </a14:imgLayer>
+                </a14:imgProps>
+              </a:ext>
               <a:ext uri="{28A0092B-C50C-407E-A947-70E740481C1C}">
                 <a14:useLocalDpi xmlns:a14="http://schemas.microsoft.com/office/drawing/2010/main" val="0"/>
               </a:ext>
@@ -5020,7 +4734,7 @@
         </p:blipFill>
         <p:spPr bwMode="auto">
           <a:xfrm>
-            <a:off x="1221655" y="3350708"/>
+            <a:off x="1221655" y="2741111"/>
             <a:ext cx="747519" cy="747519"/>
           </a:xfrm>
           <a:prstGeom prst="rect">
@@ -5055,6 +4769,15 @@
         <p:blipFill rotWithShape="1">
           <a:blip r:embed="rId2">
             <a:extLst>
+              <a:ext uri="{BEBA8EAE-BF5A-486C-A8C5-ECC9F3942E4B}">
+                <a14:imgProps xmlns:a14="http://schemas.microsoft.com/office/drawing/2010/main">
+                  <a14:imgLayer r:embed="rId7">
+                    <a14:imgEffect>
+                      <a14:saturation sat="0"/>
+                    </a14:imgEffect>
+                  </a14:imgLayer>
+                </a14:imgProps>
+              </a:ext>
               <a:ext uri="{28A0092B-C50C-407E-A947-70E740481C1C}">
                 <a14:useLocalDpi xmlns:a14="http://schemas.microsoft.com/office/drawing/2010/main" val="0"/>
               </a:ext>
@@ -5065,7 +4788,7 @@
         </p:blipFill>
         <p:spPr bwMode="auto">
           <a:xfrm>
-            <a:off x="2197847" y="1431126"/>
+            <a:off x="2197847" y="821529"/>
             <a:ext cx="1270085" cy="826412"/>
           </a:xfrm>
           <a:prstGeom prst="rect">
@@ -5083,44 +4806,6 @@
           </a:extLst>
         </p:spPr>
       </p:pic>
-      <p:sp>
-        <p:nvSpPr>
-          <p:cNvPr id="9" name="TextBox 8">
-            <a:extLst>
-              <a:ext uri="{FF2B5EF4-FFF2-40B4-BE49-F238E27FC236}">
-                <a16:creationId xmlns:a16="http://schemas.microsoft.com/office/drawing/2014/main" id="{CF6F4625-6140-D422-BBA8-3B47314FD6F9}"/>
-              </a:ext>
-            </a:extLst>
-          </p:cNvPr>
-          <p:cNvSpPr txBox="1"/>
-          <p:nvPr/>
-        </p:nvSpPr>
-        <p:spPr>
-          <a:xfrm>
-            <a:off x="5389083" y="1431126"/>
-            <a:ext cx="5096057" cy="369332"/>
-          </a:xfrm>
-          <a:prstGeom prst="rect">
-            <a:avLst/>
-          </a:prstGeom>
-          <a:noFill/>
-        </p:spPr>
-        <p:txBody>
-          <a:bodyPr wrap="square" rtlCol="0">
-            <a:spAutoFit/>
-          </a:bodyPr>
-          <a:lstStyle/>
-          <a:p>
-            <a:r>
-              <a:rPr lang="fr-FR" dirty="0">
-                <a:hlinkClick r:id="rId4"/>
-              </a:rPr>
-              <a:t>JE-lecture-notes/qtm151_fall_2023 (github.com)</a:t>
-            </a:r>
-            <a:endParaRPr lang="en-US" dirty="0"/>
-          </a:p>
-        </p:txBody>
-      </p:sp>
       <p:pic>
         <p:nvPicPr>
           <p:cNvPr id="10" name="Picture 12" descr="Project Jupyter | Home">
@@ -5138,6 +4823,15 @@
         <p:blipFill rotWithShape="1">
           <a:blip r:embed="rId2">
             <a:extLst>
+              <a:ext uri="{BEBA8EAE-BF5A-486C-A8C5-ECC9F3942E4B}">
+                <a14:imgProps xmlns:a14="http://schemas.microsoft.com/office/drawing/2010/main">
+                  <a14:imgLayer r:embed="rId8">
+                    <a14:imgEffect>
+                      <a14:saturation sat="0"/>
+                    </a14:imgEffect>
+                  </a14:imgLayer>
+                </a14:imgProps>
+              </a:ext>
               <a:ext uri="{28A0092B-C50C-407E-A947-70E740481C1C}">
                 <a14:useLocalDpi xmlns:a14="http://schemas.microsoft.com/office/drawing/2010/main" val="0"/>
               </a:ext>
@@ -5148,7 +4842,7 @@
         </p:blipFill>
         <p:spPr bwMode="auto">
           <a:xfrm>
-            <a:off x="2311585" y="2189442"/>
+            <a:off x="2311585" y="1579845"/>
             <a:ext cx="1270085" cy="826412"/>
           </a:xfrm>
           <a:prstGeom prst="rect">
@@ -5183,6 +4877,15 @@
         <p:blipFill rotWithShape="1">
           <a:blip r:embed="rId2">
             <a:extLst>
+              <a:ext uri="{BEBA8EAE-BF5A-486C-A8C5-ECC9F3942E4B}">
+                <a14:imgProps xmlns:a14="http://schemas.microsoft.com/office/drawing/2010/main">
+                  <a14:imgLayer r:embed="rId8">
+                    <a14:imgEffect>
+                      <a14:saturation sat="0"/>
+                    </a14:imgEffect>
+                  </a14:imgLayer>
+                </a14:imgProps>
+              </a:ext>
               <a:ext uri="{28A0092B-C50C-407E-A947-70E740481C1C}">
                 <a14:useLocalDpi xmlns:a14="http://schemas.microsoft.com/office/drawing/2010/main" val="0"/>
               </a:ext>
@@ -5193,7 +4896,7 @@
         </p:blipFill>
         <p:spPr bwMode="auto">
           <a:xfrm>
-            <a:off x="3041505" y="1320246"/>
+            <a:off x="3041505" y="710649"/>
             <a:ext cx="1270085" cy="826412"/>
           </a:xfrm>
           <a:prstGeom prst="rect">
@@ -5228,6 +4931,15 @@
         <p:blipFill rotWithShape="1">
           <a:blip r:embed="rId2">
             <a:extLst>
+              <a:ext uri="{BEBA8EAE-BF5A-486C-A8C5-ECC9F3942E4B}">
+                <a14:imgProps xmlns:a14="http://schemas.microsoft.com/office/drawing/2010/main">
+                  <a14:imgLayer r:embed="rId9">
+                    <a14:imgEffect>
+                      <a14:saturation sat="0"/>
+                    </a14:imgEffect>
+                  </a14:imgLayer>
+                </a14:imgProps>
+              </a:ext>
               <a:ext uri="{28A0092B-C50C-407E-A947-70E740481C1C}">
                 <a14:useLocalDpi xmlns:a14="http://schemas.microsoft.com/office/drawing/2010/main" val="0"/>
               </a:ext>
@@ -5238,7 +4950,7 @@
         </p:blipFill>
         <p:spPr bwMode="auto">
           <a:xfrm>
-            <a:off x="3163020" y="2084839"/>
+            <a:off x="3163020" y="1475242"/>
             <a:ext cx="1270085" cy="826412"/>
           </a:xfrm>
           <a:prstGeom prst="rect">
@@ -5270,8 +4982,8 @@
         </p:nvSpPr>
         <p:spPr>
           <a:xfrm>
-            <a:off x="5268985" y="2039973"/>
-            <a:ext cx="5436291" cy="954107"/>
+            <a:off x="5378064" y="1310477"/>
+            <a:ext cx="6042481" cy="1015663"/>
           </a:xfrm>
           <a:prstGeom prst="rect">
             <a:avLst/>
@@ -5285,48 +4997,26 @@
           <a:lstStyle/>
           <a:p>
             <a:r>
-              <a:rPr lang="en-US" sz="2800" dirty="0"/>
-              <a:t>Over time, more lecture notes will get added to the main branch</a:t>
-            </a:r>
-          </a:p>
-        </p:txBody>
-      </p:sp>
-    </p:spTree>
-    <p:extLst>
-      <p:ext uri="{BB962C8B-B14F-4D97-AF65-F5344CB8AC3E}">
-        <p14:creationId xmlns:p14="http://schemas.microsoft.com/office/powerpoint/2010/main" val="693483923"/>
-      </p:ext>
-    </p:extLst>
-  </p:cSld>
-  <p:clrMapOvr>
-    <a:masterClrMapping/>
-  </p:clrMapOvr>
-</p:sld>
-</file>
-
-<file path=ppt/slides/slide12.xml><?xml version="1.0" encoding="utf-8"?>
-<p:sld xmlns:a="http://schemas.openxmlformats.org/drawingml/2006/main" xmlns:r="http://schemas.openxmlformats.org/officeDocument/2006/relationships" xmlns:p="http://schemas.openxmlformats.org/presentationml/2006/main">
-  <p:cSld>
-    <p:spTree>
-      <p:nvGrpSpPr>
-        <p:cNvPr id="1" name=""/>
-        <p:cNvGrpSpPr/>
-        <p:nvPr/>
-      </p:nvGrpSpPr>
-      <p:grpSpPr>
-        <a:xfrm>
-          <a:off x="0" y="0"/>
-          <a:ext cx="0" cy="0"/>
-          <a:chOff x="0" y="0"/>
-          <a:chExt cx="0" cy="0"/>
-        </a:xfrm>
-      </p:grpSpPr>
-      <p:sp>
-        <p:nvSpPr>
-          <p:cNvPr id="4" name="Cloud 3">
-            <a:extLst>
-              <a:ext uri="{FF2B5EF4-FFF2-40B4-BE49-F238E27FC236}">
-                <a16:creationId xmlns:a16="http://schemas.microsoft.com/office/drawing/2014/main" id="{FA0C9B4C-E172-B8B1-22D2-30A3870C4443}"/>
+              <a:rPr lang="en-US" sz="2000" dirty="0"/>
+              <a:t>The option update from “upstream/main” will copy any new files or file changes, from my website to yours. See the “</a:t>
+            </a:r>
+            <a:r>
+              <a:rPr lang="en-US" sz="2000" dirty="0" err="1"/>
+              <a:t>Github</a:t>
+            </a:r>
+            <a:r>
+              <a:rPr lang="en-US" sz="2000" dirty="0"/>
+              <a:t> Tutorial 2” guide for details</a:t>
+            </a:r>
+          </a:p>
+        </p:txBody>
+      </p:sp>
+      <p:sp>
+        <p:nvSpPr>
+          <p:cNvPr id="14" name="Cloud 13">
+            <a:extLst>
+              <a:ext uri="{FF2B5EF4-FFF2-40B4-BE49-F238E27FC236}">
+                <a16:creationId xmlns:a16="http://schemas.microsoft.com/office/drawing/2014/main" id="{8E75F30B-1014-790A-0759-EDF04BCFDFAC}"/>
               </a:ext>
             </a:extLst>
           </p:cNvPr>
@@ -5335,8 +5025,8 @@
         </p:nvSpPr>
         <p:spPr>
           <a:xfrm>
-            <a:off x="1354189" y="470142"/>
-            <a:ext cx="3617663" cy="2741581"/>
+            <a:off x="6620800" y="3561451"/>
+            <a:ext cx="3099056" cy="2348564"/>
           </a:xfrm>
           <a:prstGeom prst="cloud">
             <a:avLst/>
@@ -5377,10 +5067,10 @@
       </p:sp>
       <p:pic>
         <p:nvPicPr>
-          <p:cNvPr id="5" name="Picture 12" descr="Project Jupyter | Home">
-            <a:extLst>
-              <a:ext uri="{FF2B5EF4-FFF2-40B4-BE49-F238E27FC236}">
-                <a16:creationId xmlns:a16="http://schemas.microsoft.com/office/drawing/2014/main" id="{ECB25DB1-A764-960D-E735-2879BE0EEF39}"/>
+          <p:cNvPr id="15" name="Picture 12" descr="Project Jupyter | Home">
+            <a:extLst>
+              <a:ext uri="{FF2B5EF4-FFF2-40B4-BE49-F238E27FC236}">
+                <a16:creationId xmlns:a16="http://schemas.microsoft.com/office/drawing/2014/main" id="{A678E29B-4078-2B7A-A248-1FCD3633A944}"/>
               </a:ext>
             </a:extLst>
           </p:cNvPr>
@@ -5390,17 +5080,8 @@
           <p:nvPr/>
         </p:nvPicPr>
         <p:blipFill rotWithShape="1">
-          <a:blip r:embed="rId2">
-            <a:extLst>
-              <a:ext uri="{BEBA8EAE-BF5A-486C-A8C5-ECC9F3942E4B}">
-                <a14:imgProps xmlns:a14="http://schemas.microsoft.com/office/drawing/2010/main">
-                  <a14:imgLayer r:embed="rId3">
-                    <a14:imgEffect>
-                      <a14:saturation sat="0"/>
-                    </a14:imgEffect>
-                  </a14:imgLayer>
-                </a14:imgProps>
-              </a:ext>
+          <a:blip r:embed="rId10">
+            <a:extLst>
               <a:ext uri="{28A0092B-C50C-407E-A947-70E740481C1C}">
                 <a14:useLocalDpi xmlns:a14="http://schemas.microsoft.com/office/drawing/2010/main" val="0"/>
               </a:ext>
@@ -5411,8 +5092,8 @@
         </p:blipFill>
         <p:spPr bwMode="auto">
           <a:xfrm>
-            <a:off x="1354189" y="1047012"/>
-            <a:ext cx="1270085" cy="826412"/>
+            <a:off x="6769251" y="4356991"/>
+            <a:ext cx="1088013" cy="707942"/>
           </a:xfrm>
           <a:prstGeom prst="rect">
             <a:avLst/>
@@ -5431,10 +5112,10 @@
       </p:pic>
       <p:pic>
         <p:nvPicPr>
-          <p:cNvPr id="6" name="Picture 12" descr="Project Jupyter | Home">
-            <a:extLst>
-              <a:ext uri="{FF2B5EF4-FFF2-40B4-BE49-F238E27FC236}">
-                <a16:creationId xmlns:a16="http://schemas.microsoft.com/office/drawing/2014/main" id="{9F3D9B56-1D76-B658-1982-D6648B4F9B4B}"/>
+          <p:cNvPr id="16" name="Picture 12" descr="Project Jupyter | Home">
+            <a:extLst>
+              <a:ext uri="{FF2B5EF4-FFF2-40B4-BE49-F238E27FC236}">
+                <a16:creationId xmlns:a16="http://schemas.microsoft.com/office/drawing/2014/main" id="{182A70B8-A68F-B1E0-6160-4180D162CA0B}"/>
               </a:ext>
             </a:extLst>
           </p:cNvPr>
@@ -5444,17 +5125,8 @@
           <p:nvPr/>
         </p:nvPicPr>
         <p:blipFill rotWithShape="1">
-          <a:blip r:embed="rId2">
-            <a:extLst>
-              <a:ext uri="{BEBA8EAE-BF5A-486C-A8C5-ECC9F3942E4B}">
-                <a14:imgProps xmlns:a14="http://schemas.microsoft.com/office/drawing/2010/main">
-                  <a14:imgLayer r:embed="rId4">
-                    <a14:imgEffect>
-                      <a14:saturation sat="0"/>
-                    </a14:imgEffect>
-                  </a14:imgLayer>
-                </a14:imgProps>
-              </a:ext>
+          <a:blip r:embed="rId10">
+            <a:extLst>
               <a:ext uri="{28A0092B-C50C-407E-A947-70E740481C1C}">
                 <a14:useLocalDpi xmlns:a14="http://schemas.microsoft.com/office/drawing/2010/main" val="0"/>
               </a:ext>
@@ -5465,8 +5137,8 @@
         </p:blipFill>
         <p:spPr bwMode="auto">
           <a:xfrm>
-            <a:off x="1486723" y="1810023"/>
-            <a:ext cx="1270085" cy="826412"/>
+            <a:off x="7379525" y="4859490"/>
+            <a:ext cx="1088013" cy="707942"/>
           </a:xfrm>
           <a:prstGeom prst="rect">
             <a:avLst/>
@@ -5485,10 +5157,10 @@
       </p:pic>
       <p:pic>
         <p:nvPicPr>
-          <p:cNvPr id="7" name="Picture 4" descr="Purple github 10 icon - Free purple site logo icons">
-            <a:extLst>
-              <a:ext uri="{FF2B5EF4-FFF2-40B4-BE49-F238E27FC236}">
-                <a16:creationId xmlns:a16="http://schemas.microsoft.com/office/drawing/2014/main" id="{688FB6EE-9081-21DD-60B7-5EBC5EA5A663}"/>
+          <p:cNvPr id="17" name="Picture 4" descr="Purple github 10 icon - Free purple site logo icons">
+            <a:extLst>
+              <a:ext uri="{FF2B5EF4-FFF2-40B4-BE49-F238E27FC236}">
+                <a16:creationId xmlns:a16="http://schemas.microsoft.com/office/drawing/2014/main" id="{AF3E98B0-5495-7E9E-D405-9D06C845C978}"/>
               </a:ext>
             </a:extLst>
           </p:cNvPr>
@@ -5498,17 +5170,8 @@
           <p:nvPr/>
         </p:nvPicPr>
         <p:blipFill>
-          <a:blip r:embed="rId5">
-            <a:extLst>
-              <a:ext uri="{BEBA8EAE-BF5A-486C-A8C5-ECC9F3942E4B}">
-                <a14:imgProps xmlns:a14="http://schemas.microsoft.com/office/drawing/2010/main">
-                  <a14:imgLayer r:embed="rId6">
-                    <a14:imgEffect>
-                      <a14:saturation sat="0"/>
-                    </a14:imgEffect>
-                  </a14:imgLayer>
-                </a14:imgProps>
-              </a:ext>
+          <a:blip r:embed="rId11">
+            <a:extLst>
               <a:ext uri="{28A0092B-C50C-407E-A947-70E740481C1C}">
                 <a14:useLocalDpi xmlns:a14="http://schemas.microsoft.com/office/drawing/2010/main" val="0"/>
               </a:ext>
@@ -5521,8 +5184,8 @@
         </p:blipFill>
         <p:spPr bwMode="auto">
           <a:xfrm>
-            <a:off x="1221655" y="2741111"/>
-            <a:ext cx="747519" cy="747519"/>
+            <a:off x="6620800" y="5104403"/>
+            <a:ext cx="640359" cy="640359"/>
           </a:xfrm>
           <a:prstGeom prst="rect">
             <a:avLst/>
@@ -5541,10 +5204,10 @@
       </p:pic>
       <p:pic>
         <p:nvPicPr>
-          <p:cNvPr id="8" name="Picture 12" descr="Project Jupyter | Home">
-            <a:extLst>
-              <a:ext uri="{FF2B5EF4-FFF2-40B4-BE49-F238E27FC236}">
-                <a16:creationId xmlns:a16="http://schemas.microsoft.com/office/drawing/2014/main" id="{2B454A2E-1B88-00A9-0989-F29B3BCBCFE9}"/>
+          <p:cNvPr id="18" name="Picture 12" descr="Project Jupyter | Home">
+            <a:extLst>
+              <a:ext uri="{FF2B5EF4-FFF2-40B4-BE49-F238E27FC236}">
+                <a16:creationId xmlns:a16="http://schemas.microsoft.com/office/drawing/2014/main" id="{E251B843-46C4-E6A0-AC9C-C5C1DA4BACFD}"/>
               </a:ext>
             </a:extLst>
           </p:cNvPr>
@@ -5554,17 +5217,8 @@
           <p:nvPr/>
         </p:nvPicPr>
         <p:blipFill rotWithShape="1">
-          <a:blip r:embed="rId2">
-            <a:extLst>
-              <a:ext uri="{BEBA8EAE-BF5A-486C-A8C5-ECC9F3942E4B}">
-                <a14:imgProps xmlns:a14="http://schemas.microsoft.com/office/drawing/2010/main">
-                  <a14:imgLayer r:embed="rId7">
-                    <a14:imgEffect>
-                      <a14:saturation sat="0"/>
-                    </a14:imgEffect>
-                  </a14:imgLayer>
-                </a14:imgProps>
-              </a:ext>
+          <a:blip r:embed="rId10">
+            <a:extLst>
               <a:ext uri="{28A0092B-C50C-407E-A947-70E740481C1C}">
                 <a14:useLocalDpi xmlns:a14="http://schemas.microsoft.com/office/drawing/2010/main" val="0"/>
               </a:ext>
@@ -5575,8 +5229,8 @@
         </p:blipFill>
         <p:spPr bwMode="auto">
           <a:xfrm>
-            <a:off x="2197847" y="821529"/>
-            <a:ext cx="1270085" cy="826412"/>
+            <a:off x="7626321" y="4009532"/>
+            <a:ext cx="1088013" cy="707942"/>
           </a:xfrm>
           <a:prstGeom prst="rect">
             <a:avLst/>
@@ -5593,189 +5247,27 @@
           </a:extLst>
         </p:spPr>
       </p:pic>
-      <p:pic>
-        <p:nvPicPr>
-          <p:cNvPr id="10" name="Picture 12" descr="Project Jupyter | Home">
-            <a:extLst>
-              <a:ext uri="{FF2B5EF4-FFF2-40B4-BE49-F238E27FC236}">
-                <a16:creationId xmlns:a16="http://schemas.microsoft.com/office/drawing/2014/main" id="{FEB02C8F-BE3F-F7FB-4B07-424B2677A166}"/>
-              </a:ext>
-            </a:extLst>
-          </p:cNvPr>
-          <p:cNvPicPr>
-            <a:picLocks noChangeAspect="1" noChangeArrowheads="1"/>
-          </p:cNvPicPr>
+      <p:sp>
+        <p:nvSpPr>
+          <p:cNvPr id="24" name="TextBox 23">
+            <a:extLst>
+              <a:ext uri="{FF2B5EF4-FFF2-40B4-BE49-F238E27FC236}">
+                <a16:creationId xmlns:a16="http://schemas.microsoft.com/office/drawing/2014/main" id="{6920EA45-9782-E19F-684A-97FE37173007}"/>
+              </a:ext>
+            </a:extLst>
+          </p:cNvPr>
+          <p:cNvSpPr txBox="1"/>
           <p:nvPr/>
-        </p:nvPicPr>
-        <p:blipFill rotWithShape="1">
-          <a:blip r:embed="rId2">
-            <a:extLst>
-              <a:ext uri="{BEBA8EAE-BF5A-486C-A8C5-ECC9F3942E4B}">
-                <a14:imgProps xmlns:a14="http://schemas.microsoft.com/office/drawing/2010/main">
-                  <a14:imgLayer r:embed="rId8">
-                    <a14:imgEffect>
-                      <a14:saturation sat="0"/>
-                    </a14:imgEffect>
-                  </a14:imgLayer>
-                </a14:imgProps>
-              </a:ext>
-              <a:ext uri="{28A0092B-C50C-407E-A947-70E740481C1C}">
-                <a14:useLocalDpi xmlns:a14="http://schemas.microsoft.com/office/drawing/2010/main" val="0"/>
-              </a:ext>
-            </a:extLst>
-          </a:blip>
-          <a:srcRect r="19314"/>
-          <a:stretch/>
-        </p:blipFill>
-        <p:spPr bwMode="auto">
-          <a:xfrm>
-            <a:off x="2311585" y="1579845"/>
-            <a:ext cx="1270085" cy="826412"/>
+        </p:nvSpPr>
+        <p:spPr>
+          <a:xfrm>
+            <a:off x="6329801" y="6094873"/>
+            <a:ext cx="3681051" cy="369332"/>
           </a:xfrm>
           <a:prstGeom prst="rect">
             <a:avLst/>
           </a:prstGeom>
           <a:noFill/>
-          <a:extLst>
-            <a:ext uri="{909E8E84-426E-40DD-AFC4-6F175D3DCCD1}">
-              <a14:hiddenFill xmlns:a14="http://schemas.microsoft.com/office/drawing/2010/main">
-                <a:solidFill>
-                  <a:srgbClr val="FFFFFF"/>
-                </a:solidFill>
-              </a14:hiddenFill>
-            </a:ext>
-          </a:extLst>
-        </p:spPr>
-      </p:pic>
-      <p:pic>
-        <p:nvPicPr>
-          <p:cNvPr id="11" name="Picture 12" descr="Project Jupyter | Home">
-            <a:extLst>
-              <a:ext uri="{FF2B5EF4-FFF2-40B4-BE49-F238E27FC236}">
-                <a16:creationId xmlns:a16="http://schemas.microsoft.com/office/drawing/2014/main" id="{6DA43525-FBE2-97F0-13D3-09E6E78B95F7}"/>
-              </a:ext>
-            </a:extLst>
-          </p:cNvPr>
-          <p:cNvPicPr>
-            <a:picLocks noChangeAspect="1" noChangeArrowheads="1"/>
-          </p:cNvPicPr>
-          <p:nvPr/>
-        </p:nvPicPr>
-        <p:blipFill rotWithShape="1">
-          <a:blip r:embed="rId2">
-            <a:extLst>
-              <a:ext uri="{BEBA8EAE-BF5A-486C-A8C5-ECC9F3942E4B}">
-                <a14:imgProps xmlns:a14="http://schemas.microsoft.com/office/drawing/2010/main">
-                  <a14:imgLayer r:embed="rId8">
-                    <a14:imgEffect>
-                      <a14:saturation sat="0"/>
-                    </a14:imgEffect>
-                  </a14:imgLayer>
-                </a14:imgProps>
-              </a:ext>
-              <a:ext uri="{28A0092B-C50C-407E-A947-70E740481C1C}">
-                <a14:useLocalDpi xmlns:a14="http://schemas.microsoft.com/office/drawing/2010/main" val="0"/>
-              </a:ext>
-            </a:extLst>
-          </a:blip>
-          <a:srcRect r="19314"/>
-          <a:stretch/>
-        </p:blipFill>
-        <p:spPr bwMode="auto">
-          <a:xfrm>
-            <a:off x="3041505" y="710649"/>
-            <a:ext cx="1270085" cy="826412"/>
-          </a:xfrm>
-          <a:prstGeom prst="rect">
-            <a:avLst/>
-          </a:prstGeom>
-          <a:noFill/>
-          <a:extLst>
-            <a:ext uri="{909E8E84-426E-40DD-AFC4-6F175D3DCCD1}">
-              <a14:hiddenFill xmlns:a14="http://schemas.microsoft.com/office/drawing/2010/main">
-                <a:solidFill>
-                  <a:srgbClr val="FFFFFF"/>
-                </a:solidFill>
-              </a14:hiddenFill>
-            </a:ext>
-          </a:extLst>
-        </p:spPr>
-      </p:pic>
-      <p:pic>
-        <p:nvPicPr>
-          <p:cNvPr id="12" name="Picture 12" descr="Project Jupyter | Home">
-            <a:extLst>
-              <a:ext uri="{FF2B5EF4-FFF2-40B4-BE49-F238E27FC236}">
-                <a16:creationId xmlns:a16="http://schemas.microsoft.com/office/drawing/2014/main" id="{19F182D9-ACC2-F301-6117-8446A25218BA}"/>
-              </a:ext>
-            </a:extLst>
-          </p:cNvPr>
-          <p:cNvPicPr>
-            <a:picLocks noChangeAspect="1" noChangeArrowheads="1"/>
-          </p:cNvPicPr>
-          <p:nvPr/>
-        </p:nvPicPr>
-        <p:blipFill rotWithShape="1">
-          <a:blip r:embed="rId2">
-            <a:extLst>
-              <a:ext uri="{BEBA8EAE-BF5A-486C-A8C5-ECC9F3942E4B}">
-                <a14:imgProps xmlns:a14="http://schemas.microsoft.com/office/drawing/2010/main">
-                  <a14:imgLayer r:embed="rId9">
-                    <a14:imgEffect>
-                      <a14:saturation sat="0"/>
-                    </a14:imgEffect>
-                  </a14:imgLayer>
-                </a14:imgProps>
-              </a:ext>
-              <a:ext uri="{28A0092B-C50C-407E-A947-70E740481C1C}">
-                <a14:useLocalDpi xmlns:a14="http://schemas.microsoft.com/office/drawing/2010/main" val="0"/>
-              </a:ext>
-            </a:extLst>
-          </a:blip>
-          <a:srcRect r="19314"/>
-          <a:stretch/>
-        </p:blipFill>
-        <p:spPr bwMode="auto">
-          <a:xfrm>
-            <a:off x="3163020" y="1475242"/>
-            <a:ext cx="1270085" cy="826412"/>
-          </a:xfrm>
-          <a:prstGeom prst="rect">
-            <a:avLst/>
-          </a:prstGeom>
-          <a:noFill/>
-          <a:extLst>
-            <a:ext uri="{909E8E84-426E-40DD-AFC4-6F175D3DCCD1}">
-              <a14:hiddenFill xmlns:a14="http://schemas.microsoft.com/office/drawing/2010/main">
-                <a:solidFill>
-                  <a:srgbClr val="FFFFFF"/>
-                </a:solidFill>
-              </a14:hiddenFill>
-            </a:ext>
-          </a:extLst>
-        </p:spPr>
-      </p:pic>
-      <p:sp>
-        <p:nvSpPr>
-          <p:cNvPr id="13" name="TextBox 12">
-            <a:extLst>
-              <a:ext uri="{FF2B5EF4-FFF2-40B4-BE49-F238E27FC236}">
-                <a16:creationId xmlns:a16="http://schemas.microsoft.com/office/drawing/2014/main" id="{8A160EFE-59FF-AC4C-21B3-C5535ED2C83D}"/>
-              </a:ext>
-            </a:extLst>
-          </p:cNvPr>
-          <p:cNvSpPr txBox="1"/>
-          <p:nvPr/>
-        </p:nvSpPr>
-        <p:spPr>
-          <a:xfrm>
-            <a:off x="5378064" y="1310477"/>
-            <a:ext cx="6042481" cy="1015663"/>
-          </a:xfrm>
-          <a:prstGeom prst="rect">
-            <a:avLst/>
-          </a:prstGeom>
-          <a:noFill/>
         </p:spPr>
         <p:txBody>
           <a:bodyPr wrap="square" rtlCol="0">
@@ -5784,26 +5276,22 @@
           <a:lstStyle/>
           <a:p>
             <a:r>
-              <a:rPr lang="en-US" sz="2000" dirty="0"/>
-              <a:t>The option update from “upstream/main” will copy any new files or file changes, from my website to yours. See the “</a:t>
-            </a:r>
-            <a:r>
-              <a:rPr lang="en-US" sz="2000" dirty="0" err="1"/>
-              <a:t>Github</a:t>
-            </a:r>
-            <a:r>
-              <a:rPr lang="en-US" sz="2000" dirty="0"/>
-              <a:t> Tutorial 2” guide for details</a:t>
-            </a:r>
-          </a:p>
-        </p:txBody>
-      </p:sp>
-      <p:sp>
-        <p:nvSpPr>
-          <p:cNvPr id="14" name="Cloud 13">
-            <a:extLst>
-              <a:ext uri="{FF2B5EF4-FFF2-40B4-BE49-F238E27FC236}">
-                <a16:creationId xmlns:a16="http://schemas.microsoft.com/office/drawing/2014/main" id="{8E75F30B-1014-790A-0759-EDF04BCFDFAC}"/>
+              <a:rPr lang="en-US" dirty="0" err="1"/>
+              <a:t>github.com</a:t>
+            </a:r>
+            <a:r>
+              <a:rPr lang="en-US" dirty="0"/>
+              <a:t>/student1/emoryqtm151</a:t>
+            </a:r>
+          </a:p>
+        </p:txBody>
+      </p:sp>
+      <p:sp>
+        <p:nvSpPr>
+          <p:cNvPr id="26" name="Down Arrow 25">
+            <a:extLst>
+              <a:ext uri="{FF2B5EF4-FFF2-40B4-BE49-F238E27FC236}">
+                <a16:creationId xmlns:a16="http://schemas.microsoft.com/office/drawing/2014/main" id="{77CD88C4-0ED3-E6A1-0609-915ECC749734}"/>
               </a:ext>
             </a:extLst>
           </p:cNvPr>
@@ -5811,20 +5299,18 @@
           <p:nvPr/>
         </p:nvSpPr>
         <p:spPr>
-          <a:xfrm>
-            <a:off x="6620800" y="3561451"/>
-            <a:ext cx="3099056" cy="2348564"/>
-          </a:xfrm>
-          <a:prstGeom prst="cloud">
+          <a:xfrm rot="18745790" flipH="1">
+            <a:off x="5420417" y="2268054"/>
+            <a:ext cx="249581" cy="2555848"/>
+          </a:xfrm>
+          <a:prstGeom prst="downArrow">
             <a:avLst/>
           </a:prstGeom>
           <a:solidFill>
-            <a:schemeClr val="bg1"/>
+            <a:srgbClr val="7030A0"/>
           </a:solidFill>
           <a:ln>
-            <a:solidFill>
-              <a:srgbClr val="7030A0"/>
-            </a:solidFill>
+            <a:noFill/>
           </a:ln>
         </p:spPr>
         <p:style>
@@ -5854,279 +5340,6 @@
       </p:sp>
       <p:pic>
         <p:nvPicPr>
-          <p:cNvPr id="15" name="Picture 12" descr="Project Jupyter | Home">
-            <a:extLst>
-              <a:ext uri="{FF2B5EF4-FFF2-40B4-BE49-F238E27FC236}">
-                <a16:creationId xmlns:a16="http://schemas.microsoft.com/office/drawing/2014/main" id="{A678E29B-4078-2B7A-A248-1FCD3633A944}"/>
-              </a:ext>
-            </a:extLst>
-          </p:cNvPr>
-          <p:cNvPicPr>
-            <a:picLocks noChangeAspect="1" noChangeArrowheads="1"/>
-          </p:cNvPicPr>
-          <p:nvPr/>
-        </p:nvPicPr>
-        <p:blipFill rotWithShape="1">
-          <a:blip r:embed="rId10">
-            <a:extLst>
-              <a:ext uri="{28A0092B-C50C-407E-A947-70E740481C1C}">
-                <a14:useLocalDpi xmlns:a14="http://schemas.microsoft.com/office/drawing/2010/main" val="0"/>
-              </a:ext>
-            </a:extLst>
-          </a:blip>
-          <a:srcRect r="19314"/>
-          <a:stretch/>
-        </p:blipFill>
-        <p:spPr bwMode="auto">
-          <a:xfrm>
-            <a:off x="6769251" y="4356991"/>
-            <a:ext cx="1088013" cy="707942"/>
-          </a:xfrm>
-          <a:prstGeom prst="rect">
-            <a:avLst/>
-          </a:prstGeom>
-          <a:noFill/>
-          <a:extLst>
-            <a:ext uri="{909E8E84-426E-40DD-AFC4-6F175D3DCCD1}">
-              <a14:hiddenFill xmlns:a14="http://schemas.microsoft.com/office/drawing/2010/main">
-                <a:solidFill>
-                  <a:srgbClr val="FFFFFF"/>
-                </a:solidFill>
-              </a14:hiddenFill>
-            </a:ext>
-          </a:extLst>
-        </p:spPr>
-      </p:pic>
-      <p:pic>
-        <p:nvPicPr>
-          <p:cNvPr id="16" name="Picture 12" descr="Project Jupyter | Home">
-            <a:extLst>
-              <a:ext uri="{FF2B5EF4-FFF2-40B4-BE49-F238E27FC236}">
-                <a16:creationId xmlns:a16="http://schemas.microsoft.com/office/drawing/2014/main" id="{182A70B8-A68F-B1E0-6160-4180D162CA0B}"/>
-              </a:ext>
-            </a:extLst>
-          </p:cNvPr>
-          <p:cNvPicPr>
-            <a:picLocks noChangeAspect="1" noChangeArrowheads="1"/>
-          </p:cNvPicPr>
-          <p:nvPr/>
-        </p:nvPicPr>
-        <p:blipFill rotWithShape="1">
-          <a:blip r:embed="rId10">
-            <a:extLst>
-              <a:ext uri="{28A0092B-C50C-407E-A947-70E740481C1C}">
-                <a14:useLocalDpi xmlns:a14="http://schemas.microsoft.com/office/drawing/2010/main" val="0"/>
-              </a:ext>
-            </a:extLst>
-          </a:blip>
-          <a:srcRect r="19314"/>
-          <a:stretch/>
-        </p:blipFill>
-        <p:spPr bwMode="auto">
-          <a:xfrm>
-            <a:off x="7379525" y="4859490"/>
-            <a:ext cx="1088013" cy="707942"/>
-          </a:xfrm>
-          <a:prstGeom prst="rect">
-            <a:avLst/>
-          </a:prstGeom>
-          <a:noFill/>
-          <a:extLst>
-            <a:ext uri="{909E8E84-426E-40DD-AFC4-6F175D3DCCD1}">
-              <a14:hiddenFill xmlns:a14="http://schemas.microsoft.com/office/drawing/2010/main">
-                <a:solidFill>
-                  <a:srgbClr val="FFFFFF"/>
-                </a:solidFill>
-              </a14:hiddenFill>
-            </a:ext>
-          </a:extLst>
-        </p:spPr>
-      </p:pic>
-      <p:pic>
-        <p:nvPicPr>
-          <p:cNvPr id="17" name="Picture 4" descr="Purple github 10 icon - Free purple site logo icons">
-            <a:extLst>
-              <a:ext uri="{FF2B5EF4-FFF2-40B4-BE49-F238E27FC236}">
-                <a16:creationId xmlns:a16="http://schemas.microsoft.com/office/drawing/2014/main" id="{AF3E98B0-5495-7E9E-D405-9D06C845C978}"/>
-              </a:ext>
-            </a:extLst>
-          </p:cNvPr>
-          <p:cNvPicPr>
-            <a:picLocks noChangeAspect="1" noChangeArrowheads="1"/>
-          </p:cNvPicPr>
-          <p:nvPr/>
-        </p:nvPicPr>
-        <p:blipFill>
-          <a:blip r:embed="rId11">
-            <a:extLst>
-              <a:ext uri="{28A0092B-C50C-407E-A947-70E740481C1C}">
-                <a14:useLocalDpi xmlns:a14="http://schemas.microsoft.com/office/drawing/2010/main" val="0"/>
-              </a:ext>
-            </a:extLst>
-          </a:blip>
-          <a:srcRect/>
-          <a:stretch>
-            <a:fillRect/>
-          </a:stretch>
-        </p:blipFill>
-        <p:spPr bwMode="auto">
-          <a:xfrm>
-            <a:off x="6620800" y="5104403"/>
-            <a:ext cx="640359" cy="640359"/>
-          </a:xfrm>
-          <a:prstGeom prst="rect">
-            <a:avLst/>
-          </a:prstGeom>
-          <a:noFill/>
-          <a:extLst>
-            <a:ext uri="{909E8E84-426E-40DD-AFC4-6F175D3DCCD1}">
-              <a14:hiddenFill xmlns:a14="http://schemas.microsoft.com/office/drawing/2010/main">
-                <a:solidFill>
-                  <a:srgbClr val="FFFFFF"/>
-                </a:solidFill>
-              </a14:hiddenFill>
-            </a:ext>
-          </a:extLst>
-        </p:spPr>
-      </p:pic>
-      <p:pic>
-        <p:nvPicPr>
-          <p:cNvPr id="18" name="Picture 12" descr="Project Jupyter | Home">
-            <a:extLst>
-              <a:ext uri="{FF2B5EF4-FFF2-40B4-BE49-F238E27FC236}">
-                <a16:creationId xmlns:a16="http://schemas.microsoft.com/office/drawing/2014/main" id="{E251B843-46C4-E6A0-AC9C-C5C1DA4BACFD}"/>
-              </a:ext>
-            </a:extLst>
-          </p:cNvPr>
-          <p:cNvPicPr>
-            <a:picLocks noChangeAspect="1" noChangeArrowheads="1"/>
-          </p:cNvPicPr>
-          <p:nvPr/>
-        </p:nvPicPr>
-        <p:blipFill rotWithShape="1">
-          <a:blip r:embed="rId10">
-            <a:extLst>
-              <a:ext uri="{28A0092B-C50C-407E-A947-70E740481C1C}">
-                <a14:useLocalDpi xmlns:a14="http://schemas.microsoft.com/office/drawing/2010/main" val="0"/>
-              </a:ext>
-            </a:extLst>
-          </a:blip>
-          <a:srcRect r="19314"/>
-          <a:stretch/>
-        </p:blipFill>
-        <p:spPr bwMode="auto">
-          <a:xfrm>
-            <a:off x="7626321" y="4009532"/>
-            <a:ext cx="1088013" cy="707942"/>
-          </a:xfrm>
-          <a:prstGeom prst="rect">
-            <a:avLst/>
-          </a:prstGeom>
-          <a:noFill/>
-          <a:extLst>
-            <a:ext uri="{909E8E84-426E-40DD-AFC4-6F175D3DCCD1}">
-              <a14:hiddenFill xmlns:a14="http://schemas.microsoft.com/office/drawing/2010/main">
-                <a:solidFill>
-                  <a:srgbClr val="FFFFFF"/>
-                </a:solidFill>
-              </a14:hiddenFill>
-            </a:ext>
-          </a:extLst>
-        </p:spPr>
-      </p:pic>
-      <p:sp>
-        <p:nvSpPr>
-          <p:cNvPr id="24" name="TextBox 23">
-            <a:extLst>
-              <a:ext uri="{FF2B5EF4-FFF2-40B4-BE49-F238E27FC236}">
-                <a16:creationId xmlns:a16="http://schemas.microsoft.com/office/drawing/2014/main" id="{6920EA45-9782-E19F-684A-97FE37173007}"/>
-              </a:ext>
-            </a:extLst>
-          </p:cNvPr>
-          <p:cNvSpPr txBox="1"/>
-          <p:nvPr/>
-        </p:nvSpPr>
-        <p:spPr>
-          <a:xfrm>
-            <a:off x="6329801" y="6094873"/>
-            <a:ext cx="3681051" cy="369332"/>
-          </a:xfrm>
-          <a:prstGeom prst="rect">
-            <a:avLst/>
-          </a:prstGeom>
-          <a:noFill/>
-        </p:spPr>
-        <p:txBody>
-          <a:bodyPr wrap="square" rtlCol="0">
-            <a:spAutoFit/>
-          </a:bodyPr>
-          <a:lstStyle/>
-          <a:p>
-            <a:r>
-              <a:rPr lang="en-US" dirty="0" err="1"/>
-              <a:t>github.com</a:t>
-            </a:r>
-            <a:r>
-              <a:rPr lang="en-US" dirty="0"/>
-              <a:t>/student1/emoryqtm151</a:t>
-            </a:r>
-          </a:p>
-        </p:txBody>
-      </p:sp>
-      <p:sp>
-        <p:nvSpPr>
-          <p:cNvPr id="26" name="Down Arrow 25">
-            <a:extLst>
-              <a:ext uri="{FF2B5EF4-FFF2-40B4-BE49-F238E27FC236}">
-                <a16:creationId xmlns:a16="http://schemas.microsoft.com/office/drawing/2014/main" id="{77CD88C4-0ED3-E6A1-0609-915ECC749734}"/>
-              </a:ext>
-            </a:extLst>
-          </p:cNvPr>
-          <p:cNvSpPr/>
-          <p:nvPr/>
-        </p:nvSpPr>
-        <p:spPr>
-          <a:xfrm rot="18745790" flipH="1">
-            <a:off x="5420417" y="2268054"/>
-            <a:ext cx="249581" cy="2555848"/>
-          </a:xfrm>
-          <a:prstGeom prst="downArrow">
-            <a:avLst/>
-          </a:prstGeom>
-          <a:solidFill>
-            <a:srgbClr val="7030A0"/>
-          </a:solidFill>
-          <a:ln>
-            <a:noFill/>
-          </a:ln>
-        </p:spPr>
-        <p:style>
-          <a:lnRef idx="2">
-            <a:schemeClr val="accent1">
-              <a:shade val="50000"/>
-            </a:schemeClr>
-          </a:lnRef>
-          <a:fillRef idx="1">
-            <a:schemeClr val="accent1"/>
-          </a:fillRef>
-          <a:effectRef idx="0">
-            <a:schemeClr val="accent1"/>
-          </a:effectRef>
-          <a:fontRef idx="minor">
-            <a:schemeClr val="lt1"/>
-          </a:fontRef>
-        </p:style>
-        <p:txBody>
-          <a:bodyPr rtlCol="0" anchor="ctr"/>
-          <a:lstStyle/>
-          <a:p>
-            <a:pPr algn="ctr"/>
-            <a:endParaRPr lang="en-US" dirty="0"/>
-          </a:p>
-        </p:txBody>
-      </p:sp>
-      <p:pic>
-        <p:nvPicPr>
           <p:cNvPr id="29" name="Picture 12" descr="Project Jupyter | Home">
             <a:extLst>
               <a:ext uri="{FF2B5EF4-FFF2-40B4-BE49-F238E27FC236}">
@@ -6273,7 +5486,7 @@
 </p:sld>
 </file>
 
-<file path=ppt/slides/slide13.xml><?xml version="1.0" encoding="utf-8"?>
+<file path=ppt/slides/slide12.xml><?xml version="1.0" encoding="utf-8"?>
 <p:sld xmlns:a="http://schemas.openxmlformats.org/drawingml/2006/main" xmlns:r="http://schemas.openxmlformats.org/officeDocument/2006/relationships" xmlns:p="http://schemas.openxmlformats.org/presentationml/2006/main">
   <p:cSld>
     <p:spTree>
@@ -6367,194 +5580,6 @@
           <p:cNvPr id="2" name="Title 1">
             <a:extLst>
               <a:ext uri="{FF2B5EF4-FFF2-40B4-BE49-F238E27FC236}">
-                <a16:creationId xmlns:a16="http://schemas.microsoft.com/office/drawing/2014/main" id="{7DD3C385-BAFC-E656-0184-4A3784977C70}"/>
-              </a:ext>
-            </a:extLst>
-          </p:cNvPr>
-          <p:cNvSpPr>
-            <a:spLocks noGrp="1"/>
-          </p:cNvSpPr>
-          <p:nvPr>
-            <p:ph type="title"/>
-          </p:nvPr>
-        </p:nvSpPr>
-        <p:spPr/>
-        <p:txBody>
-          <a:bodyPr/>
-          <a:lstStyle/>
-          <a:p>
-            <a:r>
-              <a:rPr lang="en-US" dirty="0"/>
-              <a:t>Learning Objectives</a:t>
-            </a:r>
-          </a:p>
-        </p:txBody>
-      </p:sp>
-      <p:sp>
-        <p:nvSpPr>
-          <p:cNvPr id="3" name="Content Placeholder 2">
-            <a:extLst>
-              <a:ext uri="{FF2B5EF4-FFF2-40B4-BE49-F238E27FC236}">
-                <a16:creationId xmlns:a16="http://schemas.microsoft.com/office/drawing/2014/main" id="{81991EA7-1D99-1B2D-E9F1-42108A9EE330}"/>
-              </a:ext>
-            </a:extLst>
-          </p:cNvPr>
-          <p:cNvSpPr>
-            <a:spLocks noGrp="1"/>
-          </p:cNvSpPr>
-          <p:nvPr>
-            <p:ph idx="1"/>
-          </p:nvPr>
-        </p:nvSpPr>
-        <p:spPr>
-          <a:xfrm>
-            <a:off x="616227" y="1825625"/>
-            <a:ext cx="10913164" cy="4351338"/>
-          </a:xfrm>
-        </p:spPr>
-        <p:txBody>
-          <a:bodyPr>
-            <a:normAutofit fontScale="92500"/>
-          </a:bodyPr>
-          <a:lstStyle/>
-          <a:p>
-            <a:pPr marL="514350" indent="-514350">
-              <a:buFont typeface="+mj-lt"/>
-              <a:buAutoNum type="arabicPeriod"/>
-            </a:pPr>
-            <a:r>
-              <a:rPr lang="en-US" dirty="0"/>
-              <a:t>Understand the difference between cloning and forking a repository</a:t>
-            </a:r>
-          </a:p>
-          <a:p>
-            <a:pPr marL="514350" indent="-514350">
-              <a:buFont typeface="+mj-lt"/>
-              <a:buAutoNum type="arabicPeriod"/>
-            </a:pPr>
-            <a:endParaRPr lang="en-US" dirty="0"/>
-          </a:p>
-          <a:p>
-            <a:pPr marL="514350" indent="-514350">
-              <a:buFont typeface="+mj-lt"/>
-              <a:buAutoNum type="arabicPeriod"/>
-            </a:pPr>
-            <a:r>
-              <a:rPr lang="en-US" dirty="0"/>
-              <a:t>Learn how to removed cloned repos</a:t>
-            </a:r>
-          </a:p>
-          <a:p>
-            <a:pPr marL="514350" indent="-514350">
-              <a:buFont typeface="+mj-lt"/>
-              <a:buAutoNum type="arabicPeriod"/>
-            </a:pPr>
-            <a:endParaRPr lang="en-US" dirty="0"/>
-          </a:p>
-          <a:p>
-            <a:pPr marL="514350" indent="-514350">
-              <a:buFont typeface="+mj-lt"/>
-              <a:buAutoNum type="arabicPeriod"/>
-            </a:pPr>
-            <a:r>
-              <a:rPr lang="en-US" dirty="0"/>
-              <a:t>Understand the </a:t>
-            </a:r>
-            <a:r>
-              <a:rPr lang="en-US" b="1" dirty="0"/>
-              <a:t>GitHub workflow</a:t>
-            </a:r>
-            <a:r>
-              <a:rPr lang="en-US" dirty="0"/>
-              <a:t>: change, commit, push, fetch, pull</a:t>
-            </a:r>
-          </a:p>
-          <a:p>
-            <a:pPr marL="514350" indent="-514350">
-              <a:buFont typeface="+mj-lt"/>
-              <a:buAutoNum type="arabicPeriod"/>
-            </a:pPr>
-            <a:endParaRPr lang="en-US" dirty="0"/>
-          </a:p>
-          <a:p>
-            <a:pPr marL="514350" indent="-514350">
-              <a:buFont typeface="+mj-lt"/>
-              <a:buAutoNum type="arabicPeriod"/>
-            </a:pPr>
-            <a:r>
-              <a:rPr lang="en-US" dirty="0"/>
-              <a:t>Learn how to keep a forked repository updated</a:t>
-            </a:r>
-          </a:p>
-          <a:p>
-            <a:pPr marL="514350" indent="-514350">
-              <a:buFont typeface="+mj-lt"/>
-              <a:buAutoNum type="arabicPeriod"/>
-            </a:pPr>
-            <a:endParaRPr lang="en-US" dirty="0"/>
-          </a:p>
-          <a:p>
-            <a:pPr marL="514350" indent="-514350">
-              <a:buFont typeface="+mj-lt"/>
-              <a:buAutoNum type="arabicPeriod"/>
-            </a:pPr>
-            <a:r>
-              <a:rPr lang="en-US" dirty="0"/>
-              <a:t>Understand what a </a:t>
-            </a:r>
-            <a:r>
-              <a:rPr lang="en-US" b="1" dirty="0"/>
-              <a:t>virtual environment </a:t>
-            </a:r>
-            <a:r>
-              <a:rPr lang="en-US" dirty="0"/>
-              <a:t>is and how to create one (maybe)</a:t>
-            </a:r>
-          </a:p>
-          <a:p>
-            <a:pPr marL="514350" indent="-514350">
-              <a:buFont typeface="+mj-lt"/>
-              <a:buAutoNum type="arabicPeriod"/>
-            </a:pPr>
-            <a:endParaRPr lang="en-US" dirty="0"/>
-          </a:p>
-        </p:txBody>
-      </p:sp>
-    </p:spTree>
-    <p:extLst>
-      <p:ext uri="{BB962C8B-B14F-4D97-AF65-F5344CB8AC3E}">
-        <p14:creationId xmlns:p14="http://schemas.microsoft.com/office/powerpoint/2010/main" val="915265621"/>
-      </p:ext>
-    </p:extLst>
-  </p:cSld>
-  <p:clrMapOvr>
-    <a:masterClrMapping/>
-  </p:clrMapOvr>
-</p:sld>
-</file>
-
-<file path=ppt/slides/slide3.xml><?xml version="1.0" encoding="utf-8"?>
-<p:sld xmlns:a="http://schemas.openxmlformats.org/drawingml/2006/main" xmlns:r="http://schemas.openxmlformats.org/officeDocument/2006/relationships" xmlns:p="http://schemas.openxmlformats.org/presentationml/2006/main">
-  <p:cSld>
-    <p:spTree>
-      <p:nvGrpSpPr>
-        <p:cNvPr id="1" name=""/>
-        <p:cNvGrpSpPr/>
-        <p:nvPr/>
-      </p:nvGrpSpPr>
-      <p:grpSpPr>
-        <a:xfrm>
-          <a:off x="0" y="0"/>
-          <a:ext cx="0" cy="0"/>
-          <a:chOff x="0" y="0"/>
-          <a:chExt cx="0" cy="0"/>
-        </a:xfrm>
-      </p:grpSpPr>
-      <p:sp>
-        <p:nvSpPr>
-          <p:cNvPr id="2" name="Title 1">
-            <a:extLst>
-              <a:ext uri="{FF2B5EF4-FFF2-40B4-BE49-F238E27FC236}">
                 <a16:creationId xmlns:a16="http://schemas.microsoft.com/office/drawing/2014/main" id="{55A67960-11E1-0FCE-CC60-6793B0FBF378}"/>
               </a:ext>
             </a:extLst>
@@ -6689,7 +5714,7 @@
 </p:sld>
 </file>
 
-<file path=ppt/slides/slide4.xml><?xml version="1.0" encoding="utf-8"?>
+<file path=ppt/slides/slide3.xml><?xml version="1.0" encoding="utf-8"?>
 <p:sld xmlns:a="http://schemas.openxmlformats.org/drawingml/2006/main" xmlns:r="http://schemas.openxmlformats.org/officeDocument/2006/relationships" xmlns:p="http://schemas.openxmlformats.org/presentationml/2006/main">
   <p:cSld>
     <p:bg>
@@ -7271,7 +6296,7 @@
 </p:sld>
 </file>
 
-<file path=ppt/slides/slide5.xml><?xml version="1.0" encoding="utf-8"?>
+<file path=ppt/slides/slide4.xml><?xml version="1.0" encoding="utf-8"?>
 <p:sld xmlns:a="http://schemas.openxmlformats.org/drawingml/2006/main" xmlns:r="http://schemas.openxmlformats.org/officeDocument/2006/relationships" xmlns:p="http://schemas.openxmlformats.org/presentationml/2006/main">
   <p:cSld>
     <p:spTree>
@@ -7383,7 +6408,7 @@
 </p:sld>
 </file>
 
-<file path=ppt/slides/slide6.xml><?xml version="1.0" encoding="utf-8"?>
+<file path=ppt/slides/slide5.xml><?xml version="1.0" encoding="utf-8"?>
 <p:sld xmlns:a="http://schemas.openxmlformats.org/drawingml/2006/main" xmlns:r="http://schemas.openxmlformats.org/officeDocument/2006/relationships" xmlns:p="http://schemas.openxmlformats.org/presentationml/2006/main">
   <p:cSld>
     <p:spTree>
@@ -8417,6 +7442,840 @@
 </p:sld>
 </file>
 
+<file path=ppt/slides/slide6.xml><?xml version="1.0" encoding="utf-8"?>
+<p:sld xmlns:a="http://schemas.openxmlformats.org/drawingml/2006/main" xmlns:r="http://schemas.openxmlformats.org/officeDocument/2006/relationships" xmlns:p="http://schemas.openxmlformats.org/presentationml/2006/main">
+  <p:cSld>
+    <p:spTree>
+      <p:nvGrpSpPr>
+        <p:cNvPr id="1" name=""/>
+        <p:cNvGrpSpPr/>
+        <p:nvPr/>
+      </p:nvGrpSpPr>
+      <p:grpSpPr>
+        <a:xfrm>
+          <a:off x="0" y="0"/>
+          <a:ext cx="0" cy="0"/>
+          <a:chOff x="0" y="0"/>
+          <a:chExt cx="0" cy="0"/>
+        </a:xfrm>
+      </p:grpSpPr>
+      <p:sp>
+        <p:nvSpPr>
+          <p:cNvPr id="11" name="Cloud 10">
+            <a:extLst>
+              <a:ext uri="{FF2B5EF4-FFF2-40B4-BE49-F238E27FC236}">
+                <a16:creationId xmlns:a16="http://schemas.microsoft.com/office/drawing/2014/main" id="{1B966F49-1674-86BC-E459-7ACB17DCF096}"/>
+              </a:ext>
+            </a:extLst>
+          </p:cNvPr>
+          <p:cNvSpPr/>
+          <p:nvPr/>
+        </p:nvSpPr>
+        <p:spPr>
+          <a:xfrm>
+            <a:off x="2403971" y="835184"/>
+            <a:ext cx="3099056" cy="2348564"/>
+          </a:xfrm>
+          <a:prstGeom prst="cloud">
+            <a:avLst/>
+          </a:prstGeom>
+          <a:solidFill>
+            <a:schemeClr val="bg1"/>
+          </a:solidFill>
+          <a:ln>
+            <a:solidFill>
+              <a:srgbClr val="7030A0"/>
+            </a:solidFill>
+          </a:ln>
+        </p:spPr>
+        <p:style>
+          <a:lnRef idx="2">
+            <a:schemeClr val="accent1">
+              <a:shade val="50000"/>
+            </a:schemeClr>
+          </a:lnRef>
+          <a:fillRef idx="1">
+            <a:schemeClr val="accent1"/>
+          </a:fillRef>
+          <a:effectRef idx="0">
+            <a:schemeClr val="accent1"/>
+          </a:effectRef>
+          <a:fontRef idx="minor">
+            <a:schemeClr val="lt1"/>
+          </a:fontRef>
+        </p:style>
+        <p:txBody>
+          <a:bodyPr rtlCol="0" anchor="ctr"/>
+          <a:lstStyle/>
+          <a:p>
+            <a:pPr algn="ctr"/>
+            <a:endParaRPr lang="en-US" dirty="0"/>
+          </a:p>
+        </p:txBody>
+      </p:sp>
+      <p:pic>
+        <p:nvPicPr>
+          <p:cNvPr id="12" name="Picture 12" descr="Project Jupyter | Home">
+            <a:extLst>
+              <a:ext uri="{FF2B5EF4-FFF2-40B4-BE49-F238E27FC236}">
+                <a16:creationId xmlns:a16="http://schemas.microsoft.com/office/drawing/2014/main" id="{FCCE780D-E564-A7E1-278D-078F83D99362}"/>
+              </a:ext>
+            </a:extLst>
+          </p:cNvPr>
+          <p:cNvPicPr>
+            <a:picLocks noChangeAspect="1" noChangeArrowheads="1"/>
+          </p:cNvPicPr>
+          <p:nvPr/>
+        </p:nvPicPr>
+        <p:blipFill rotWithShape="1">
+          <a:blip r:embed="rId2">
+            <a:extLst>
+              <a:ext uri="{28A0092B-C50C-407E-A947-70E740481C1C}">
+                <a14:useLocalDpi xmlns:a14="http://schemas.microsoft.com/office/drawing/2010/main" val="0"/>
+              </a:ext>
+            </a:extLst>
+          </a:blip>
+          <a:srcRect r="19314"/>
+          <a:stretch/>
+        </p:blipFill>
+        <p:spPr bwMode="auto">
+          <a:xfrm>
+            <a:off x="2552422" y="1630724"/>
+            <a:ext cx="1088013" cy="707942"/>
+          </a:xfrm>
+          <a:prstGeom prst="rect">
+            <a:avLst/>
+          </a:prstGeom>
+          <a:noFill/>
+          <a:extLst>
+            <a:ext uri="{909E8E84-426E-40DD-AFC4-6F175D3DCCD1}">
+              <a14:hiddenFill xmlns:a14="http://schemas.microsoft.com/office/drawing/2010/main">
+                <a:solidFill>
+                  <a:srgbClr val="FFFFFF"/>
+                </a:solidFill>
+              </a14:hiddenFill>
+            </a:ext>
+          </a:extLst>
+        </p:spPr>
+      </p:pic>
+      <p:pic>
+        <p:nvPicPr>
+          <p:cNvPr id="14" name="Picture 12" descr="Project Jupyter | Home">
+            <a:extLst>
+              <a:ext uri="{FF2B5EF4-FFF2-40B4-BE49-F238E27FC236}">
+                <a16:creationId xmlns:a16="http://schemas.microsoft.com/office/drawing/2014/main" id="{8E525F59-282D-B115-C720-6E196B4C8B34}"/>
+              </a:ext>
+            </a:extLst>
+          </p:cNvPr>
+          <p:cNvPicPr>
+            <a:picLocks noChangeAspect="1" noChangeArrowheads="1"/>
+          </p:cNvPicPr>
+          <p:nvPr/>
+        </p:nvPicPr>
+        <p:blipFill rotWithShape="1">
+          <a:blip r:embed="rId2">
+            <a:extLst>
+              <a:ext uri="{28A0092B-C50C-407E-A947-70E740481C1C}">
+                <a14:useLocalDpi xmlns:a14="http://schemas.microsoft.com/office/drawing/2010/main" val="0"/>
+              </a:ext>
+            </a:extLst>
+          </a:blip>
+          <a:srcRect r="19314"/>
+          <a:stretch/>
+        </p:blipFill>
+        <p:spPr bwMode="auto">
+          <a:xfrm>
+            <a:off x="3162696" y="2133223"/>
+            <a:ext cx="1088013" cy="707942"/>
+          </a:xfrm>
+          <a:prstGeom prst="rect">
+            <a:avLst/>
+          </a:prstGeom>
+          <a:noFill/>
+          <a:extLst>
+            <a:ext uri="{909E8E84-426E-40DD-AFC4-6F175D3DCCD1}">
+              <a14:hiddenFill xmlns:a14="http://schemas.microsoft.com/office/drawing/2010/main">
+                <a:solidFill>
+                  <a:srgbClr val="FFFFFF"/>
+                </a:solidFill>
+              </a14:hiddenFill>
+            </a:ext>
+          </a:extLst>
+        </p:spPr>
+      </p:pic>
+      <p:pic>
+        <p:nvPicPr>
+          <p:cNvPr id="15" name="Picture 4" descr="Purple github 10 icon - Free purple site logo icons">
+            <a:extLst>
+              <a:ext uri="{FF2B5EF4-FFF2-40B4-BE49-F238E27FC236}">
+                <a16:creationId xmlns:a16="http://schemas.microsoft.com/office/drawing/2014/main" id="{9DCBE8EF-1C2D-3254-4F40-EE5A06DAC0A0}"/>
+              </a:ext>
+            </a:extLst>
+          </p:cNvPr>
+          <p:cNvPicPr>
+            <a:picLocks noChangeAspect="1" noChangeArrowheads="1"/>
+          </p:cNvPicPr>
+          <p:nvPr/>
+        </p:nvPicPr>
+        <p:blipFill>
+          <a:blip r:embed="rId3">
+            <a:extLst>
+              <a:ext uri="{28A0092B-C50C-407E-A947-70E740481C1C}">
+                <a14:useLocalDpi xmlns:a14="http://schemas.microsoft.com/office/drawing/2010/main" val="0"/>
+              </a:ext>
+            </a:extLst>
+          </a:blip>
+          <a:srcRect/>
+          <a:stretch>
+            <a:fillRect/>
+          </a:stretch>
+        </p:blipFill>
+        <p:spPr bwMode="auto">
+          <a:xfrm>
+            <a:off x="2403971" y="2378136"/>
+            <a:ext cx="640359" cy="640359"/>
+          </a:xfrm>
+          <a:prstGeom prst="rect">
+            <a:avLst/>
+          </a:prstGeom>
+          <a:noFill/>
+          <a:extLst>
+            <a:ext uri="{909E8E84-426E-40DD-AFC4-6F175D3DCCD1}">
+              <a14:hiddenFill xmlns:a14="http://schemas.microsoft.com/office/drawing/2010/main">
+                <a:solidFill>
+                  <a:srgbClr val="FFFFFF"/>
+                </a:solidFill>
+              </a14:hiddenFill>
+            </a:ext>
+          </a:extLst>
+        </p:spPr>
+      </p:pic>
+      <p:pic>
+        <p:nvPicPr>
+          <p:cNvPr id="16" name="Picture 12" descr="Project Jupyter | Home">
+            <a:extLst>
+              <a:ext uri="{FF2B5EF4-FFF2-40B4-BE49-F238E27FC236}">
+                <a16:creationId xmlns:a16="http://schemas.microsoft.com/office/drawing/2014/main" id="{CD76D1F4-E4E2-C290-8DCC-61C9B9FC0038}"/>
+              </a:ext>
+            </a:extLst>
+          </p:cNvPr>
+          <p:cNvPicPr>
+            <a:picLocks noChangeAspect="1" noChangeArrowheads="1"/>
+          </p:cNvPicPr>
+          <p:nvPr/>
+        </p:nvPicPr>
+        <p:blipFill rotWithShape="1">
+          <a:blip r:embed="rId2">
+            <a:extLst>
+              <a:ext uri="{28A0092B-C50C-407E-A947-70E740481C1C}">
+                <a14:useLocalDpi xmlns:a14="http://schemas.microsoft.com/office/drawing/2010/main" val="0"/>
+              </a:ext>
+            </a:extLst>
+          </a:blip>
+          <a:srcRect r="19314"/>
+          <a:stretch/>
+        </p:blipFill>
+        <p:spPr bwMode="auto">
+          <a:xfrm>
+            <a:off x="3409492" y="1283265"/>
+            <a:ext cx="1088013" cy="707942"/>
+          </a:xfrm>
+          <a:prstGeom prst="rect">
+            <a:avLst/>
+          </a:prstGeom>
+          <a:noFill/>
+          <a:extLst>
+            <a:ext uri="{909E8E84-426E-40DD-AFC4-6F175D3DCCD1}">
+              <a14:hiddenFill xmlns:a14="http://schemas.microsoft.com/office/drawing/2010/main">
+                <a:solidFill>
+                  <a:srgbClr val="FFFFFF"/>
+                </a:solidFill>
+              </a14:hiddenFill>
+            </a:ext>
+          </a:extLst>
+        </p:spPr>
+      </p:pic>
+      <p:sp>
+        <p:nvSpPr>
+          <p:cNvPr id="19" name="Cloud 18">
+            <a:extLst>
+              <a:ext uri="{FF2B5EF4-FFF2-40B4-BE49-F238E27FC236}">
+                <a16:creationId xmlns:a16="http://schemas.microsoft.com/office/drawing/2014/main" id="{56DD29C7-E8F7-95E6-0B5F-DB2D551F3B53}"/>
+              </a:ext>
+            </a:extLst>
+          </p:cNvPr>
+          <p:cNvSpPr/>
+          <p:nvPr/>
+        </p:nvSpPr>
+        <p:spPr>
+          <a:xfrm>
+            <a:off x="6273048" y="809598"/>
+            <a:ext cx="3099056" cy="2348564"/>
+          </a:xfrm>
+          <a:prstGeom prst="cloud">
+            <a:avLst/>
+          </a:prstGeom>
+          <a:solidFill>
+            <a:schemeClr val="bg1"/>
+          </a:solidFill>
+          <a:ln>
+            <a:solidFill>
+              <a:srgbClr val="7030A0"/>
+            </a:solidFill>
+          </a:ln>
+        </p:spPr>
+        <p:style>
+          <a:lnRef idx="2">
+            <a:schemeClr val="accent1">
+              <a:shade val="50000"/>
+            </a:schemeClr>
+          </a:lnRef>
+          <a:fillRef idx="1">
+            <a:schemeClr val="accent1"/>
+          </a:fillRef>
+          <a:effectRef idx="0">
+            <a:schemeClr val="accent1"/>
+          </a:effectRef>
+          <a:fontRef idx="minor">
+            <a:schemeClr val="lt1"/>
+          </a:fontRef>
+        </p:style>
+        <p:txBody>
+          <a:bodyPr rtlCol="0" anchor="ctr"/>
+          <a:lstStyle/>
+          <a:p>
+            <a:pPr algn="ctr"/>
+            <a:endParaRPr lang="en-US" dirty="0"/>
+          </a:p>
+        </p:txBody>
+      </p:sp>
+      <p:pic>
+        <p:nvPicPr>
+          <p:cNvPr id="20" name="Picture 12" descr="Project Jupyter | Home">
+            <a:extLst>
+              <a:ext uri="{FF2B5EF4-FFF2-40B4-BE49-F238E27FC236}">
+                <a16:creationId xmlns:a16="http://schemas.microsoft.com/office/drawing/2014/main" id="{0DAF19B0-761F-0162-74A2-E1DEBD57A7C8}"/>
+              </a:ext>
+            </a:extLst>
+          </p:cNvPr>
+          <p:cNvPicPr>
+            <a:picLocks noChangeAspect="1" noChangeArrowheads="1"/>
+          </p:cNvPicPr>
+          <p:nvPr/>
+        </p:nvPicPr>
+        <p:blipFill rotWithShape="1">
+          <a:blip r:embed="rId2">
+            <a:extLst>
+              <a:ext uri="{28A0092B-C50C-407E-A947-70E740481C1C}">
+                <a14:useLocalDpi xmlns:a14="http://schemas.microsoft.com/office/drawing/2010/main" val="0"/>
+              </a:ext>
+            </a:extLst>
+          </a:blip>
+          <a:srcRect r="19314"/>
+          <a:stretch/>
+        </p:blipFill>
+        <p:spPr bwMode="auto">
+          <a:xfrm>
+            <a:off x="6421499" y="1605138"/>
+            <a:ext cx="1088013" cy="707942"/>
+          </a:xfrm>
+          <a:prstGeom prst="rect">
+            <a:avLst/>
+          </a:prstGeom>
+          <a:noFill/>
+          <a:extLst>
+            <a:ext uri="{909E8E84-426E-40DD-AFC4-6F175D3DCCD1}">
+              <a14:hiddenFill xmlns:a14="http://schemas.microsoft.com/office/drawing/2010/main">
+                <a:solidFill>
+                  <a:srgbClr val="FFFFFF"/>
+                </a:solidFill>
+              </a14:hiddenFill>
+            </a:ext>
+          </a:extLst>
+        </p:spPr>
+      </p:pic>
+      <p:pic>
+        <p:nvPicPr>
+          <p:cNvPr id="22" name="Picture 12" descr="Project Jupyter | Home">
+            <a:extLst>
+              <a:ext uri="{FF2B5EF4-FFF2-40B4-BE49-F238E27FC236}">
+                <a16:creationId xmlns:a16="http://schemas.microsoft.com/office/drawing/2014/main" id="{B42D7A9E-065A-ADB2-23FF-3668CBE15DFD}"/>
+              </a:ext>
+            </a:extLst>
+          </p:cNvPr>
+          <p:cNvPicPr>
+            <a:picLocks noChangeAspect="1" noChangeArrowheads="1"/>
+          </p:cNvPicPr>
+          <p:nvPr/>
+        </p:nvPicPr>
+        <p:blipFill rotWithShape="1">
+          <a:blip r:embed="rId2">
+            <a:extLst>
+              <a:ext uri="{28A0092B-C50C-407E-A947-70E740481C1C}">
+                <a14:useLocalDpi xmlns:a14="http://schemas.microsoft.com/office/drawing/2010/main" val="0"/>
+              </a:ext>
+            </a:extLst>
+          </a:blip>
+          <a:srcRect r="19314"/>
+          <a:stretch/>
+        </p:blipFill>
+        <p:spPr bwMode="auto">
+          <a:xfrm>
+            <a:off x="7031773" y="2107637"/>
+            <a:ext cx="1088013" cy="707942"/>
+          </a:xfrm>
+          <a:prstGeom prst="rect">
+            <a:avLst/>
+          </a:prstGeom>
+          <a:noFill/>
+          <a:extLst>
+            <a:ext uri="{909E8E84-426E-40DD-AFC4-6F175D3DCCD1}">
+              <a14:hiddenFill xmlns:a14="http://schemas.microsoft.com/office/drawing/2010/main">
+                <a:solidFill>
+                  <a:srgbClr val="FFFFFF"/>
+                </a:solidFill>
+              </a14:hiddenFill>
+            </a:ext>
+          </a:extLst>
+        </p:spPr>
+      </p:pic>
+      <p:pic>
+        <p:nvPicPr>
+          <p:cNvPr id="23" name="Picture 4" descr="Purple github 10 icon - Free purple site logo icons">
+            <a:extLst>
+              <a:ext uri="{FF2B5EF4-FFF2-40B4-BE49-F238E27FC236}">
+                <a16:creationId xmlns:a16="http://schemas.microsoft.com/office/drawing/2014/main" id="{E12B1A96-4F30-C7EC-CA5E-BC9DE731C1CB}"/>
+              </a:ext>
+            </a:extLst>
+          </p:cNvPr>
+          <p:cNvPicPr>
+            <a:picLocks noChangeAspect="1" noChangeArrowheads="1"/>
+          </p:cNvPicPr>
+          <p:nvPr/>
+        </p:nvPicPr>
+        <p:blipFill>
+          <a:blip r:embed="rId3">
+            <a:extLst>
+              <a:ext uri="{28A0092B-C50C-407E-A947-70E740481C1C}">
+                <a14:useLocalDpi xmlns:a14="http://schemas.microsoft.com/office/drawing/2010/main" val="0"/>
+              </a:ext>
+            </a:extLst>
+          </a:blip>
+          <a:srcRect/>
+          <a:stretch>
+            <a:fillRect/>
+          </a:stretch>
+        </p:blipFill>
+        <p:spPr bwMode="auto">
+          <a:xfrm>
+            <a:off x="6273048" y="2352550"/>
+            <a:ext cx="640359" cy="640359"/>
+          </a:xfrm>
+          <a:prstGeom prst="rect">
+            <a:avLst/>
+          </a:prstGeom>
+          <a:noFill/>
+          <a:extLst>
+            <a:ext uri="{909E8E84-426E-40DD-AFC4-6F175D3DCCD1}">
+              <a14:hiddenFill xmlns:a14="http://schemas.microsoft.com/office/drawing/2010/main">
+                <a:solidFill>
+                  <a:srgbClr val="FFFFFF"/>
+                </a:solidFill>
+              </a14:hiddenFill>
+            </a:ext>
+          </a:extLst>
+        </p:spPr>
+      </p:pic>
+      <p:pic>
+        <p:nvPicPr>
+          <p:cNvPr id="24" name="Picture 12" descr="Project Jupyter | Home">
+            <a:extLst>
+              <a:ext uri="{FF2B5EF4-FFF2-40B4-BE49-F238E27FC236}">
+                <a16:creationId xmlns:a16="http://schemas.microsoft.com/office/drawing/2014/main" id="{5FB8D940-3080-419C-32A3-DE02BF26AFCE}"/>
+              </a:ext>
+            </a:extLst>
+          </p:cNvPr>
+          <p:cNvPicPr>
+            <a:picLocks noChangeAspect="1" noChangeArrowheads="1"/>
+          </p:cNvPicPr>
+          <p:nvPr/>
+        </p:nvPicPr>
+        <p:blipFill rotWithShape="1">
+          <a:blip r:embed="rId2">
+            <a:extLst>
+              <a:ext uri="{28A0092B-C50C-407E-A947-70E740481C1C}">
+                <a14:useLocalDpi xmlns:a14="http://schemas.microsoft.com/office/drawing/2010/main" val="0"/>
+              </a:ext>
+            </a:extLst>
+          </a:blip>
+          <a:srcRect r="19314"/>
+          <a:stretch/>
+        </p:blipFill>
+        <p:spPr bwMode="auto">
+          <a:xfrm>
+            <a:off x="7278569" y="1257679"/>
+            <a:ext cx="1088013" cy="707942"/>
+          </a:xfrm>
+          <a:prstGeom prst="rect">
+            <a:avLst/>
+          </a:prstGeom>
+          <a:noFill/>
+          <a:extLst>
+            <a:ext uri="{909E8E84-426E-40DD-AFC4-6F175D3DCCD1}">
+              <a14:hiddenFill xmlns:a14="http://schemas.microsoft.com/office/drawing/2010/main">
+                <a:solidFill>
+                  <a:srgbClr val="FFFFFF"/>
+                </a:solidFill>
+              </a14:hiddenFill>
+            </a:ext>
+          </a:extLst>
+        </p:spPr>
+      </p:pic>
+      <p:sp>
+        <p:nvSpPr>
+          <p:cNvPr id="25" name="TextBox 24">
+            <a:extLst>
+              <a:ext uri="{FF2B5EF4-FFF2-40B4-BE49-F238E27FC236}">
+                <a16:creationId xmlns:a16="http://schemas.microsoft.com/office/drawing/2014/main" id="{6850071C-F2C4-789F-5296-02B09C96FF74}"/>
+              </a:ext>
+            </a:extLst>
+          </p:cNvPr>
+          <p:cNvSpPr txBox="1"/>
+          <p:nvPr/>
+        </p:nvSpPr>
+        <p:spPr>
+          <a:xfrm>
+            <a:off x="2112972" y="3368606"/>
+            <a:ext cx="3681051" cy="369332"/>
+          </a:xfrm>
+          <a:prstGeom prst="rect">
+            <a:avLst/>
+          </a:prstGeom>
+          <a:noFill/>
+        </p:spPr>
+        <p:txBody>
+          <a:bodyPr wrap="square" rtlCol="0">
+            <a:spAutoFit/>
+          </a:bodyPr>
+          <a:lstStyle/>
+          <a:p>
+            <a:r>
+              <a:rPr lang="en-US" dirty="0" err="1"/>
+              <a:t>github.com</a:t>
+            </a:r>
+            <a:r>
+              <a:rPr lang="en-US" dirty="0"/>
+              <a:t>/student1/emoryqtm151</a:t>
+            </a:r>
+          </a:p>
+        </p:txBody>
+      </p:sp>
+      <p:sp>
+        <p:nvSpPr>
+          <p:cNvPr id="26" name="TextBox 25">
+            <a:extLst>
+              <a:ext uri="{FF2B5EF4-FFF2-40B4-BE49-F238E27FC236}">
+                <a16:creationId xmlns:a16="http://schemas.microsoft.com/office/drawing/2014/main" id="{60005043-ACE1-644D-74DA-6B18BD1DE105}"/>
+              </a:ext>
+            </a:extLst>
+          </p:cNvPr>
+          <p:cNvSpPr txBox="1"/>
+          <p:nvPr/>
+        </p:nvSpPr>
+        <p:spPr>
+          <a:xfrm>
+            <a:off x="6273048" y="3336659"/>
+            <a:ext cx="3681051" cy="369332"/>
+          </a:xfrm>
+          <a:prstGeom prst="rect">
+            <a:avLst/>
+          </a:prstGeom>
+          <a:noFill/>
+        </p:spPr>
+        <p:txBody>
+          <a:bodyPr wrap="square" rtlCol="0">
+            <a:spAutoFit/>
+          </a:bodyPr>
+          <a:lstStyle/>
+          <a:p>
+            <a:r>
+              <a:rPr lang="en-US" dirty="0" err="1"/>
+              <a:t>github.com</a:t>
+            </a:r>
+            <a:r>
+              <a:rPr lang="en-US" dirty="0"/>
+              <a:t>/student2/emoryqtm151</a:t>
+            </a:r>
+          </a:p>
+        </p:txBody>
+      </p:sp>
+      <p:pic>
+        <p:nvPicPr>
+          <p:cNvPr id="9" name="Graphic 8" descr="Laptop outline">
+            <a:extLst>
+              <a:ext uri="{FF2B5EF4-FFF2-40B4-BE49-F238E27FC236}">
+                <a16:creationId xmlns:a16="http://schemas.microsoft.com/office/drawing/2014/main" id="{B65448F0-8006-834F-CD4D-64ED686009B3}"/>
+              </a:ext>
+            </a:extLst>
+          </p:cNvPr>
+          <p:cNvPicPr>
+            <a:picLocks noChangeAspect="1"/>
+          </p:cNvPicPr>
+          <p:nvPr/>
+        </p:nvPicPr>
+        <p:blipFill>
+          <a:blip r:embed="rId4">
+            <a:extLst>
+              <a:ext uri="{96DAC541-7B7A-43D3-8B79-37D633B846F1}">
+                <asvg:svgBlip xmlns:asvg="http://schemas.microsoft.com/office/drawing/2016/SVG/main" r:embed="rId5"/>
+              </a:ext>
+            </a:extLst>
+          </a:blip>
+          <a:stretch>
+            <a:fillRect/>
+          </a:stretch>
+        </p:blipFill>
+        <p:spPr>
+          <a:xfrm>
+            <a:off x="3223790" y="4557792"/>
+            <a:ext cx="1669584" cy="1669584"/>
+          </a:xfrm>
+          <a:prstGeom prst="rect">
+            <a:avLst/>
+          </a:prstGeom>
+        </p:spPr>
+      </p:pic>
+      <p:pic>
+        <p:nvPicPr>
+          <p:cNvPr id="32" name="Graphic 31" descr="Laptop outline">
+            <a:extLst>
+              <a:ext uri="{FF2B5EF4-FFF2-40B4-BE49-F238E27FC236}">
+                <a16:creationId xmlns:a16="http://schemas.microsoft.com/office/drawing/2014/main" id="{C77D8ABC-3C44-E5D0-E19F-B5F7F0CE9642}"/>
+              </a:ext>
+            </a:extLst>
+          </p:cNvPr>
+          <p:cNvPicPr>
+            <a:picLocks noChangeAspect="1"/>
+          </p:cNvPicPr>
+          <p:nvPr/>
+        </p:nvPicPr>
+        <p:blipFill>
+          <a:blip r:embed="rId4">
+            <a:extLst>
+              <a:ext uri="{96DAC541-7B7A-43D3-8B79-37D633B846F1}">
+                <asvg:svgBlip xmlns:asvg="http://schemas.microsoft.com/office/drawing/2016/SVG/main" r:embed="rId5"/>
+              </a:ext>
+            </a:extLst>
+          </a:blip>
+          <a:stretch>
+            <a:fillRect/>
+          </a:stretch>
+        </p:blipFill>
+        <p:spPr>
+          <a:xfrm>
+            <a:off x="7077722" y="4557792"/>
+            <a:ext cx="1669584" cy="1669584"/>
+          </a:xfrm>
+          <a:prstGeom prst="rect">
+            <a:avLst/>
+          </a:prstGeom>
+        </p:spPr>
+      </p:pic>
+      <p:sp>
+        <p:nvSpPr>
+          <p:cNvPr id="35" name="TextBox 34">
+            <a:extLst>
+              <a:ext uri="{FF2B5EF4-FFF2-40B4-BE49-F238E27FC236}">
+                <a16:creationId xmlns:a16="http://schemas.microsoft.com/office/drawing/2014/main" id="{55E9F711-85AF-2421-AAA6-845733E2E0A1}"/>
+              </a:ext>
+            </a:extLst>
+          </p:cNvPr>
+          <p:cNvSpPr txBox="1"/>
+          <p:nvPr/>
+        </p:nvSpPr>
+        <p:spPr>
+          <a:xfrm>
+            <a:off x="2552422" y="3958957"/>
+            <a:ext cx="1363735" cy="523220"/>
+          </a:xfrm>
+          <a:prstGeom prst="rect">
+            <a:avLst/>
+          </a:prstGeom>
+          <a:noFill/>
+        </p:spPr>
+        <p:txBody>
+          <a:bodyPr wrap="square" rtlCol="0">
+            <a:spAutoFit/>
+          </a:bodyPr>
+          <a:lstStyle/>
+          <a:p>
+            <a:r>
+              <a:rPr lang="en-US" sz="2800" dirty="0">
+                <a:solidFill>
+                  <a:srgbClr val="7030A0"/>
+                </a:solidFill>
+              </a:rPr>
+              <a:t>CLONE</a:t>
+            </a:r>
+          </a:p>
+        </p:txBody>
+      </p:sp>
+      <p:sp>
+        <p:nvSpPr>
+          <p:cNvPr id="36" name="TextBox 35">
+            <a:extLst>
+              <a:ext uri="{FF2B5EF4-FFF2-40B4-BE49-F238E27FC236}">
+                <a16:creationId xmlns:a16="http://schemas.microsoft.com/office/drawing/2014/main" id="{361E71C0-0CA9-42A6-4A55-2F8114AB8F74}"/>
+              </a:ext>
+            </a:extLst>
+          </p:cNvPr>
+          <p:cNvSpPr txBox="1"/>
+          <p:nvPr/>
+        </p:nvSpPr>
+        <p:spPr>
+          <a:xfrm>
+            <a:off x="6299310" y="3948752"/>
+            <a:ext cx="1363735" cy="523220"/>
+          </a:xfrm>
+          <a:prstGeom prst="rect">
+            <a:avLst/>
+          </a:prstGeom>
+          <a:noFill/>
+        </p:spPr>
+        <p:txBody>
+          <a:bodyPr wrap="square" rtlCol="0">
+            <a:spAutoFit/>
+          </a:bodyPr>
+          <a:lstStyle/>
+          <a:p>
+            <a:r>
+              <a:rPr lang="en-US" sz="2800" dirty="0">
+                <a:solidFill>
+                  <a:srgbClr val="7030A0"/>
+                </a:solidFill>
+              </a:rPr>
+              <a:t>CLONE</a:t>
+            </a:r>
+          </a:p>
+        </p:txBody>
+      </p:sp>
+      <p:sp>
+        <p:nvSpPr>
+          <p:cNvPr id="39" name="Down Arrow 38">
+            <a:extLst>
+              <a:ext uri="{FF2B5EF4-FFF2-40B4-BE49-F238E27FC236}">
+                <a16:creationId xmlns:a16="http://schemas.microsoft.com/office/drawing/2014/main" id="{3FD9A625-41D5-FCBB-9F93-BB2755CA605C}"/>
+              </a:ext>
+            </a:extLst>
+          </p:cNvPr>
+          <p:cNvSpPr/>
+          <p:nvPr/>
+        </p:nvSpPr>
+        <p:spPr>
+          <a:xfrm>
+            <a:off x="3791298" y="3877631"/>
+            <a:ext cx="494949" cy="746661"/>
+          </a:xfrm>
+          <a:prstGeom prst="downArrow">
+            <a:avLst/>
+          </a:prstGeom>
+          <a:solidFill>
+            <a:srgbClr val="7030A0"/>
+          </a:solidFill>
+          <a:ln>
+            <a:noFill/>
+          </a:ln>
+        </p:spPr>
+        <p:style>
+          <a:lnRef idx="2">
+            <a:schemeClr val="accent1">
+              <a:shade val="50000"/>
+            </a:schemeClr>
+          </a:lnRef>
+          <a:fillRef idx="1">
+            <a:schemeClr val="accent1"/>
+          </a:fillRef>
+          <a:effectRef idx="0">
+            <a:schemeClr val="accent1"/>
+          </a:effectRef>
+          <a:fontRef idx="minor">
+            <a:schemeClr val="lt1"/>
+          </a:fontRef>
+        </p:style>
+        <p:txBody>
+          <a:bodyPr rtlCol="0" anchor="ctr"/>
+          <a:lstStyle/>
+          <a:p>
+            <a:pPr algn="ctr"/>
+            <a:endParaRPr lang="en-US" dirty="0"/>
+          </a:p>
+        </p:txBody>
+      </p:sp>
+      <p:sp>
+        <p:nvSpPr>
+          <p:cNvPr id="40" name="Down Arrow 39">
+            <a:extLst>
+              <a:ext uri="{FF2B5EF4-FFF2-40B4-BE49-F238E27FC236}">
+                <a16:creationId xmlns:a16="http://schemas.microsoft.com/office/drawing/2014/main" id="{D1C63452-EBF2-B271-D277-F482A7CD7734}"/>
+              </a:ext>
+            </a:extLst>
+          </p:cNvPr>
+          <p:cNvSpPr/>
+          <p:nvPr/>
+        </p:nvSpPr>
+        <p:spPr>
+          <a:xfrm>
+            <a:off x="7663045" y="3877631"/>
+            <a:ext cx="494949" cy="746661"/>
+          </a:xfrm>
+          <a:prstGeom prst="downArrow">
+            <a:avLst/>
+          </a:prstGeom>
+          <a:solidFill>
+            <a:srgbClr val="7030A0"/>
+          </a:solidFill>
+          <a:ln>
+            <a:noFill/>
+          </a:ln>
+        </p:spPr>
+        <p:style>
+          <a:lnRef idx="2">
+            <a:schemeClr val="accent1">
+              <a:shade val="50000"/>
+            </a:schemeClr>
+          </a:lnRef>
+          <a:fillRef idx="1">
+            <a:schemeClr val="accent1"/>
+          </a:fillRef>
+          <a:effectRef idx="0">
+            <a:schemeClr val="accent1"/>
+          </a:effectRef>
+          <a:fontRef idx="minor">
+            <a:schemeClr val="lt1"/>
+          </a:fontRef>
+        </p:style>
+        <p:txBody>
+          <a:bodyPr rtlCol="0" anchor="ctr"/>
+          <a:lstStyle/>
+          <a:p>
+            <a:pPr algn="ctr"/>
+            <a:endParaRPr lang="en-US" dirty="0"/>
+          </a:p>
+        </p:txBody>
+      </p:sp>
+    </p:spTree>
+    <p:extLst>
+      <p:ext uri="{BB962C8B-B14F-4D97-AF65-F5344CB8AC3E}">
+        <p14:creationId xmlns:p14="http://schemas.microsoft.com/office/powerpoint/2010/main" val="1954250307"/>
+      </p:ext>
+    </p:extLst>
+  </p:cSld>
+  <p:clrMapOvr>
+    <a:masterClrMapping/>
+  </p:clrMapOvr>
+</p:sld>
+</file>
+
 <file path=ppt/slides/slide7.xml><?xml version="1.0" encoding="utf-8"?>
 <p:sld xmlns:a="http://schemas.openxmlformats.org/drawingml/2006/main" xmlns:r="http://schemas.openxmlformats.org/officeDocument/2006/relationships" xmlns:p="http://schemas.openxmlformats.org/presentationml/2006/main">
   <p:cSld>
@@ -9070,7 +8929,7 @@
         </p:nvSpPr>
         <p:spPr>
           <a:xfrm>
-            <a:off x="2552422" y="3958957"/>
+            <a:off x="4301832" y="3979288"/>
             <a:ext cx="1363735" cy="523220"/>
           </a:xfrm>
           <a:prstGeom prst="rect">
@@ -9090,7 +8949,7 @@
                   <a:srgbClr val="7030A0"/>
                 </a:solidFill>
               </a:rPr>
-              <a:t>CLONE</a:t>
+              <a:t>PUSH</a:t>
             </a:r>
           </a:p>
         </p:txBody>
@@ -9109,7 +8968,7 @@
         </p:nvSpPr>
         <p:spPr>
           <a:xfrm>
-            <a:off x="6299310" y="3948752"/>
+            <a:off x="8196047" y="3979288"/>
             <a:ext cx="1363735" cy="523220"/>
           </a:xfrm>
           <a:prstGeom prst="rect">
@@ -9129,17 +8988,53 @@
                   <a:srgbClr val="7030A0"/>
                 </a:solidFill>
               </a:rPr>
-              <a:t>CLONE</a:t>
-            </a:r>
-          </a:p>
-        </p:txBody>
-      </p:sp>
-      <p:sp>
-        <p:nvSpPr>
-          <p:cNvPr id="39" name="Down Arrow 38">
-            <a:extLst>
-              <a:ext uri="{FF2B5EF4-FFF2-40B4-BE49-F238E27FC236}">
-                <a16:creationId xmlns:a16="http://schemas.microsoft.com/office/drawing/2014/main" id="{3FD9A625-41D5-FCBB-9F93-BB2755CA605C}"/>
+              <a:t>PUSH</a:t>
+            </a:r>
+          </a:p>
+        </p:txBody>
+      </p:sp>
+      <p:sp>
+        <p:nvSpPr>
+          <p:cNvPr id="38" name="TextBox 37">
+            <a:extLst>
+              <a:ext uri="{FF2B5EF4-FFF2-40B4-BE49-F238E27FC236}">
+                <a16:creationId xmlns:a16="http://schemas.microsoft.com/office/drawing/2014/main" id="{FD62DF57-CD7E-461C-956D-5E11198A2435}"/>
+              </a:ext>
+            </a:extLst>
+          </p:cNvPr>
+          <p:cNvSpPr txBox="1"/>
+          <p:nvPr/>
+        </p:nvSpPr>
+        <p:spPr>
+          <a:xfrm>
+            <a:off x="9213326" y="4557792"/>
+            <a:ext cx="2458511" cy="1477328"/>
+          </a:xfrm>
+          <a:prstGeom prst="rect">
+            <a:avLst/>
+          </a:prstGeom>
+          <a:noFill/>
+        </p:spPr>
+        <p:txBody>
+          <a:bodyPr wrap="square">
+            <a:spAutoFit/>
+          </a:bodyPr>
+          <a:lstStyle/>
+          <a:p>
+            <a:r>
+              <a:rPr lang="en-US" sz="1800" dirty="0"/>
+              <a:t>The push operation will upload information from your personal computer to your website</a:t>
+            </a:r>
+            <a:endParaRPr lang="en-US" dirty="0"/>
+          </a:p>
+        </p:txBody>
+      </p:sp>
+      <p:sp>
+        <p:nvSpPr>
+          <p:cNvPr id="27" name="Down Arrow 26">
+            <a:extLst>
+              <a:ext uri="{FF2B5EF4-FFF2-40B4-BE49-F238E27FC236}">
+                <a16:creationId xmlns:a16="http://schemas.microsoft.com/office/drawing/2014/main" id="{3C8FF0A7-83F6-C05B-BC42-1F9F0E2AC29C}"/>
               </a:ext>
             </a:extLst>
           </p:cNvPr>
@@ -9147,7 +9042,7 @@
           <p:nvPr/>
         </p:nvSpPr>
         <p:spPr>
-          <a:xfrm>
+          <a:xfrm flipV="1">
             <a:off x="3791298" y="3877631"/>
             <a:ext cx="494949" cy="746661"/>
           </a:xfrm>
@@ -9188,10 +9083,10 @@
       </p:sp>
       <p:sp>
         <p:nvSpPr>
-          <p:cNvPr id="40" name="Down Arrow 39">
-            <a:extLst>
-              <a:ext uri="{FF2B5EF4-FFF2-40B4-BE49-F238E27FC236}">
-                <a16:creationId xmlns:a16="http://schemas.microsoft.com/office/drawing/2014/main" id="{D1C63452-EBF2-B271-D277-F482A7CD7734}"/>
+          <p:cNvPr id="28" name="Down Arrow 27">
+            <a:extLst>
+              <a:ext uri="{FF2B5EF4-FFF2-40B4-BE49-F238E27FC236}">
+                <a16:creationId xmlns:a16="http://schemas.microsoft.com/office/drawing/2014/main" id="{D2A4F673-3BA3-DC53-9343-34C7A1B795F0}"/>
               </a:ext>
             </a:extLst>
           </p:cNvPr>
@@ -9199,7 +9094,7 @@
           <p:nvPr/>
         </p:nvSpPr>
         <p:spPr>
-          <a:xfrm>
+          <a:xfrm flipV="1">
             <a:off x="7663045" y="3877631"/>
             <a:ext cx="494949" cy="746661"/>
           </a:xfrm>
@@ -9238,10 +9133,46 @@
           </a:p>
         </p:txBody>
       </p:sp>
+      <p:pic>
+        <p:nvPicPr>
+          <p:cNvPr id="4" name="Graphic 3" descr="Chat bubble with solid fill">
+            <a:extLst>
+              <a:ext uri="{FF2B5EF4-FFF2-40B4-BE49-F238E27FC236}">
+                <a16:creationId xmlns:a16="http://schemas.microsoft.com/office/drawing/2014/main" id="{D3093BFD-0406-F232-021E-95B8D85BA5E6}"/>
+              </a:ext>
+            </a:extLst>
+          </p:cNvPr>
+          <p:cNvPicPr>
+            <a:picLocks noChangeAspect="1"/>
+          </p:cNvPicPr>
+          <p:nvPr/>
+        </p:nvPicPr>
+        <p:blipFill>
+          <a:blip r:embed="rId6">
+            <a:extLst>
+              <a:ext uri="{96DAC541-7B7A-43D3-8B79-37D633B846F1}">
+                <asvg:svgBlip xmlns:asvg="http://schemas.microsoft.com/office/drawing/2016/SVG/main" r:embed="rId7"/>
+              </a:ext>
+            </a:extLst>
+          </a:blip>
+          <a:stretch>
+            <a:fillRect/>
+          </a:stretch>
+        </p:blipFill>
+        <p:spPr>
+          <a:xfrm>
+            <a:off x="10918354" y="487017"/>
+            <a:ext cx="487018" cy="487018"/>
+          </a:xfrm>
+          <a:prstGeom prst="rect">
+            <a:avLst/>
+          </a:prstGeom>
+        </p:spPr>
+      </p:pic>
     </p:spTree>
     <p:extLst>
       <p:ext uri="{BB962C8B-B14F-4D97-AF65-F5344CB8AC3E}">
-        <p14:creationId xmlns:p14="http://schemas.microsoft.com/office/powerpoint/2010/main" val="1954250307"/>
+        <p14:creationId xmlns:p14="http://schemas.microsoft.com/office/powerpoint/2010/main" val="867148481"/>
       </p:ext>
     </p:extLst>
   </p:cSld>
@@ -9270,884 +9201,98 @@
       </p:grpSpPr>
       <p:sp>
         <p:nvSpPr>
-          <p:cNvPr id="11" name="Cloud 10">
-            <a:extLst>
-              <a:ext uri="{FF2B5EF4-FFF2-40B4-BE49-F238E27FC236}">
-                <a16:creationId xmlns:a16="http://schemas.microsoft.com/office/drawing/2014/main" id="{1B966F49-1674-86BC-E459-7ACB17DCF096}"/>
-              </a:ext>
-            </a:extLst>
-          </p:cNvPr>
-          <p:cNvSpPr/>
-          <p:nvPr/>
+          <p:cNvPr id="2" name="Title 1">
+            <a:extLst>
+              <a:ext uri="{FF2B5EF4-FFF2-40B4-BE49-F238E27FC236}">
+                <a16:creationId xmlns:a16="http://schemas.microsoft.com/office/drawing/2014/main" id="{72D573FE-BCF2-CC1E-F131-29F6BD150C94}"/>
+              </a:ext>
+            </a:extLst>
+          </p:cNvPr>
+          <p:cNvSpPr>
+            <a:spLocks noGrp="1"/>
+          </p:cNvSpPr>
+          <p:nvPr>
+            <p:ph type="title"/>
+          </p:nvPr>
+        </p:nvSpPr>
+        <p:spPr/>
+        <p:txBody>
+          <a:bodyPr/>
+          <a:lstStyle/>
+          <a:p>
+            <a:r>
+              <a:rPr lang="en-US" dirty="0"/>
+              <a:t>Keep your version of the </a:t>
+            </a:r>
+            <a:r>
+              <a:rPr lang="en-US"/>
+              <a:t>repo updated!</a:t>
+            </a:r>
+          </a:p>
+        </p:txBody>
+      </p:sp>
+      <p:sp>
+        <p:nvSpPr>
+          <p:cNvPr id="3" name="Content Placeholder 2">
+            <a:extLst>
+              <a:ext uri="{FF2B5EF4-FFF2-40B4-BE49-F238E27FC236}">
+                <a16:creationId xmlns:a16="http://schemas.microsoft.com/office/drawing/2014/main" id="{CCD1F6DB-B751-0A52-EF4E-FC71146CE4A0}"/>
+              </a:ext>
+            </a:extLst>
+          </p:cNvPr>
+          <p:cNvSpPr>
+            <a:spLocks noGrp="1"/>
+          </p:cNvSpPr>
+          <p:nvPr>
+            <p:ph idx="1"/>
+          </p:nvPr>
         </p:nvSpPr>
         <p:spPr>
           <a:xfrm>
-            <a:off x="2403971" y="835184"/>
-            <a:ext cx="3099056" cy="2348564"/>
-          </a:xfrm>
-          <a:prstGeom prst="cloud">
-            <a:avLst/>
-          </a:prstGeom>
-          <a:solidFill>
-            <a:schemeClr val="bg1"/>
-          </a:solidFill>
-          <a:ln>
-            <a:solidFill>
-              <a:srgbClr val="7030A0"/>
-            </a:solidFill>
-          </a:ln>
-        </p:spPr>
-        <p:style>
-          <a:lnRef idx="2">
-            <a:schemeClr val="accent1">
-              <a:shade val="50000"/>
-            </a:schemeClr>
-          </a:lnRef>
-          <a:fillRef idx="1">
-            <a:schemeClr val="accent1"/>
-          </a:fillRef>
-          <a:effectRef idx="0">
-            <a:schemeClr val="accent1"/>
-          </a:effectRef>
-          <a:fontRef idx="minor">
-            <a:schemeClr val="lt1"/>
-          </a:fontRef>
-        </p:style>
-        <p:txBody>
-          <a:bodyPr rtlCol="0" anchor="ctr"/>
+            <a:off x="679174" y="2489751"/>
+            <a:ext cx="10515600" cy="3113915"/>
+          </a:xfrm>
+        </p:spPr>
+        <p:txBody>
+          <a:bodyPr/>
           <a:lstStyle/>
           <a:p>
-            <a:pPr algn="ctr"/>
+            <a:r>
+              <a:rPr lang="en-US" dirty="0"/>
+              <a:t>Given that forking creates your own repo, the changes in the original repository </a:t>
+            </a:r>
+            <a:r>
+              <a:rPr lang="en-US" b="1" dirty="0"/>
+              <a:t>do not automatically update </a:t>
+            </a:r>
+            <a:r>
+              <a:rPr lang="en-US" dirty="0"/>
+              <a:t>in your personal repo</a:t>
+            </a:r>
+          </a:p>
+          <a:p>
             <a:endParaRPr lang="en-US" dirty="0"/>
           </a:p>
-        </p:txBody>
-      </p:sp>
-      <p:pic>
-        <p:nvPicPr>
-          <p:cNvPr id="12" name="Picture 12" descr="Project Jupyter | Home">
-            <a:extLst>
-              <a:ext uri="{FF2B5EF4-FFF2-40B4-BE49-F238E27FC236}">
-                <a16:creationId xmlns:a16="http://schemas.microsoft.com/office/drawing/2014/main" id="{FCCE780D-E564-A7E1-278D-078F83D99362}"/>
-              </a:ext>
-            </a:extLst>
-          </p:cNvPr>
-          <p:cNvPicPr>
-            <a:picLocks noChangeAspect="1" noChangeArrowheads="1"/>
-          </p:cNvPicPr>
-          <p:nvPr/>
-        </p:nvPicPr>
-        <p:blipFill rotWithShape="1">
-          <a:blip r:embed="rId2">
-            <a:extLst>
-              <a:ext uri="{28A0092B-C50C-407E-A947-70E740481C1C}">
-                <a14:useLocalDpi xmlns:a14="http://schemas.microsoft.com/office/drawing/2010/main" val="0"/>
-              </a:ext>
-            </a:extLst>
-          </a:blip>
-          <a:srcRect r="19314"/>
-          <a:stretch/>
-        </p:blipFill>
-        <p:spPr bwMode="auto">
-          <a:xfrm>
-            <a:off x="2552422" y="1630724"/>
-            <a:ext cx="1088013" cy="707942"/>
-          </a:xfrm>
-          <a:prstGeom prst="rect">
-            <a:avLst/>
-          </a:prstGeom>
-          <a:noFill/>
-          <a:extLst>
-            <a:ext uri="{909E8E84-426E-40DD-AFC4-6F175D3DCCD1}">
-              <a14:hiddenFill xmlns:a14="http://schemas.microsoft.com/office/drawing/2010/main">
-                <a:solidFill>
-                  <a:srgbClr val="FFFFFF"/>
-                </a:solidFill>
-              </a14:hiddenFill>
-            </a:ext>
-          </a:extLst>
-        </p:spPr>
-      </p:pic>
-      <p:pic>
-        <p:nvPicPr>
-          <p:cNvPr id="14" name="Picture 12" descr="Project Jupyter | Home">
-            <a:extLst>
-              <a:ext uri="{FF2B5EF4-FFF2-40B4-BE49-F238E27FC236}">
-                <a16:creationId xmlns:a16="http://schemas.microsoft.com/office/drawing/2014/main" id="{8E525F59-282D-B115-C720-6E196B4C8B34}"/>
-              </a:ext>
-            </a:extLst>
-          </p:cNvPr>
-          <p:cNvPicPr>
-            <a:picLocks noChangeAspect="1" noChangeArrowheads="1"/>
-          </p:cNvPicPr>
-          <p:nvPr/>
-        </p:nvPicPr>
-        <p:blipFill rotWithShape="1">
-          <a:blip r:embed="rId2">
-            <a:extLst>
-              <a:ext uri="{28A0092B-C50C-407E-A947-70E740481C1C}">
-                <a14:useLocalDpi xmlns:a14="http://schemas.microsoft.com/office/drawing/2010/main" val="0"/>
-              </a:ext>
-            </a:extLst>
-          </a:blip>
-          <a:srcRect r="19314"/>
-          <a:stretch/>
-        </p:blipFill>
-        <p:spPr bwMode="auto">
-          <a:xfrm>
-            <a:off x="3162696" y="2133223"/>
-            <a:ext cx="1088013" cy="707942"/>
-          </a:xfrm>
-          <a:prstGeom prst="rect">
-            <a:avLst/>
-          </a:prstGeom>
-          <a:noFill/>
-          <a:extLst>
-            <a:ext uri="{909E8E84-426E-40DD-AFC4-6F175D3DCCD1}">
-              <a14:hiddenFill xmlns:a14="http://schemas.microsoft.com/office/drawing/2010/main">
-                <a:solidFill>
-                  <a:srgbClr val="FFFFFF"/>
-                </a:solidFill>
-              </a14:hiddenFill>
-            </a:ext>
-          </a:extLst>
-        </p:spPr>
-      </p:pic>
-      <p:pic>
-        <p:nvPicPr>
-          <p:cNvPr id="15" name="Picture 4" descr="Purple github 10 icon - Free purple site logo icons">
-            <a:extLst>
-              <a:ext uri="{FF2B5EF4-FFF2-40B4-BE49-F238E27FC236}">
-                <a16:creationId xmlns:a16="http://schemas.microsoft.com/office/drawing/2014/main" id="{9DCBE8EF-1C2D-3254-4F40-EE5A06DAC0A0}"/>
-              </a:ext>
-            </a:extLst>
-          </p:cNvPr>
-          <p:cNvPicPr>
-            <a:picLocks noChangeAspect="1" noChangeArrowheads="1"/>
-          </p:cNvPicPr>
-          <p:nvPr/>
-        </p:nvPicPr>
-        <p:blipFill>
-          <a:blip r:embed="rId3">
-            <a:extLst>
-              <a:ext uri="{28A0092B-C50C-407E-A947-70E740481C1C}">
-                <a14:useLocalDpi xmlns:a14="http://schemas.microsoft.com/office/drawing/2010/main" val="0"/>
-              </a:ext>
-            </a:extLst>
-          </a:blip>
-          <a:srcRect/>
-          <a:stretch>
-            <a:fillRect/>
-          </a:stretch>
-        </p:blipFill>
-        <p:spPr bwMode="auto">
-          <a:xfrm>
-            <a:off x="2403971" y="2378136"/>
-            <a:ext cx="640359" cy="640359"/>
-          </a:xfrm>
-          <a:prstGeom prst="rect">
-            <a:avLst/>
-          </a:prstGeom>
-          <a:noFill/>
-          <a:extLst>
-            <a:ext uri="{909E8E84-426E-40DD-AFC4-6F175D3DCCD1}">
-              <a14:hiddenFill xmlns:a14="http://schemas.microsoft.com/office/drawing/2010/main">
-                <a:solidFill>
-                  <a:srgbClr val="FFFFFF"/>
-                </a:solidFill>
-              </a14:hiddenFill>
-            </a:ext>
-          </a:extLst>
-        </p:spPr>
-      </p:pic>
-      <p:pic>
-        <p:nvPicPr>
-          <p:cNvPr id="16" name="Picture 12" descr="Project Jupyter | Home">
-            <a:extLst>
-              <a:ext uri="{FF2B5EF4-FFF2-40B4-BE49-F238E27FC236}">
-                <a16:creationId xmlns:a16="http://schemas.microsoft.com/office/drawing/2014/main" id="{CD76D1F4-E4E2-C290-8DCC-61C9B9FC0038}"/>
-              </a:ext>
-            </a:extLst>
-          </p:cNvPr>
-          <p:cNvPicPr>
-            <a:picLocks noChangeAspect="1" noChangeArrowheads="1"/>
-          </p:cNvPicPr>
-          <p:nvPr/>
-        </p:nvPicPr>
-        <p:blipFill rotWithShape="1">
-          <a:blip r:embed="rId2">
-            <a:extLst>
-              <a:ext uri="{28A0092B-C50C-407E-A947-70E740481C1C}">
-                <a14:useLocalDpi xmlns:a14="http://schemas.microsoft.com/office/drawing/2010/main" val="0"/>
-              </a:ext>
-            </a:extLst>
-          </a:blip>
-          <a:srcRect r="19314"/>
-          <a:stretch/>
-        </p:blipFill>
-        <p:spPr bwMode="auto">
-          <a:xfrm>
-            <a:off x="3409492" y="1283265"/>
-            <a:ext cx="1088013" cy="707942"/>
-          </a:xfrm>
-          <a:prstGeom prst="rect">
-            <a:avLst/>
-          </a:prstGeom>
-          <a:noFill/>
-          <a:extLst>
-            <a:ext uri="{909E8E84-426E-40DD-AFC4-6F175D3DCCD1}">
-              <a14:hiddenFill xmlns:a14="http://schemas.microsoft.com/office/drawing/2010/main">
-                <a:solidFill>
-                  <a:srgbClr val="FFFFFF"/>
-                </a:solidFill>
-              </a14:hiddenFill>
-            </a:ext>
-          </a:extLst>
-        </p:spPr>
-      </p:pic>
-      <p:sp>
-        <p:nvSpPr>
-          <p:cNvPr id="19" name="Cloud 18">
-            <a:extLst>
-              <a:ext uri="{FF2B5EF4-FFF2-40B4-BE49-F238E27FC236}">
-                <a16:creationId xmlns:a16="http://schemas.microsoft.com/office/drawing/2014/main" id="{56DD29C7-E8F7-95E6-0B5F-DB2D551F3B53}"/>
-              </a:ext>
-            </a:extLst>
-          </p:cNvPr>
-          <p:cNvSpPr/>
-          <p:nvPr/>
-        </p:nvSpPr>
-        <p:spPr>
-          <a:xfrm>
-            <a:off x="6273048" y="809598"/>
-            <a:ext cx="3099056" cy="2348564"/>
-          </a:xfrm>
-          <a:prstGeom prst="cloud">
-            <a:avLst/>
-          </a:prstGeom>
-          <a:solidFill>
-            <a:schemeClr val="bg1"/>
-          </a:solidFill>
-          <a:ln>
-            <a:solidFill>
-              <a:srgbClr val="7030A0"/>
-            </a:solidFill>
-          </a:ln>
-        </p:spPr>
-        <p:style>
-          <a:lnRef idx="2">
-            <a:schemeClr val="accent1">
-              <a:shade val="50000"/>
-            </a:schemeClr>
-          </a:lnRef>
-          <a:fillRef idx="1">
-            <a:schemeClr val="accent1"/>
-          </a:fillRef>
-          <a:effectRef idx="0">
-            <a:schemeClr val="accent1"/>
-          </a:effectRef>
-          <a:fontRef idx="minor">
-            <a:schemeClr val="lt1"/>
-          </a:fontRef>
-        </p:style>
-        <p:txBody>
-          <a:bodyPr rtlCol="0" anchor="ctr"/>
-          <a:lstStyle/>
-          <a:p>
-            <a:pPr algn="ctr"/>
-            <a:endParaRPr lang="en-US" dirty="0"/>
-          </a:p>
-        </p:txBody>
-      </p:sp>
-      <p:pic>
-        <p:nvPicPr>
-          <p:cNvPr id="20" name="Picture 12" descr="Project Jupyter | Home">
-            <a:extLst>
-              <a:ext uri="{FF2B5EF4-FFF2-40B4-BE49-F238E27FC236}">
-                <a16:creationId xmlns:a16="http://schemas.microsoft.com/office/drawing/2014/main" id="{0DAF19B0-761F-0162-74A2-E1DEBD57A7C8}"/>
-              </a:ext>
-            </a:extLst>
-          </p:cNvPr>
-          <p:cNvPicPr>
-            <a:picLocks noChangeAspect="1" noChangeArrowheads="1"/>
-          </p:cNvPicPr>
-          <p:nvPr/>
-        </p:nvPicPr>
-        <p:blipFill rotWithShape="1">
-          <a:blip r:embed="rId2">
-            <a:extLst>
-              <a:ext uri="{28A0092B-C50C-407E-A947-70E740481C1C}">
-                <a14:useLocalDpi xmlns:a14="http://schemas.microsoft.com/office/drawing/2010/main" val="0"/>
-              </a:ext>
-            </a:extLst>
-          </a:blip>
-          <a:srcRect r="19314"/>
-          <a:stretch/>
-        </p:blipFill>
-        <p:spPr bwMode="auto">
-          <a:xfrm>
-            <a:off x="6421499" y="1605138"/>
-            <a:ext cx="1088013" cy="707942"/>
-          </a:xfrm>
-          <a:prstGeom prst="rect">
-            <a:avLst/>
-          </a:prstGeom>
-          <a:noFill/>
-          <a:extLst>
-            <a:ext uri="{909E8E84-426E-40DD-AFC4-6F175D3DCCD1}">
-              <a14:hiddenFill xmlns:a14="http://schemas.microsoft.com/office/drawing/2010/main">
-                <a:solidFill>
-                  <a:srgbClr val="FFFFFF"/>
-                </a:solidFill>
-              </a14:hiddenFill>
-            </a:ext>
-          </a:extLst>
-        </p:spPr>
-      </p:pic>
-      <p:pic>
-        <p:nvPicPr>
-          <p:cNvPr id="22" name="Picture 12" descr="Project Jupyter | Home">
-            <a:extLst>
-              <a:ext uri="{FF2B5EF4-FFF2-40B4-BE49-F238E27FC236}">
-                <a16:creationId xmlns:a16="http://schemas.microsoft.com/office/drawing/2014/main" id="{B42D7A9E-065A-ADB2-23FF-3668CBE15DFD}"/>
-              </a:ext>
-            </a:extLst>
-          </p:cNvPr>
-          <p:cNvPicPr>
-            <a:picLocks noChangeAspect="1" noChangeArrowheads="1"/>
-          </p:cNvPicPr>
-          <p:nvPr/>
-        </p:nvPicPr>
-        <p:blipFill rotWithShape="1">
-          <a:blip r:embed="rId2">
-            <a:extLst>
-              <a:ext uri="{28A0092B-C50C-407E-A947-70E740481C1C}">
-                <a14:useLocalDpi xmlns:a14="http://schemas.microsoft.com/office/drawing/2010/main" val="0"/>
-              </a:ext>
-            </a:extLst>
-          </a:blip>
-          <a:srcRect r="19314"/>
-          <a:stretch/>
-        </p:blipFill>
-        <p:spPr bwMode="auto">
-          <a:xfrm>
-            <a:off x="7031773" y="2107637"/>
-            <a:ext cx="1088013" cy="707942"/>
-          </a:xfrm>
-          <a:prstGeom prst="rect">
-            <a:avLst/>
-          </a:prstGeom>
-          <a:noFill/>
-          <a:extLst>
-            <a:ext uri="{909E8E84-426E-40DD-AFC4-6F175D3DCCD1}">
-              <a14:hiddenFill xmlns:a14="http://schemas.microsoft.com/office/drawing/2010/main">
-                <a:solidFill>
-                  <a:srgbClr val="FFFFFF"/>
-                </a:solidFill>
-              </a14:hiddenFill>
-            </a:ext>
-          </a:extLst>
-        </p:spPr>
-      </p:pic>
-      <p:pic>
-        <p:nvPicPr>
-          <p:cNvPr id="23" name="Picture 4" descr="Purple github 10 icon - Free purple site logo icons">
-            <a:extLst>
-              <a:ext uri="{FF2B5EF4-FFF2-40B4-BE49-F238E27FC236}">
-                <a16:creationId xmlns:a16="http://schemas.microsoft.com/office/drawing/2014/main" id="{E12B1A96-4F30-C7EC-CA5E-BC9DE731C1CB}"/>
-              </a:ext>
-            </a:extLst>
-          </p:cNvPr>
-          <p:cNvPicPr>
-            <a:picLocks noChangeAspect="1" noChangeArrowheads="1"/>
-          </p:cNvPicPr>
-          <p:nvPr/>
-        </p:nvPicPr>
-        <p:blipFill>
-          <a:blip r:embed="rId3">
-            <a:extLst>
-              <a:ext uri="{28A0092B-C50C-407E-A947-70E740481C1C}">
-                <a14:useLocalDpi xmlns:a14="http://schemas.microsoft.com/office/drawing/2010/main" val="0"/>
-              </a:ext>
-            </a:extLst>
-          </a:blip>
-          <a:srcRect/>
-          <a:stretch>
-            <a:fillRect/>
-          </a:stretch>
-        </p:blipFill>
-        <p:spPr bwMode="auto">
-          <a:xfrm>
-            <a:off x="6273048" y="2352550"/>
-            <a:ext cx="640359" cy="640359"/>
-          </a:xfrm>
-          <a:prstGeom prst="rect">
-            <a:avLst/>
-          </a:prstGeom>
-          <a:noFill/>
-          <a:extLst>
-            <a:ext uri="{909E8E84-426E-40DD-AFC4-6F175D3DCCD1}">
-              <a14:hiddenFill xmlns:a14="http://schemas.microsoft.com/office/drawing/2010/main">
-                <a:solidFill>
-                  <a:srgbClr val="FFFFFF"/>
-                </a:solidFill>
-              </a14:hiddenFill>
-            </a:ext>
-          </a:extLst>
-        </p:spPr>
-      </p:pic>
-      <p:pic>
-        <p:nvPicPr>
-          <p:cNvPr id="24" name="Picture 12" descr="Project Jupyter | Home">
-            <a:extLst>
-              <a:ext uri="{FF2B5EF4-FFF2-40B4-BE49-F238E27FC236}">
-                <a16:creationId xmlns:a16="http://schemas.microsoft.com/office/drawing/2014/main" id="{5FB8D940-3080-419C-32A3-DE02BF26AFCE}"/>
-              </a:ext>
-            </a:extLst>
-          </p:cNvPr>
-          <p:cNvPicPr>
-            <a:picLocks noChangeAspect="1" noChangeArrowheads="1"/>
-          </p:cNvPicPr>
-          <p:nvPr/>
-        </p:nvPicPr>
-        <p:blipFill rotWithShape="1">
-          <a:blip r:embed="rId2">
-            <a:extLst>
-              <a:ext uri="{28A0092B-C50C-407E-A947-70E740481C1C}">
-                <a14:useLocalDpi xmlns:a14="http://schemas.microsoft.com/office/drawing/2010/main" val="0"/>
-              </a:ext>
-            </a:extLst>
-          </a:blip>
-          <a:srcRect r="19314"/>
-          <a:stretch/>
-        </p:blipFill>
-        <p:spPr bwMode="auto">
-          <a:xfrm>
-            <a:off x="7278569" y="1257679"/>
-            <a:ext cx="1088013" cy="707942"/>
-          </a:xfrm>
-          <a:prstGeom prst="rect">
-            <a:avLst/>
-          </a:prstGeom>
-          <a:noFill/>
-          <a:extLst>
-            <a:ext uri="{909E8E84-426E-40DD-AFC4-6F175D3DCCD1}">
-              <a14:hiddenFill xmlns:a14="http://schemas.microsoft.com/office/drawing/2010/main">
-                <a:solidFill>
-                  <a:srgbClr val="FFFFFF"/>
-                </a:solidFill>
-              </a14:hiddenFill>
-            </a:ext>
-          </a:extLst>
-        </p:spPr>
-      </p:pic>
-      <p:sp>
-        <p:nvSpPr>
-          <p:cNvPr id="25" name="TextBox 24">
-            <a:extLst>
-              <a:ext uri="{FF2B5EF4-FFF2-40B4-BE49-F238E27FC236}">
-                <a16:creationId xmlns:a16="http://schemas.microsoft.com/office/drawing/2014/main" id="{6850071C-F2C4-789F-5296-02B09C96FF74}"/>
-              </a:ext>
-            </a:extLst>
-          </p:cNvPr>
-          <p:cNvSpPr txBox="1"/>
-          <p:nvPr/>
-        </p:nvSpPr>
-        <p:spPr>
-          <a:xfrm>
-            <a:off x="2112972" y="3368606"/>
-            <a:ext cx="3681051" cy="369332"/>
-          </a:xfrm>
-          <a:prstGeom prst="rect">
-            <a:avLst/>
-          </a:prstGeom>
-          <a:noFill/>
-        </p:spPr>
-        <p:txBody>
-          <a:bodyPr wrap="square" rtlCol="0">
-            <a:spAutoFit/>
-          </a:bodyPr>
-          <a:lstStyle/>
-          <a:p>
-            <a:r>
-              <a:rPr lang="en-US" dirty="0" err="1"/>
-              <a:t>github.com</a:t>
-            </a:r>
+          <a:p>
             <a:r>
               <a:rPr lang="en-US" dirty="0"/>
-              <a:t>/student1/emoryqtm151</a:t>
-            </a:r>
-          </a:p>
-        </p:txBody>
-      </p:sp>
-      <p:sp>
-        <p:nvSpPr>
-          <p:cNvPr id="26" name="TextBox 25">
-            <a:extLst>
-              <a:ext uri="{FF2B5EF4-FFF2-40B4-BE49-F238E27FC236}">
-                <a16:creationId xmlns:a16="http://schemas.microsoft.com/office/drawing/2014/main" id="{60005043-ACE1-644D-74DA-6B18BD1DE105}"/>
-              </a:ext>
-            </a:extLst>
-          </p:cNvPr>
-          <p:cNvSpPr txBox="1"/>
-          <p:nvPr/>
-        </p:nvSpPr>
-        <p:spPr>
-          <a:xfrm>
-            <a:off x="6273048" y="3336659"/>
-            <a:ext cx="3681051" cy="369332"/>
-          </a:xfrm>
-          <a:prstGeom prst="rect">
-            <a:avLst/>
-          </a:prstGeom>
-          <a:noFill/>
-        </p:spPr>
-        <p:txBody>
-          <a:bodyPr wrap="square" rtlCol="0">
-            <a:spAutoFit/>
-          </a:bodyPr>
-          <a:lstStyle/>
-          <a:p>
-            <a:r>
-              <a:rPr lang="en-US" dirty="0" err="1"/>
-              <a:t>github.com</a:t>
+              <a:t>If you want to make changes to files in your personal repo, </a:t>
+            </a:r>
+            <a:r>
+              <a:rPr lang="en-US" b="1" dirty="0"/>
+              <a:t>change the names</a:t>
             </a:r>
             <a:r>
               <a:rPr lang="en-US" dirty="0"/>
-              <a:t>/student2/emoryqtm151</a:t>
-            </a:r>
-          </a:p>
-        </p:txBody>
-      </p:sp>
-      <p:pic>
-        <p:nvPicPr>
-          <p:cNvPr id="9" name="Graphic 8" descr="Laptop outline">
-            <a:extLst>
-              <a:ext uri="{FF2B5EF4-FFF2-40B4-BE49-F238E27FC236}">
-                <a16:creationId xmlns:a16="http://schemas.microsoft.com/office/drawing/2014/main" id="{B65448F0-8006-834F-CD4D-64ED686009B3}"/>
-              </a:ext>
-            </a:extLst>
-          </p:cNvPr>
-          <p:cNvPicPr>
-            <a:picLocks noChangeAspect="1"/>
-          </p:cNvPicPr>
-          <p:nvPr/>
-        </p:nvPicPr>
-        <p:blipFill>
-          <a:blip r:embed="rId4">
-            <a:extLst>
-              <a:ext uri="{96DAC541-7B7A-43D3-8B79-37D633B846F1}">
-                <asvg:svgBlip xmlns:asvg="http://schemas.microsoft.com/office/drawing/2016/SVG/main" r:embed="rId5"/>
-              </a:ext>
-            </a:extLst>
-          </a:blip>
-          <a:stretch>
-            <a:fillRect/>
-          </a:stretch>
-        </p:blipFill>
-        <p:spPr>
-          <a:xfrm>
-            <a:off x="3223790" y="4557792"/>
-            <a:ext cx="1669584" cy="1669584"/>
-          </a:xfrm>
-          <a:prstGeom prst="rect">
-            <a:avLst/>
-          </a:prstGeom>
-        </p:spPr>
-      </p:pic>
-      <p:pic>
-        <p:nvPicPr>
-          <p:cNvPr id="32" name="Graphic 31" descr="Laptop outline">
-            <a:extLst>
-              <a:ext uri="{FF2B5EF4-FFF2-40B4-BE49-F238E27FC236}">
-                <a16:creationId xmlns:a16="http://schemas.microsoft.com/office/drawing/2014/main" id="{C77D8ABC-3C44-E5D0-E19F-B5F7F0CE9642}"/>
-              </a:ext>
-            </a:extLst>
-          </p:cNvPr>
-          <p:cNvPicPr>
-            <a:picLocks noChangeAspect="1"/>
-          </p:cNvPicPr>
-          <p:nvPr/>
-        </p:nvPicPr>
-        <p:blipFill>
-          <a:blip r:embed="rId4">
-            <a:extLst>
-              <a:ext uri="{96DAC541-7B7A-43D3-8B79-37D633B846F1}">
-                <asvg:svgBlip xmlns:asvg="http://schemas.microsoft.com/office/drawing/2016/SVG/main" r:embed="rId5"/>
-              </a:ext>
-            </a:extLst>
-          </a:blip>
-          <a:stretch>
-            <a:fillRect/>
-          </a:stretch>
-        </p:blipFill>
-        <p:spPr>
-          <a:xfrm>
-            <a:off x="7077722" y="4557792"/>
-            <a:ext cx="1669584" cy="1669584"/>
-          </a:xfrm>
-          <a:prstGeom prst="rect">
-            <a:avLst/>
-          </a:prstGeom>
-        </p:spPr>
-      </p:pic>
-      <p:sp>
-        <p:nvSpPr>
-          <p:cNvPr id="35" name="TextBox 34">
-            <a:extLst>
-              <a:ext uri="{FF2B5EF4-FFF2-40B4-BE49-F238E27FC236}">
-                <a16:creationId xmlns:a16="http://schemas.microsoft.com/office/drawing/2014/main" id="{55E9F711-85AF-2421-AAA6-845733E2E0A1}"/>
-              </a:ext>
-            </a:extLst>
-          </p:cNvPr>
-          <p:cNvSpPr txBox="1"/>
-          <p:nvPr/>
-        </p:nvSpPr>
-        <p:spPr>
-          <a:xfrm>
-            <a:off x="4301832" y="3979288"/>
-            <a:ext cx="1363735" cy="523220"/>
-          </a:xfrm>
-          <a:prstGeom prst="rect">
-            <a:avLst/>
-          </a:prstGeom>
-          <a:noFill/>
-        </p:spPr>
-        <p:txBody>
-          <a:bodyPr wrap="square" rtlCol="0">
-            <a:spAutoFit/>
-          </a:bodyPr>
-          <a:lstStyle/>
-          <a:p>
-            <a:r>
-              <a:rPr lang="en-US" sz="2800" dirty="0">
-                <a:solidFill>
-                  <a:srgbClr val="7030A0"/>
-                </a:solidFill>
-              </a:rPr>
-              <a:t>PUSH</a:t>
-            </a:r>
-          </a:p>
-        </p:txBody>
-      </p:sp>
-      <p:sp>
-        <p:nvSpPr>
-          <p:cNvPr id="36" name="TextBox 35">
-            <a:extLst>
-              <a:ext uri="{FF2B5EF4-FFF2-40B4-BE49-F238E27FC236}">
-                <a16:creationId xmlns:a16="http://schemas.microsoft.com/office/drawing/2014/main" id="{361E71C0-0CA9-42A6-4A55-2F8114AB8F74}"/>
-              </a:ext>
-            </a:extLst>
-          </p:cNvPr>
-          <p:cNvSpPr txBox="1"/>
-          <p:nvPr/>
-        </p:nvSpPr>
-        <p:spPr>
-          <a:xfrm>
-            <a:off x="8196047" y="3979288"/>
-            <a:ext cx="1363735" cy="523220"/>
-          </a:xfrm>
-          <a:prstGeom prst="rect">
-            <a:avLst/>
-          </a:prstGeom>
-          <a:noFill/>
-        </p:spPr>
-        <p:txBody>
-          <a:bodyPr wrap="square" rtlCol="0">
-            <a:spAutoFit/>
-          </a:bodyPr>
-          <a:lstStyle/>
-          <a:p>
-            <a:r>
-              <a:rPr lang="en-US" sz="2800" dirty="0">
-                <a:solidFill>
-                  <a:srgbClr val="7030A0"/>
-                </a:solidFill>
-              </a:rPr>
-              <a:t>PUSH</a:t>
-            </a:r>
-          </a:p>
-        </p:txBody>
-      </p:sp>
-      <p:sp>
-        <p:nvSpPr>
-          <p:cNvPr id="38" name="TextBox 37">
-            <a:extLst>
-              <a:ext uri="{FF2B5EF4-FFF2-40B4-BE49-F238E27FC236}">
-                <a16:creationId xmlns:a16="http://schemas.microsoft.com/office/drawing/2014/main" id="{FD62DF57-CD7E-461C-956D-5E11198A2435}"/>
-              </a:ext>
-            </a:extLst>
-          </p:cNvPr>
-          <p:cNvSpPr txBox="1"/>
-          <p:nvPr/>
-        </p:nvSpPr>
-        <p:spPr>
-          <a:xfrm>
-            <a:off x="9213326" y="4557792"/>
-            <a:ext cx="2458511" cy="1477328"/>
-          </a:xfrm>
-          <a:prstGeom prst="rect">
-            <a:avLst/>
-          </a:prstGeom>
-          <a:noFill/>
-        </p:spPr>
-        <p:txBody>
-          <a:bodyPr wrap="square">
-            <a:spAutoFit/>
-          </a:bodyPr>
-          <a:lstStyle/>
-          <a:p>
-            <a:r>
-              <a:rPr lang="en-US" sz="1800" dirty="0"/>
-              <a:t>The push operation will upload information from your personal computer to your website</a:t>
-            </a:r>
-            <a:endParaRPr lang="en-US" dirty="0"/>
-          </a:p>
-        </p:txBody>
-      </p:sp>
-      <p:sp>
-        <p:nvSpPr>
-          <p:cNvPr id="27" name="Down Arrow 26">
-            <a:extLst>
-              <a:ext uri="{FF2B5EF4-FFF2-40B4-BE49-F238E27FC236}">
-                <a16:creationId xmlns:a16="http://schemas.microsoft.com/office/drawing/2014/main" id="{3C8FF0A7-83F6-C05B-BC42-1F9F0E2AC29C}"/>
-              </a:ext>
-            </a:extLst>
-          </p:cNvPr>
-          <p:cNvSpPr/>
-          <p:nvPr/>
-        </p:nvSpPr>
-        <p:spPr>
-          <a:xfrm flipV="1">
-            <a:off x="3791298" y="3877631"/>
-            <a:ext cx="494949" cy="746661"/>
-          </a:xfrm>
-          <a:prstGeom prst="downArrow">
-            <a:avLst/>
-          </a:prstGeom>
-          <a:solidFill>
-            <a:srgbClr val="7030A0"/>
-          </a:solidFill>
-          <a:ln>
-            <a:noFill/>
-          </a:ln>
-        </p:spPr>
-        <p:style>
-          <a:lnRef idx="2">
-            <a:schemeClr val="accent1">
-              <a:shade val="50000"/>
-            </a:schemeClr>
-          </a:lnRef>
-          <a:fillRef idx="1">
-            <a:schemeClr val="accent1"/>
-          </a:fillRef>
-          <a:effectRef idx="0">
-            <a:schemeClr val="accent1"/>
-          </a:effectRef>
-          <a:fontRef idx="minor">
-            <a:schemeClr val="lt1"/>
-          </a:fontRef>
-        </p:style>
-        <p:txBody>
-          <a:bodyPr rtlCol="0" anchor="ctr"/>
-          <a:lstStyle/>
-          <a:p>
-            <a:pPr algn="ctr"/>
-            <a:endParaRPr lang="en-US" dirty="0"/>
-          </a:p>
-        </p:txBody>
-      </p:sp>
-      <p:sp>
-        <p:nvSpPr>
-          <p:cNvPr id="28" name="Down Arrow 27">
-            <a:extLst>
-              <a:ext uri="{FF2B5EF4-FFF2-40B4-BE49-F238E27FC236}">
-                <a16:creationId xmlns:a16="http://schemas.microsoft.com/office/drawing/2014/main" id="{D2A4F673-3BA3-DC53-9343-34C7A1B795F0}"/>
-              </a:ext>
-            </a:extLst>
-          </p:cNvPr>
-          <p:cNvSpPr/>
-          <p:nvPr/>
-        </p:nvSpPr>
-        <p:spPr>
-          <a:xfrm flipV="1">
-            <a:off x="7663045" y="3877631"/>
-            <a:ext cx="494949" cy="746661"/>
-          </a:xfrm>
-          <a:prstGeom prst="downArrow">
-            <a:avLst/>
-          </a:prstGeom>
-          <a:solidFill>
-            <a:srgbClr val="7030A0"/>
-          </a:solidFill>
-          <a:ln>
-            <a:noFill/>
-          </a:ln>
-        </p:spPr>
-        <p:style>
-          <a:lnRef idx="2">
-            <a:schemeClr val="accent1">
-              <a:shade val="50000"/>
-            </a:schemeClr>
-          </a:lnRef>
-          <a:fillRef idx="1">
-            <a:schemeClr val="accent1"/>
-          </a:fillRef>
-          <a:effectRef idx="0">
-            <a:schemeClr val="accent1"/>
-          </a:effectRef>
-          <a:fontRef idx="minor">
-            <a:schemeClr val="lt1"/>
-          </a:fontRef>
-        </p:style>
-        <p:txBody>
-          <a:bodyPr rtlCol="0" anchor="ctr"/>
-          <a:lstStyle/>
-          <a:p>
-            <a:pPr algn="ctr"/>
-            <a:endParaRPr lang="en-US" dirty="0"/>
-          </a:p>
-        </p:txBody>
-      </p:sp>
-      <p:pic>
-        <p:nvPicPr>
-          <p:cNvPr id="4" name="Graphic 3" descr="Chat bubble with solid fill">
-            <a:extLst>
-              <a:ext uri="{FF2B5EF4-FFF2-40B4-BE49-F238E27FC236}">
-                <a16:creationId xmlns:a16="http://schemas.microsoft.com/office/drawing/2014/main" id="{D3093BFD-0406-F232-021E-95B8D85BA5E6}"/>
-              </a:ext>
-            </a:extLst>
-          </p:cNvPr>
-          <p:cNvPicPr>
-            <a:picLocks noChangeAspect="1"/>
-          </p:cNvPicPr>
-          <p:nvPr/>
-        </p:nvPicPr>
-        <p:blipFill>
-          <a:blip r:embed="rId6">
-            <a:extLst>
-              <a:ext uri="{96DAC541-7B7A-43D3-8B79-37D633B846F1}">
-                <asvg:svgBlip xmlns:asvg="http://schemas.microsoft.com/office/drawing/2016/SVG/main" r:embed="rId7"/>
-              </a:ext>
-            </a:extLst>
-          </a:blip>
-          <a:stretch>
-            <a:fillRect/>
-          </a:stretch>
-        </p:blipFill>
-        <p:spPr>
-          <a:xfrm>
-            <a:off x="10918354" y="487017"/>
-            <a:ext cx="487018" cy="487018"/>
-          </a:xfrm>
-          <a:prstGeom prst="rect">
-            <a:avLst/>
-          </a:prstGeom>
-        </p:spPr>
-      </p:pic>
+              <a:t> of the files so they don’t get overwritten</a:t>
+            </a:r>
+          </a:p>
+        </p:txBody>
+      </p:sp>
     </p:spTree>
     <p:extLst>
       <p:ext uri="{BB962C8B-B14F-4D97-AF65-F5344CB8AC3E}">
-        <p14:creationId xmlns:p14="http://schemas.microsoft.com/office/powerpoint/2010/main" val="867148481"/>
+        <p14:creationId xmlns:p14="http://schemas.microsoft.com/office/powerpoint/2010/main" val="3288630116"/>
       </p:ext>
     </p:extLst>
   </p:cSld>
@@ -10176,98 +9321,762 @@
       </p:grpSpPr>
       <p:sp>
         <p:nvSpPr>
-          <p:cNvPr id="2" name="Title 1">
-            <a:extLst>
-              <a:ext uri="{FF2B5EF4-FFF2-40B4-BE49-F238E27FC236}">
-                <a16:creationId xmlns:a16="http://schemas.microsoft.com/office/drawing/2014/main" id="{72D573FE-BCF2-CC1E-F131-29F6BD150C94}"/>
-              </a:ext>
-            </a:extLst>
-          </p:cNvPr>
-          <p:cNvSpPr>
-            <a:spLocks noGrp="1"/>
-          </p:cNvSpPr>
-          <p:nvPr>
-            <p:ph type="title"/>
-          </p:nvPr>
-        </p:nvSpPr>
-        <p:spPr/>
-        <p:txBody>
-          <a:bodyPr/>
+          <p:cNvPr id="6" name="Cloud 5">
+            <a:extLst>
+              <a:ext uri="{FF2B5EF4-FFF2-40B4-BE49-F238E27FC236}">
+                <a16:creationId xmlns:a16="http://schemas.microsoft.com/office/drawing/2014/main" id="{91A0ADAF-3DFA-B90D-2096-F2659513E704}"/>
+              </a:ext>
+            </a:extLst>
+          </p:cNvPr>
+          <p:cNvSpPr/>
+          <p:nvPr/>
+        </p:nvSpPr>
+        <p:spPr>
+          <a:xfrm>
+            <a:off x="1624484" y="386299"/>
+            <a:ext cx="3099056" cy="2348564"/>
+          </a:xfrm>
+          <a:prstGeom prst="cloud">
+            <a:avLst/>
+          </a:prstGeom>
+          <a:solidFill>
+            <a:schemeClr val="bg1"/>
+          </a:solidFill>
+          <a:ln>
+            <a:solidFill>
+              <a:srgbClr val="7030A0"/>
+            </a:solidFill>
+          </a:ln>
+        </p:spPr>
+        <p:style>
+          <a:lnRef idx="2">
+            <a:schemeClr val="accent1">
+              <a:shade val="50000"/>
+            </a:schemeClr>
+          </a:lnRef>
+          <a:fillRef idx="1">
+            <a:schemeClr val="accent1"/>
+          </a:fillRef>
+          <a:effectRef idx="0">
+            <a:schemeClr val="accent1"/>
+          </a:effectRef>
+          <a:fontRef idx="minor">
+            <a:schemeClr val="lt1"/>
+          </a:fontRef>
+        </p:style>
+        <p:txBody>
+          <a:bodyPr rtlCol="0" anchor="ctr"/>
           <a:lstStyle/>
           <a:p>
+            <a:pPr algn="ctr"/>
+            <a:endParaRPr lang="en-US" dirty="0"/>
+          </a:p>
+        </p:txBody>
+      </p:sp>
+      <p:pic>
+        <p:nvPicPr>
+          <p:cNvPr id="7" name="Picture 12" descr="Project Jupyter | Home">
+            <a:extLst>
+              <a:ext uri="{FF2B5EF4-FFF2-40B4-BE49-F238E27FC236}">
+                <a16:creationId xmlns:a16="http://schemas.microsoft.com/office/drawing/2014/main" id="{E97771E9-14EE-9208-3D23-44F3C8F67154}"/>
+              </a:ext>
+            </a:extLst>
+          </p:cNvPr>
+          <p:cNvPicPr>
+            <a:picLocks noChangeAspect="1" noChangeArrowheads="1"/>
+          </p:cNvPicPr>
+          <p:nvPr/>
+        </p:nvPicPr>
+        <p:blipFill rotWithShape="1">
+          <a:blip r:embed="rId3">
+            <a:extLst>
+              <a:ext uri="{BEBA8EAE-BF5A-486C-A8C5-ECC9F3942E4B}">
+                <a14:imgProps xmlns:a14="http://schemas.microsoft.com/office/drawing/2010/main">
+                  <a14:imgLayer r:embed="rId4">
+                    <a14:imgEffect>
+                      <a14:saturation sat="0"/>
+                    </a14:imgEffect>
+                    <a14:imgEffect>
+                      <a14:brightnessContrast bright="-40000" contrast="40000"/>
+                    </a14:imgEffect>
+                  </a14:imgLayer>
+                </a14:imgProps>
+              </a:ext>
+              <a:ext uri="{28A0092B-C50C-407E-A947-70E740481C1C}">
+                <a14:useLocalDpi xmlns:a14="http://schemas.microsoft.com/office/drawing/2010/main" val="0"/>
+              </a:ext>
+            </a:extLst>
+          </a:blip>
+          <a:srcRect r="19314"/>
+          <a:stretch/>
+        </p:blipFill>
+        <p:spPr bwMode="auto">
+          <a:xfrm>
+            <a:off x="1772935" y="1181839"/>
+            <a:ext cx="1088013" cy="707942"/>
+          </a:xfrm>
+          <a:prstGeom prst="rect">
+            <a:avLst/>
+          </a:prstGeom>
+          <a:noFill/>
+          <a:extLst>
+            <a:ext uri="{909E8E84-426E-40DD-AFC4-6F175D3DCCD1}">
+              <a14:hiddenFill xmlns:a14="http://schemas.microsoft.com/office/drawing/2010/main">
+                <a:solidFill>
+                  <a:srgbClr val="FFFFFF"/>
+                </a:solidFill>
+              </a14:hiddenFill>
+            </a:ext>
+          </a:extLst>
+        </p:spPr>
+      </p:pic>
+      <p:pic>
+        <p:nvPicPr>
+          <p:cNvPr id="9" name="Picture 12" descr="Project Jupyter | Home">
+            <a:extLst>
+              <a:ext uri="{FF2B5EF4-FFF2-40B4-BE49-F238E27FC236}">
+                <a16:creationId xmlns:a16="http://schemas.microsoft.com/office/drawing/2014/main" id="{EAC28D1E-DFB7-66CB-D9B9-CA75FC288DC2}"/>
+              </a:ext>
+            </a:extLst>
+          </p:cNvPr>
+          <p:cNvPicPr>
+            <a:picLocks noChangeAspect="1" noChangeArrowheads="1"/>
+          </p:cNvPicPr>
+          <p:nvPr/>
+        </p:nvPicPr>
+        <p:blipFill rotWithShape="1">
+          <a:blip r:embed="rId5">
+            <a:duotone>
+              <a:prstClr val="black"/>
+              <a:schemeClr val="accent5">
+                <a:tint val="45000"/>
+                <a:satMod val="400000"/>
+              </a:schemeClr>
+            </a:duotone>
+            <a:extLst>
+              <a:ext uri="{BEBA8EAE-BF5A-486C-A8C5-ECC9F3942E4B}">
+                <a14:imgProps xmlns:a14="http://schemas.microsoft.com/office/drawing/2010/main">
+                  <a14:imgLayer r:embed="rId6">
+                    <a14:imgEffect>
+                      <a14:artisticPhotocopy/>
+                    </a14:imgEffect>
+                    <a14:imgEffect>
+                      <a14:saturation sat="0"/>
+                    </a14:imgEffect>
+                  </a14:imgLayer>
+                </a14:imgProps>
+              </a:ext>
+              <a:ext uri="{28A0092B-C50C-407E-A947-70E740481C1C}">
+                <a14:useLocalDpi xmlns:a14="http://schemas.microsoft.com/office/drawing/2010/main" val="0"/>
+              </a:ext>
+            </a:extLst>
+          </a:blip>
+          <a:srcRect r="19314"/>
+          <a:stretch/>
+        </p:blipFill>
+        <p:spPr bwMode="auto">
+          <a:xfrm>
+            <a:off x="2383209" y="1684338"/>
+            <a:ext cx="1088013" cy="707942"/>
+          </a:xfrm>
+          <a:prstGeom prst="rect">
+            <a:avLst/>
+          </a:prstGeom>
+          <a:noFill/>
+          <a:extLst>
+            <a:ext uri="{909E8E84-426E-40DD-AFC4-6F175D3DCCD1}">
+              <a14:hiddenFill xmlns:a14="http://schemas.microsoft.com/office/drawing/2010/main">
+                <a:solidFill>
+                  <a:srgbClr val="FFFFFF"/>
+                </a:solidFill>
+              </a14:hiddenFill>
+            </a:ext>
+          </a:extLst>
+        </p:spPr>
+      </p:pic>
+      <p:pic>
+        <p:nvPicPr>
+          <p:cNvPr id="10" name="Picture 4" descr="Purple github 10 icon - Free purple site logo icons">
+            <a:extLst>
+              <a:ext uri="{FF2B5EF4-FFF2-40B4-BE49-F238E27FC236}">
+                <a16:creationId xmlns:a16="http://schemas.microsoft.com/office/drawing/2014/main" id="{A67824CE-F5DC-A33E-E4C1-2B731E9D259F}"/>
+              </a:ext>
+            </a:extLst>
+          </p:cNvPr>
+          <p:cNvPicPr>
+            <a:picLocks noChangeAspect="1" noChangeArrowheads="1"/>
+          </p:cNvPicPr>
+          <p:nvPr/>
+        </p:nvPicPr>
+        <p:blipFill>
+          <a:blip r:embed="rId7">
+            <a:extLst>
+              <a:ext uri="{28A0092B-C50C-407E-A947-70E740481C1C}">
+                <a14:useLocalDpi xmlns:a14="http://schemas.microsoft.com/office/drawing/2010/main" val="0"/>
+              </a:ext>
+            </a:extLst>
+          </a:blip>
+          <a:srcRect/>
+          <a:stretch>
+            <a:fillRect/>
+          </a:stretch>
+        </p:blipFill>
+        <p:spPr bwMode="auto">
+          <a:xfrm>
+            <a:off x="1624484" y="1929251"/>
+            <a:ext cx="640359" cy="640359"/>
+          </a:xfrm>
+          <a:prstGeom prst="rect">
+            <a:avLst/>
+          </a:prstGeom>
+          <a:noFill/>
+          <a:extLst>
+            <a:ext uri="{909E8E84-426E-40DD-AFC4-6F175D3DCCD1}">
+              <a14:hiddenFill xmlns:a14="http://schemas.microsoft.com/office/drawing/2010/main">
+                <a:solidFill>
+                  <a:srgbClr val="FFFFFF"/>
+                </a:solidFill>
+              </a14:hiddenFill>
+            </a:ext>
+          </a:extLst>
+        </p:spPr>
+      </p:pic>
+      <p:pic>
+        <p:nvPicPr>
+          <p:cNvPr id="11" name="Picture 12" descr="Project Jupyter | Home">
+            <a:extLst>
+              <a:ext uri="{FF2B5EF4-FFF2-40B4-BE49-F238E27FC236}">
+                <a16:creationId xmlns:a16="http://schemas.microsoft.com/office/drawing/2014/main" id="{5CFE4F54-6E7E-1227-FA35-B284BE1BF77D}"/>
+              </a:ext>
+            </a:extLst>
+          </p:cNvPr>
+          <p:cNvPicPr>
+            <a:picLocks noChangeAspect="1" noChangeArrowheads="1"/>
+          </p:cNvPicPr>
+          <p:nvPr/>
+        </p:nvPicPr>
+        <p:blipFill rotWithShape="1">
+          <a:blip r:embed="rId8">
+            <a:extLst>
+              <a:ext uri="{28A0092B-C50C-407E-A947-70E740481C1C}">
+                <a14:useLocalDpi xmlns:a14="http://schemas.microsoft.com/office/drawing/2010/main" val="0"/>
+              </a:ext>
+            </a:extLst>
+          </a:blip>
+          <a:srcRect r="19314"/>
+          <a:stretch/>
+        </p:blipFill>
+        <p:spPr bwMode="auto">
+          <a:xfrm>
+            <a:off x="2630005" y="834380"/>
+            <a:ext cx="1088013" cy="707942"/>
+          </a:xfrm>
+          <a:prstGeom prst="rect">
+            <a:avLst/>
+          </a:prstGeom>
+          <a:noFill/>
+          <a:extLst>
+            <a:ext uri="{909E8E84-426E-40DD-AFC4-6F175D3DCCD1}">
+              <a14:hiddenFill xmlns:a14="http://schemas.microsoft.com/office/drawing/2010/main">
+                <a:solidFill>
+                  <a:srgbClr val="FFFFFF"/>
+                </a:solidFill>
+              </a14:hiddenFill>
+            </a:ext>
+          </a:extLst>
+        </p:spPr>
+      </p:pic>
+      <p:sp>
+        <p:nvSpPr>
+          <p:cNvPr id="12" name="TextBox 11">
+            <a:extLst>
+              <a:ext uri="{FF2B5EF4-FFF2-40B4-BE49-F238E27FC236}">
+                <a16:creationId xmlns:a16="http://schemas.microsoft.com/office/drawing/2014/main" id="{E23FEF68-8DD9-0FC8-2843-DD9BA0BAEA26}"/>
+              </a:ext>
+            </a:extLst>
+          </p:cNvPr>
+          <p:cNvSpPr txBox="1"/>
+          <p:nvPr/>
+        </p:nvSpPr>
+        <p:spPr>
+          <a:xfrm>
+            <a:off x="1333485" y="2919721"/>
+            <a:ext cx="3681051" cy="369332"/>
+          </a:xfrm>
+          <a:prstGeom prst="rect">
+            <a:avLst/>
+          </a:prstGeom>
+          <a:noFill/>
+        </p:spPr>
+        <p:txBody>
+          <a:bodyPr wrap="square" rtlCol="0">
+            <a:spAutoFit/>
+          </a:bodyPr>
+          <a:lstStyle/>
+          <a:p>
+            <a:r>
+              <a:rPr lang="en-US" dirty="0" err="1"/>
+              <a:t>github.com</a:t>
+            </a:r>
             <a:r>
               <a:rPr lang="en-US" dirty="0"/>
-              <a:t>Keep your version of the </a:t>
-            </a:r>
-            <a:r>
-              <a:rPr lang="en-US"/>
-              <a:t>repo updated!</a:t>
-            </a:r>
-          </a:p>
-        </p:txBody>
-      </p:sp>
-      <p:sp>
-        <p:nvSpPr>
-          <p:cNvPr id="3" name="Content Placeholder 2">
-            <a:extLst>
-              <a:ext uri="{FF2B5EF4-FFF2-40B4-BE49-F238E27FC236}">
-                <a16:creationId xmlns:a16="http://schemas.microsoft.com/office/drawing/2014/main" id="{CCD1F6DB-B751-0A52-EF4E-FC71146CE4A0}"/>
-              </a:ext>
-            </a:extLst>
-          </p:cNvPr>
-          <p:cNvSpPr>
-            <a:spLocks noGrp="1"/>
-          </p:cNvSpPr>
-          <p:nvPr>
-            <p:ph idx="1"/>
-          </p:nvPr>
+              <a:t>/student1/emoryqtm151</a:t>
+            </a:r>
+          </a:p>
+        </p:txBody>
+      </p:sp>
+      <p:sp>
+        <p:nvSpPr>
+          <p:cNvPr id="15" name="Cloud 14">
+            <a:extLst>
+              <a:ext uri="{FF2B5EF4-FFF2-40B4-BE49-F238E27FC236}">
+                <a16:creationId xmlns:a16="http://schemas.microsoft.com/office/drawing/2014/main" id="{DB7FDA5C-5310-53DF-6345-1B4B145B1278}"/>
+              </a:ext>
+            </a:extLst>
+          </p:cNvPr>
+          <p:cNvSpPr/>
+          <p:nvPr/>
         </p:nvSpPr>
         <p:spPr>
           <a:xfrm>
-            <a:off x="679174" y="2489751"/>
-            <a:ext cx="10515600" cy="3113915"/>
-          </a:xfrm>
-        </p:spPr>
-        <p:txBody>
-          <a:bodyPr/>
+            <a:off x="5466565" y="368040"/>
+            <a:ext cx="3099056" cy="2348564"/>
+          </a:xfrm>
+          <a:prstGeom prst="cloud">
+            <a:avLst/>
+          </a:prstGeom>
+          <a:solidFill>
+            <a:schemeClr val="bg1"/>
+          </a:solidFill>
+          <a:ln>
+            <a:solidFill>
+              <a:srgbClr val="7030A0"/>
+            </a:solidFill>
+          </a:ln>
+        </p:spPr>
+        <p:style>
+          <a:lnRef idx="2">
+            <a:schemeClr val="accent1">
+              <a:shade val="50000"/>
+            </a:schemeClr>
+          </a:lnRef>
+          <a:fillRef idx="1">
+            <a:schemeClr val="accent1"/>
+          </a:fillRef>
+          <a:effectRef idx="0">
+            <a:schemeClr val="accent1"/>
+          </a:effectRef>
+          <a:fontRef idx="minor">
+            <a:schemeClr val="lt1"/>
+          </a:fontRef>
+        </p:style>
+        <p:txBody>
+          <a:bodyPr rtlCol="0" anchor="ctr"/>
           <a:lstStyle/>
           <a:p>
+            <a:pPr algn="ctr"/>
+            <a:endParaRPr lang="en-US" dirty="0"/>
+          </a:p>
+        </p:txBody>
+      </p:sp>
+      <p:pic>
+        <p:nvPicPr>
+          <p:cNvPr id="16" name="Picture 12" descr="Project Jupyter | Home">
+            <a:extLst>
+              <a:ext uri="{FF2B5EF4-FFF2-40B4-BE49-F238E27FC236}">
+                <a16:creationId xmlns:a16="http://schemas.microsoft.com/office/drawing/2014/main" id="{642BE289-871D-9FE0-5A03-EA0D110E1123}"/>
+              </a:ext>
+            </a:extLst>
+          </p:cNvPr>
+          <p:cNvPicPr>
+            <a:picLocks noChangeAspect="1" noChangeArrowheads="1"/>
+          </p:cNvPicPr>
+          <p:nvPr/>
+        </p:nvPicPr>
+        <p:blipFill rotWithShape="1">
+          <a:blip r:embed="rId8">
+            <a:extLst>
+              <a:ext uri="{28A0092B-C50C-407E-A947-70E740481C1C}">
+                <a14:useLocalDpi xmlns:a14="http://schemas.microsoft.com/office/drawing/2010/main" val="0"/>
+              </a:ext>
+            </a:extLst>
+          </a:blip>
+          <a:srcRect r="19314"/>
+          <a:stretch/>
+        </p:blipFill>
+        <p:spPr bwMode="auto">
+          <a:xfrm>
+            <a:off x="5615016" y="1163580"/>
+            <a:ext cx="1088013" cy="707942"/>
+          </a:xfrm>
+          <a:prstGeom prst="rect">
+            <a:avLst/>
+          </a:prstGeom>
+          <a:noFill/>
+          <a:extLst>
+            <a:ext uri="{909E8E84-426E-40DD-AFC4-6F175D3DCCD1}">
+              <a14:hiddenFill xmlns:a14="http://schemas.microsoft.com/office/drawing/2010/main">
+                <a:solidFill>
+                  <a:srgbClr val="FFFFFF"/>
+                </a:solidFill>
+              </a14:hiddenFill>
+            </a:ext>
+          </a:extLst>
+        </p:spPr>
+      </p:pic>
+      <p:pic>
+        <p:nvPicPr>
+          <p:cNvPr id="18" name="Picture 12" descr="Project Jupyter | Home">
+            <a:extLst>
+              <a:ext uri="{FF2B5EF4-FFF2-40B4-BE49-F238E27FC236}">
+                <a16:creationId xmlns:a16="http://schemas.microsoft.com/office/drawing/2014/main" id="{A8BEC4E9-1E11-3F65-9202-61CFB700CABB}"/>
+              </a:ext>
+            </a:extLst>
+          </p:cNvPr>
+          <p:cNvPicPr>
+            <a:picLocks noChangeAspect="1" noChangeArrowheads="1"/>
+          </p:cNvPicPr>
+          <p:nvPr/>
+        </p:nvPicPr>
+        <p:blipFill rotWithShape="1">
+          <a:blip r:embed="rId8">
+            <a:duotone>
+              <a:schemeClr val="accent4">
+                <a:shade val="45000"/>
+                <a:satMod val="135000"/>
+              </a:schemeClr>
+              <a:prstClr val="white"/>
+            </a:duotone>
+            <a:extLst>
+              <a:ext uri="{28A0092B-C50C-407E-A947-70E740481C1C}">
+                <a14:useLocalDpi xmlns:a14="http://schemas.microsoft.com/office/drawing/2010/main" val="0"/>
+              </a:ext>
+            </a:extLst>
+          </a:blip>
+          <a:srcRect r="19314"/>
+          <a:stretch/>
+        </p:blipFill>
+        <p:spPr bwMode="auto">
+          <a:xfrm>
+            <a:off x="6225290" y="1666079"/>
+            <a:ext cx="1088013" cy="707942"/>
+          </a:xfrm>
+          <a:prstGeom prst="rect">
+            <a:avLst/>
+          </a:prstGeom>
+          <a:noFill/>
+          <a:extLst>
+            <a:ext uri="{909E8E84-426E-40DD-AFC4-6F175D3DCCD1}">
+              <a14:hiddenFill xmlns:a14="http://schemas.microsoft.com/office/drawing/2010/main">
+                <a:solidFill>
+                  <a:srgbClr val="FFFFFF"/>
+                </a:solidFill>
+              </a14:hiddenFill>
+            </a:ext>
+          </a:extLst>
+        </p:spPr>
+      </p:pic>
+      <p:pic>
+        <p:nvPicPr>
+          <p:cNvPr id="19" name="Picture 4" descr="Purple github 10 icon - Free purple site logo icons">
+            <a:extLst>
+              <a:ext uri="{FF2B5EF4-FFF2-40B4-BE49-F238E27FC236}">
+                <a16:creationId xmlns:a16="http://schemas.microsoft.com/office/drawing/2014/main" id="{FBF25A19-2739-AD49-F1F2-697BBAD2CD20}"/>
+              </a:ext>
+            </a:extLst>
+          </p:cNvPr>
+          <p:cNvPicPr>
+            <a:picLocks noChangeAspect="1" noChangeArrowheads="1"/>
+          </p:cNvPicPr>
+          <p:nvPr/>
+        </p:nvPicPr>
+        <p:blipFill>
+          <a:blip r:embed="rId7">
+            <a:extLst>
+              <a:ext uri="{28A0092B-C50C-407E-A947-70E740481C1C}">
+                <a14:useLocalDpi xmlns:a14="http://schemas.microsoft.com/office/drawing/2010/main" val="0"/>
+              </a:ext>
+            </a:extLst>
+          </a:blip>
+          <a:srcRect/>
+          <a:stretch>
+            <a:fillRect/>
+          </a:stretch>
+        </p:blipFill>
+        <p:spPr bwMode="auto">
+          <a:xfrm>
+            <a:off x="5466565" y="1910992"/>
+            <a:ext cx="640359" cy="640359"/>
+          </a:xfrm>
+          <a:prstGeom prst="rect">
+            <a:avLst/>
+          </a:prstGeom>
+          <a:noFill/>
+          <a:extLst>
+            <a:ext uri="{909E8E84-426E-40DD-AFC4-6F175D3DCCD1}">
+              <a14:hiddenFill xmlns:a14="http://schemas.microsoft.com/office/drawing/2010/main">
+                <a:solidFill>
+                  <a:srgbClr val="FFFFFF"/>
+                </a:solidFill>
+              </a14:hiddenFill>
+            </a:ext>
+          </a:extLst>
+        </p:spPr>
+      </p:pic>
+      <p:pic>
+        <p:nvPicPr>
+          <p:cNvPr id="20" name="Picture 12" descr="Project Jupyter | Home">
+            <a:extLst>
+              <a:ext uri="{FF2B5EF4-FFF2-40B4-BE49-F238E27FC236}">
+                <a16:creationId xmlns:a16="http://schemas.microsoft.com/office/drawing/2014/main" id="{7D88BB84-9A23-DE4F-4E17-2EBC218DBC6C}"/>
+              </a:ext>
+            </a:extLst>
+          </p:cNvPr>
+          <p:cNvPicPr>
+            <a:picLocks noChangeAspect="1" noChangeArrowheads="1"/>
+          </p:cNvPicPr>
+          <p:nvPr/>
+        </p:nvPicPr>
+        <p:blipFill rotWithShape="1">
+          <a:blip r:embed="rId8">
+            <a:extLst>
+              <a:ext uri="{28A0092B-C50C-407E-A947-70E740481C1C}">
+                <a14:useLocalDpi xmlns:a14="http://schemas.microsoft.com/office/drawing/2010/main" val="0"/>
+              </a:ext>
+            </a:extLst>
+          </a:blip>
+          <a:srcRect r="19314"/>
+          <a:stretch/>
+        </p:blipFill>
+        <p:spPr bwMode="auto">
+          <a:xfrm>
+            <a:off x="6472086" y="816121"/>
+            <a:ext cx="1088013" cy="707942"/>
+          </a:xfrm>
+          <a:prstGeom prst="rect">
+            <a:avLst/>
+          </a:prstGeom>
+          <a:noFill/>
+          <a:extLst>
+            <a:ext uri="{909E8E84-426E-40DD-AFC4-6F175D3DCCD1}">
+              <a14:hiddenFill xmlns:a14="http://schemas.microsoft.com/office/drawing/2010/main">
+                <a:solidFill>
+                  <a:srgbClr val="FFFFFF"/>
+                </a:solidFill>
+              </a14:hiddenFill>
+            </a:ext>
+          </a:extLst>
+        </p:spPr>
+      </p:pic>
+      <p:sp>
+        <p:nvSpPr>
+          <p:cNvPr id="21" name="TextBox 20">
+            <a:extLst>
+              <a:ext uri="{FF2B5EF4-FFF2-40B4-BE49-F238E27FC236}">
+                <a16:creationId xmlns:a16="http://schemas.microsoft.com/office/drawing/2014/main" id="{D4645064-71DB-8D47-443E-DF5CDFFC0834}"/>
+              </a:ext>
+            </a:extLst>
+          </p:cNvPr>
+          <p:cNvSpPr txBox="1"/>
+          <p:nvPr/>
+        </p:nvSpPr>
+        <p:spPr>
+          <a:xfrm>
+            <a:off x="5466565" y="2895101"/>
+            <a:ext cx="3681051" cy="369332"/>
+          </a:xfrm>
+          <a:prstGeom prst="rect">
+            <a:avLst/>
+          </a:prstGeom>
+          <a:noFill/>
+        </p:spPr>
+        <p:txBody>
+          <a:bodyPr wrap="square" rtlCol="0">
+            <a:spAutoFit/>
+          </a:bodyPr>
+          <a:lstStyle/>
+          <a:p>
+            <a:r>
+              <a:rPr lang="en-US" dirty="0" err="1"/>
+              <a:t>github.com</a:t>
+            </a:r>
             <a:r>
               <a:rPr lang="en-US" dirty="0"/>
-              <a:t>Given that forking creates your own repo, the changes in the original repository </a:t>
-            </a:r>
-            <a:r>
-              <a:rPr lang="en-US" b="1" dirty="0"/>
-              <a:t>do not automatically update </a:t>
-            </a:r>
-            <a:r>
-              <a:rPr lang="en-US" dirty="0"/>
-              <a:t>in your personal repo</a:t>
-            </a:r>
-          </a:p>
-          <a:p>
+              <a:t>/student2/emoryqtm151</a:t>
+            </a:r>
+          </a:p>
+        </p:txBody>
+      </p:sp>
+      <p:sp>
+        <p:nvSpPr>
+          <p:cNvPr id="30" name="TextBox 29">
+            <a:extLst>
+              <a:ext uri="{FF2B5EF4-FFF2-40B4-BE49-F238E27FC236}">
+                <a16:creationId xmlns:a16="http://schemas.microsoft.com/office/drawing/2014/main" id="{90F9179B-4961-B51A-8BBE-1C7EFAB84102}"/>
+              </a:ext>
+            </a:extLst>
+          </p:cNvPr>
+          <p:cNvSpPr txBox="1"/>
+          <p:nvPr/>
+        </p:nvSpPr>
+        <p:spPr>
+          <a:xfrm>
+            <a:off x="9561995" y="671193"/>
+            <a:ext cx="2458511" cy="1200329"/>
+          </a:xfrm>
+          <a:prstGeom prst="rect">
+            <a:avLst/>
+          </a:prstGeom>
+          <a:noFill/>
+        </p:spPr>
+        <p:txBody>
+          <a:bodyPr wrap="square">
+            <a:spAutoFit/>
+          </a:bodyPr>
+          <a:lstStyle/>
+          <a:p>
+            <a:r>
+              <a:rPr lang="en-US" sz="1800" dirty="0"/>
+              <a:t>The changes made by each student are not shared across different websites.</a:t>
+            </a:r>
             <a:endParaRPr lang="en-US" dirty="0"/>
           </a:p>
-          <a:p>
-            <a:r>
-              <a:rPr lang="en-US" dirty="0"/>
-              <a:t>If you want to make changes to files in your personal repo, </a:t>
-            </a:r>
-            <a:r>
-              <a:rPr lang="en-US" b="1" dirty="0"/>
-              <a:t>change the names</a:t>
-            </a:r>
-            <a:r>
-              <a:rPr lang="en-US" dirty="0"/>
-              <a:t> of the files so they don’t get overwritten</a:t>
-            </a:r>
-          </a:p>
-        </p:txBody>
-      </p:sp>
+        </p:txBody>
+      </p:sp>
+      <p:sp>
+        <p:nvSpPr>
+          <p:cNvPr id="31" name="TextBox 30">
+            <a:extLst>
+              <a:ext uri="{FF2B5EF4-FFF2-40B4-BE49-F238E27FC236}">
+                <a16:creationId xmlns:a16="http://schemas.microsoft.com/office/drawing/2014/main" id="{92588E6C-C133-FAA4-4545-F1D2EF7375B9}"/>
+              </a:ext>
+            </a:extLst>
+          </p:cNvPr>
+          <p:cNvSpPr txBox="1"/>
+          <p:nvPr/>
+        </p:nvSpPr>
+        <p:spPr>
+          <a:xfrm>
+            <a:off x="9561993" y="2034687"/>
+            <a:ext cx="2458511" cy="923330"/>
+          </a:xfrm>
+          <a:prstGeom prst="rect">
+            <a:avLst/>
+          </a:prstGeom>
+          <a:noFill/>
+        </p:spPr>
+        <p:txBody>
+          <a:bodyPr wrap="square">
+            <a:spAutoFit/>
+          </a:bodyPr>
+          <a:lstStyle/>
+          <a:p>
+            <a:r>
+              <a:rPr lang="en-US" sz="1800" dirty="0"/>
+              <a:t>Over time the repositories could look quite distinct</a:t>
+            </a:r>
+            <a:endParaRPr lang="en-US" dirty="0"/>
+          </a:p>
+        </p:txBody>
+      </p:sp>
+      <p:sp>
+        <p:nvSpPr>
+          <p:cNvPr id="32" name="TextBox 31">
+            <a:extLst>
+              <a:ext uri="{FF2B5EF4-FFF2-40B4-BE49-F238E27FC236}">
+                <a16:creationId xmlns:a16="http://schemas.microsoft.com/office/drawing/2014/main" id="{A8A62C84-EAB7-5C62-5262-5C3A26E14A72}"/>
+              </a:ext>
+            </a:extLst>
+          </p:cNvPr>
+          <p:cNvSpPr txBox="1"/>
+          <p:nvPr/>
+        </p:nvSpPr>
+        <p:spPr>
+          <a:xfrm>
+            <a:off x="9561993" y="3181614"/>
+            <a:ext cx="2458511" cy="923330"/>
+          </a:xfrm>
+          <a:prstGeom prst="rect">
+            <a:avLst/>
+          </a:prstGeom>
+          <a:noFill/>
+        </p:spPr>
+        <p:txBody>
+          <a:bodyPr wrap="square">
+            <a:spAutoFit/>
+          </a:bodyPr>
+          <a:lstStyle/>
+          <a:p>
+            <a:r>
+              <a:rPr lang="en-US" sz="1800" dirty="0"/>
+              <a:t>The bottom panel shows the commits made by each student</a:t>
+            </a:r>
+            <a:endParaRPr lang="en-US" dirty="0"/>
+          </a:p>
+        </p:txBody>
+      </p:sp>
+      <p:pic>
+        <p:nvPicPr>
+          <p:cNvPr id="51" name="Picture 50">
+            <a:extLst>
+              <a:ext uri="{FF2B5EF4-FFF2-40B4-BE49-F238E27FC236}">
+                <a16:creationId xmlns:a16="http://schemas.microsoft.com/office/drawing/2014/main" id="{C777915B-3B36-5FA2-077A-5870CE962B22}"/>
+              </a:ext>
+            </a:extLst>
+          </p:cNvPr>
+          <p:cNvPicPr>
+            <a:picLocks noChangeAspect="1"/>
+          </p:cNvPicPr>
+          <p:nvPr/>
+        </p:nvPicPr>
+        <p:blipFill rotWithShape="1">
+          <a:blip r:embed="rId9"/>
+          <a:srcRect b="80875"/>
+          <a:stretch/>
+        </p:blipFill>
+        <p:spPr>
+          <a:xfrm>
+            <a:off x="1301687" y="3568949"/>
+            <a:ext cx="3556000" cy="461514"/>
+          </a:xfrm>
+          <a:prstGeom prst="rect">
+            <a:avLst/>
+          </a:prstGeom>
+        </p:spPr>
+      </p:pic>
+      <p:pic>
+        <p:nvPicPr>
+          <p:cNvPr id="52" name="Picture 51">
+            <a:extLst>
+              <a:ext uri="{FF2B5EF4-FFF2-40B4-BE49-F238E27FC236}">
+                <a16:creationId xmlns:a16="http://schemas.microsoft.com/office/drawing/2014/main" id="{8FD743CD-0E93-58DB-D89C-70D469E6CB18}"/>
+              </a:ext>
+            </a:extLst>
+          </p:cNvPr>
+          <p:cNvPicPr>
+            <a:picLocks noChangeAspect="1"/>
+          </p:cNvPicPr>
+          <p:nvPr/>
+        </p:nvPicPr>
+        <p:blipFill rotWithShape="1">
+          <a:blip r:embed="rId10"/>
+          <a:srcRect b="22229"/>
+          <a:stretch/>
+        </p:blipFill>
+        <p:spPr>
+          <a:xfrm>
+            <a:off x="5431840" y="3414474"/>
+            <a:ext cx="3556000" cy="1876617"/>
+          </a:xfrm>
+          <a:prstGeom prst="rect">
+            <a:avLst/>
+          </a:prstGeom>
+        </p:spPr>
+      </p:pic>
     </p:spTree>
     <p:extLst>
       <p:ext uri="{BB962C8B-B14F-4D97-AF65-F5344CB8AC3E}">
-        <p14:creationId xmlns:p14="http://schemas.microsoft.com/office/powerpoint/2010/main" val="3288630116"/>
+        <p14:creationId xmlns:p14="http://schemas.microsoft.com/office/powerpoint/2010/main" val="3023126900"/>
       </p:ext>
     </p:extLst>
   </p:cSld>
@@ -10868,21 +10677,21 @@
 </file>
 
 <file path=customXml/item1.xml><?xml version="1.0" encoding="utf-8"?>
+<p:properties xmlns:p="http://schemas.microsoft.com/office/2006/metadata/properties" xmlns:xsi="http://www.w3.org/2001/XMLSchema-instance" xmlns:pc="http://schemas.microsoft.com/office/infopath/2007/PartnerControls">
+  <documentManagement>
+    <Status xmlns="71af3243-3dd4-4a8d-8c0d-dd76da1f02a5">Not started</Status>
+    <MediaServiceKeyPoints xmlns="71af3243-3dd4-4a8d-8c0d-dd76da1f02a5" xsi:nil="true"/>
+  </documentManagement>
+</p:properties>
+</file>
+
+<file path=customXml/item2.xml><?xml version="1.0" encoding="utf-8"?>
 <?mso-contentType ?>
 <FormTemplates xmlns="http://schemas.microsoft.com/sharepoint/v3/contenttype/forms">
   <Display>DocumentLibraryForm</Display>
   <Edit>DocumentLibraryForm</Edit>
   <New>DocumentLibraryForm</New>
 </FormTemplates>
-</file>
-
-<file path=customXml/item2.xml><?xml version="1.0" encoding="utf-8"?>
-<p:properties xmlns:p="http://schemas.microsoft.com/office/2006/metadata/properties" xmlns:xsi="http://www.w3.org/2001/XMLSchema-instance" xmlns:pc="http://schemas.microsoft.com/office/infopath/2007/PartnerControls">
-  <documentManagement>
-    <Status xmlns="71af3243-3dd4-4a8d-8c0d-dd76da1f02a5">Not started</Status>
-    <MediaServiceKeyPoints xmlns="71af3243-3dd4-4a8d-8c0d-dd76da1f02a5" xsi:nil="true"/>
-  </documentManagement>
-</p:properties>
 </file>
 
 <file path=customXml/item3.xml><?xml version="1.0" encoding="utf-8"?>
@@ -11107,14 +10916,6 @@
 </file>
 
 <file path=customXml/itemProps1.xml><?xml version="1.0" encoding="utf-8"?>
-<ds:datastoreItem xmlns:ds="http://schemas.openxmlformats.org/officeDocument/2006/customXml" ds:itemID="{64B270AB-C138-415C-897E-3C24487DECF1}">
-  <ds:schemaRefs>
-    <ds:schemaRef ds:uri="http://schemas.microsoft.com/sharepoint/v3/contenttype/forms"/>
-  </ds:schemaRefs>
-</ds:datastoreItem>
-</file>
-
-<file path=customXml/itemProps2.xml><?xml version="1.0" encoding="utf-8"?>
 <ds:datastoreItem xmlns:ds="http://schemas.openxmlformats.org/officeDocument/2006/customXml" ds:itemID="{2C4C00F4-06E9-43E3-AD97-88A857CEFA82}">
   <ds:schemaRefs>
     <ds:schemaRef ds:uri="http://purl.org/dc/terms/"/>
@@ -11127,6 +10928,14 @@
     <ds:schemaRef ds:uri="71af3243-3dd4-4a8d-8c0d-dd76da1f02a5"/>
     <ds:schemaRef ds:uri="http://schemas.microsoft.com/office/2006/metadata/properties"/>
     <ds:schemaRef ds:uri="http://purl.org/dc/dcmitype/"/>
+  </ds:schemaRefs>
+</ds:datastoreItem>
+</file>
+
+<file path=customXml/itemProps2.xml><?xml version="1.0" encoding="utf-8"?>
+<ds:datastoreItem xmlns:ds="http://schemas.openxmlformats.org/officeDocument/2006/customXml" ds:itemID="{64B270AB-C138-415C-897E-3C24487DECF1}">
+  <ds:schemaRefs>
+    <ds:schemaRef ds:uri="http://schemas.microsoft.com/sharepoint/v3/contenttype/forms"/>
   </ds:schemaRefs>
 </ds:datastoreItem>
 </file>
